--- a/slides/lec2-6-variadics.pptx
+++ b/slides/lec2-6-variadics.pptx
@@ -68,10 +68,13 @@
     <p:sldId id="304" r:id="rId62"/>
     <p:sldId id="307" r:id="rId63"/>
     <p:sldId id="326" r:id="rId64"/>
-    <p:sldId id="291" r:id="rId65"/>
-    <p:sldId id="292" r:id="rId66"/>
-    <p:sldId id="293" r:id="rId67"/>
-    <p:sldId id="294" r:id="rId68"/>
+    <p:sldId id="327" r:id="rId65"/>
+    <p:sldId id="328" r:id="rId66"/>
+    <p:sldId id="329" r:id="rId67"/>
+    <p:sldId id="291" r:id="rId68"/>
+    <p:sldId id="292" r:id="rId69"/>
+    <p:sldId id="293" r:id="rId70"/>
+    <p:sldId id="294" r:id="rId71"/>
   </p:sldIdLst>
   <p:sldSz cx="12192000" cy="6858000"/>
   <p:notesSz cx="6858000" cy="9144000"/>
@@ -235,7 +238,7 @@
           <a:noFill/>
           <a:extLst>
             <a:ext uri="{909E8E84-426E-40dd-AFC4-6F175D3DCCD1}">
-              <a14:hiddenFill xmlns:a14="http://schemas.microsoft.com/office/drawing/2010/main" xmlns="">
+              <a14:hiddenFill xmlns="" xmlns:a14="http://schemas.microsoft.com/office/drawing/2010/main">
                 <a:solidFill>
                   <a:srgbClr val="FFFFFF"/>
                 </a:solidFill>
@@ -294,7 +297,7 @@
             </a:ln>
             <a:extLst>
               <a:ext uri="{91240B29-F687-4f45-9708-019B960494DF}">
-                <a14:hiddenLine xmlns:a14="http://schemas.microsoft.com/office/drawing/2010/main" xmlns="" w="9525">
+                <a14:hiddenLine xmlns="" xmlns:a14="http://schemas.microsoft.com/office/drawing/2010/main" w="9525">
                   <a:solidFill>
                     <a:srgbClr val="000000"/>
                   </a:solidFill>
@@ -384,7 +387,7 @@
             </a:ln>
             <a:extLst>
               <a:ext uri="{91240B29-F687-4f45-9708-019B960494DF}">
-                <a14:hiddenLine xmlns:a14="http://schemas.microsoft.com/office/drawing/2010/main" xmlns="" w="9525">
+                <a14:hiddenLine xmlns="" xmlns:a14="http://schemas.microsoft.com/office/drawing/2010/main" w="9525">
                   <a:solidFill>
                     <a:srgbClr val="000000"/>
                   </a:solidFill>
@@ -474,7 +477,7 @@
             </a:ln>
             <a:extLst>
               <a:ext uri="{91240B29-F687-4f45-9708-019B960494DF}">
-                <a14:hiddenLine xmlns:a14="http://schemas.microsoft.com/office/drawing/2010/main" xmlns="" w="9525">
+                <a14:hiddenLine xmlns="" xmlns:a14="http://schemas.microsoft.com/office/drawing/2010/main" w="9525">
                   <a:solidFill>
                     <a:srgbClr val="000000"/>
                   </a:solidFill>
@@ -508,7 +511,7 @@
             </a:ln>
             <a:extLst>
               <a:ext uri="{91240B29-F687-4f45-9708-019B960494DF}">
-                <a14:hiddenLine xmlns:a14="http://schemas.microsoft.com/office/drawing/2010/main" xmlns="" w="9525">
+                <a14:hiddenLine xmlns="" xmlns:a14="http://schemas.microsoft.com/office/drawing/2010/main" w="9525">
                   <a:solidFill>
                     <a:srgbClr val="000000"/>
                   </a:solidFill>
@@ -598,7 +601,7 @@
             </a:ln>
             <a:extLst>
               <a:ext uri="{91240B29-F687-4f45-9708-019B960494DF}">
-                <a14:hiddenLine xmlns:a14="http://schemas.microsoft.com/office/drawing/2010/main" xmlns="" w="9525">
+                <a14:hiddenLine xmlns="" xmlns:a14="http://schemas.microsoft.com/office/drawing/2010/main" w="9525">
                   <a:solidFill>
                     <a:srgbClr val="000000"/>
                   </a:solidFill>
@@ -660,7 +663,7 @@
             </a:ln>
             <a:extLst>
               <a:ext uri="{91240B29-F687-4f45-9708-019B960494DF}">
-                <a14:hiddenLine xmlns:a14="http://schemas.microsoft.com/office/drawing/2010/main" xmlns="" w="9525">
+                <a14:hiddenLine xmlns="" xmlns:a14="http://schemas.microsoft.com/office/drawing/2010/main" w="9525">
                   <a:solidFill>
                     <a:srgbClr val="000000"/>
                   </a:solidFill>
@@ -722,7 +725,7 @@
             </a:ln>
             <a:extLst>
               <a:ext uri="{91240B29-F687-4f45-9708-019B960494DF}">
-                <a14:hiddenLine xmlns:a14="http://schemas.microsoft.com/office/drawing/2010/main" xmlns="" w="9525">
+                <a14:hiddenLine xmlns="" xmlns:a14="http://schemas.microsoft.com/office/drawing/2010/main" w="9525">
                   <a:solidFill>
                     <a:srgbClr val="000000"/>
                   </a:solidFill>
@@ -812,7 +815,7 @@
             </a:ln>
             <a:extLst>
               <a:ext uri="{91240B29-F687-4f45-9708-019B960494DF}">
-                <a14:hiddenLine xmlns:a14="http://schemas.microsoft.com/office/drawing/2010/main" xmlns="" w="9525">
+                <a14:hiddenLine xmlns="" xmlns:a14="http://schemas.microsoft.com/office/drawing/2010/main" w="9525">
                   <a:solidFill>
                     <a:srgbClr val="000000"/>
                   </a:solidFill>
@@ -874,7 +877,7 @@
             </a:ln>
             <a:extLst>
               <a:ext uri="{91240B29-F687-4f45-9708-019B960494DF}">
-                <a14:hiddenLine xmlns:a14="http://schemas.microsoft.com/office/drawing/2010/main" xmlns="" w="9525">
+                <a14:hiddenLine xmlns="" xmlns:a14="http://schemas.microsoft.com/office/drawing/2010/main" w="9525">
                   <a:solidFill>
                     <a:srgbClr val="000000"/>
                   </a:solidFill>
@@ -936,7 +939,7 @@
             </a:ln>
             <a:extLst>
               <a:ext uri="{91240B29-F687-4f45-9708-019B960494DF}">
-                <a14:hiddenLine xmlns:a14="http://schemas.microsoft.com/office/drawing/2010/main" xmlns="" w="9525">
+                <a14:hiddenLine xmlns="" xmlns:a14="http://schemas.microsoft.com/office/drawing/2010/main" w="9525">
                   <a:solidFill>
                     <a:srgbClr val="000000"/>
                   </a:solidFill>
@@ -1026,7 +1029,7 @@
             </a:ln>
             <a:extLst>
               <a:ext uri="{91240B29-F687-4f45-9708-019B960494DF}">
-                <a14:hiddenLine xmlns:a14="http://schemas.microsoft.com/office/drawing/2010/main" xmlns="" w="9525">
+                <a14:hiddenLine xmlns="" xmlns:a14="http://schemas.microsoft.com/office/drawing/2010/main" w="9525">
                   <a:solidFill>
                     <a:srgbClr val="000000"/>
                   </a:solidFill>
@@ -1116,7 +1119,7 @@
             </a:ln>
             <a:extLst>
               <a:ext uri="{91240B29-F687-4f45-9708-019B960494DF}">
-                <a14:hiddenLine xmlns:a14="http://schemas.microsoft.com/office/drawing/2010/main" xmlns="" w="9525">
+                <a14:hiddenLine xmlns="" xmlns:a14="http://schemas.microsoft.com/office/drawing/2010/main" w="9525">
                   <a:solidFill>
                     <a:srgbClr val="000000"/>
                   </a:solidFill>
@@ -1178,7 +1181,7 @@
             </a:ln>
             <a:extLst>
               <a:ext uri="{91240B29-F687-4f45-9708-019B960494DF}">
-                <a14:hiddenLine xmlns:a14="http://schemas.microsoft.com/office/drawing/2010/main" xmlns="" w="9525">
+                <a14:hiddenLine xmlns="" xmlns:a14="http://schemas.microsoft.com/office/drawing/2010/main" w="9525">
                   <a:solidFill>
                     <a:srgbClr val="000000"/>
                   </a:solidFill>
@@ -1288,7 +1291,7 @@
             </a:ln>
             <a:extLst>
               <a:ext uri="{91240B29-F687-4f45-9708-019B960494DF}">
-                <a14:hiddenLine xmlns:a14="http://schemas.microsoft.com/office/drawing/2010/main" xmlns="" w="9525">
+                <a14:hiddenLine xmlns="" xmlns:a14="http://schemas.microsoft.com/office/drawing/2010/main" w="9525">
                   <a:solidFill>
                     <a:srgbClr val="000000"/>
                   </a:solidFill>
@@ -1350,7 +1353,7 @@
             </a:ln>
             <a:extLst>
               <a:ext uri="{91240B29-F687-4f45-9708-019B960494DF}">
-                <a14:hiddenLine xmlns:a14="http://schemas.microsoft.com/office/drawing/2010/main" xmlns="" w="9525">
+                <a14:hiddenLine xmlns="" xmlns:a14="http://schemas.microsoft.com/office/drawing/2010/main" w="9525">
                   <a:solidFill>
                     <a:srgbClr val="000000"/>
                   </a:solidFill>
@@ -1440,7 +1443,7 @@
             </a:ln>
             <a:extLst>
               <a:ext uri="{91240B29-F687-4f45-9708-019B960494DF}">
-                <a14:hiddenLine xmlns:a14="http://schemas.microsoft.com/office/drawing/2010/main" xmlns="" w="9525">
+                <a14:hiddenLine xmlns="" xmlns:a14="http://schemas.microsoft.com/office/drawing/2010/main" w="9525">
                   <a:solidFill>
                     <a:srgbClr val="000000"/>
                   </a:solidFill>
@@ -1530,7 +1533,7 @@
             </a:ln>
             <a:extLst>
               <a:ext uri="{91240B29-F687-4f45-9708-019B960494DF}">
-                <a14:hiddenLine xmlns:a14="http://schemas.microsoft.com/office/drawing/2010/main" xmlns="" w="9525">
+                <a14:hiddenLine xmlns="" xmlns:a14="http://schemas.microsoft.com/office/drawing/2010/main" w="9525">
                   <a:solidFill>
                     <a:srgbClr val="000000"/>
                   </a:solidFill>
@@ -1592,7 +1595,7 @@
             </a:ln>
             <a:extLst>
               <a:ext uri="{91240B29-F687-4f45-9708-019B960494DF}">
-                <a14:hiddenLine xmlns:a14="http://schemas.microsoft.com/office/drawing/2010/main" xmlns="" w="9525">
+                <a14:hiddenLine xmlns="" xmlns:a14="http://schemas.microsoft.com/office/drawing/2010/main" w="9525">
                   <a:solidFill>
                     <a:srgbClr val="000000"/>
                   </a:solidFill>
@@ -1682,7 +1685,7 @@
             </a:ln>
             <a:extLst>
               <a:ext uri="{91240B29-F687-4f45-9708-019B960494DF}">
-                <a14:hiddenLine xmlns:a14="http://schemas.microsoft.com/office/drawing/2010/main" xmlns="" w="9525">
+                <a14:hiddenLine xmlns="" xmlns:a14="http://schemas.microsoft.com/office/drawing/2010/main" w="9525">
                   <a:solidFill>
                     <a:srgbClr val="000000"/>
                   </a:solidFill>
@@ -1772,7 +1775,7 @@
             </a:ln>
             <a:extLst>
               <a:ext uri="{91240B29-F687-4f45-9708-019B960494DF}">
-                <a14:hiddenLine xmlns:a14="http://schemas.microsoft.com/office/drawing/2010/main" xmlns="" w="9525">
+                <a14:hiddenLine xmlns="" xmlns:a14="http://schemas.microsoft.com/office/drawing/2010/main" w="9525">
                   <a:solidFill>
                     <a:srgbClr val="000000"/>
                   </a:solidFill>
@@ -1828,7 +1831,7 @@
             </a:ln>
             <a:extLst>
               <a:ext uri="{91240B29-F687-4f45-9708-019B960494DF}">
-                <a14:hiddenLine xmlns:a14="http://schemas.microsoft.com/office/drawing/2010/main" xmlns="" w="9525">
+                <a14:hiddenLine xmlns="" xmlns:a14="http://schemas.microsoft.com/office/drawing/2010/main" w="9525">
                   <a:solidFill>
                     <a:srgbClr val="000000"/>
                   </a:solidFill>
@@ -1918,7 +1921,7 @@
             </a:ln>
             <a:extLst>
               <a:ext uri="{91240B29-F687-4f45-9708-019B960494DF}">
-                <a14:hiddenLine xmlns:a14="http://schemas.microsoft.com/office/drawing/2010/main" xmlns="" w="9525">
+                <a14:hiddenLine xmlns="" xmlns:a14="http://schemas.microsoft.com/office/drawing/2010/main" w="9525">
                   <a:solidFill>
                     <a:srgbClr val="000000"/>
                   </a:solidFill>
@@ -1974,7 +1977,7 @@
             </a:ln>
             <a:extLst>
               <a:ext uri="{91240B29-F687-4f45-9708-019B960494DF}">
-                <a14:hiddenLine xmlns:a14="http://schemas.microsoft.com/office/drawing/2010/main" xmlns="" w="9525">
+                <a14:hiddenLine xmlns="" xmlns:a14="http://schemas.microsoft.com/office/drawing/2010/main" w="9525">
                   <a:solidFill>
                     <a:srgbClr val="000000"/>
                   </a:solidFill>
@@ -2064,7 +2067,7 @@
             </a:ln>
             <a:extLst>
               <a:ext uri="{91240B29-F687-4f45-9708-019B960494DF}">
-                <a14:hiddenLine xmlns:a14="http://schemas.microsoft.com/office/drawing/2010/main" xmlns="" w="9525">
+                <a14:hiddenLine xmlns="" xmlns:a14="http://schemas.microsoft.com/office/drawing/2010/main" w="9525">
                   <a:solidFill>
                     <a:srgbClr val="000000"/>
                   </a:solidFill>
@@ -2132,7 +2135,7 @@
             </a:ln>
             <a:extLst>
               <a:ext uri="{91240B29-F687-4f45-9708-019B960494DF}">
-                <a14:hiddenLine xmlns:a14="http://schemas.microsoft.com/office/drawing/2010/main" xmlns="" w="9525">
+                <a14:hiddenLine xmlns="" xmlns:a14="http://schemas.microsoft.com/office/drawing/2010/main" w="9525">
                   <a:solidFill>
                     <a:srgbClr val="000000"/>
                   </a:solidFill>
@@ -2222,7 +2225,7 @@
             </a:ln>
             <a:extLst>
               <a:ext uri="{91240B29-F687-4f45-9708-019B960494DF}">
-                <a14:hiddenLine xmlns:a14="http://schemas.microsoft.com/office/drawing/2010/main" xmlns="" w="9525">
+                <a14:hiddenLine xmlns="" xmlns:a14="http://schemas.microsoft.com/office/drawing/2010/main" w="9525">
                   <a:solidFill>
                     <a:srgbClr val="000000"/>
                   </a:solidFill>
@@ -2290,7 +2293,7 @@
             </a:ln>
             <a:extLst>
               <a:ext uri="{91240B29-F687-4f45-9708-019B960494DF}">
-                <a14:hiddenLine xmlns:a14="http://schemas.microsoft.com/office/drawing/2010/main" xmlns="" w="9525">
+                <a14:hiddenLine xmlns="" xmlns:a14="http://schemas.microsoft.com/office/drawing/2010/main" w="9525">
                   <a:solidFill>
                     <a:srgbClr val="000000"/>
                   </a:solidFill>
@@ -2380,7 +2383,7 @@
             </a:ln>
             <a:extLst>
               <a:ext uri="{91240B29-F687-4f45-9708-019B960494DF}">
-                <a14:hiddenLine xmlns:a14="http://schemas.microsoft.com/office/drawing/2010/main" xmlns="" w="9525">
+                <a14:hiddenLine xmlns="" xmlns:a14="http://schemas.microsoft.com/office/drawing/2010/main" w="9525">
                   <a:solidFill>
                     <a:srgbClr val="000000"/>
                   </a:solidFill>
@@ -2414,7 +2417,7 @@
             </a:ln>
             <a:extLst>
               <a:ext uri="{91240B29-F687-4f45-9708-019B960494DF}">
-                <a14:hiddenLine xmlns:a14="http://schemas.microsoft.com/office/drawing/2010/main" xmlns="" w="9525">
+                <a14:hiddenLine xmlns="" xmlns:a14="http://schemas.microsoft.com/office/drawing/2010/main" w="9525">
                   <a:solidFill>
                     <a:srgbClr val="000000"/>
                   </a:solidFill>
@@ -2504,7 +2507,7 @@
             </a:ln>
             <a:extLst>
               <a:ext uri="{91240B29-F687-4f45-9708-019B960494DF}">
-                <a14:hiddenLine xmlns:a14="http://schemas.microsoft.com/office/drawing/2010/main" xmlns="" w="9525">
+                <a14:hiddenLine xmlns="" xmlns:a14="http://schemas.microsoft.com/office/drawing/2010/main" w="9525">
                   <a:solidFill>
                     <a:srgbClr val="000000"/>
                   </a:solidFill>
@@ -2566,7 +2569,7 @@
             </a:ln>
             <a:extLst>
               <a:ext uri="{91240B29-F687-4f45-9708-019B960494DF}">
-                <a14:hiddenLine xmlns:a14="http://schemas.microsoft.com/office/drawing/2010/main" xmlns="" w="9525">
+                <a14:hiddenLine xmlns="" xmlns:a14="http://schemas.microsoft.com/office/drawing/2010/main" w="9525">
                   <a:solidFill>
                     <a:srgbClr val="000000"/>
                   </a:solidFill>
@@ -2628,7 +2631,7 @@
             </a:ln>
             <a:extLst>
               <a:ext uri="{91240B29-F687-4f45-9708-019B960494DF}">
-                <a14:hiddenLine xmlns:a14="http://schemas.microsoft.com/office/drawing/2010/main" xmlns="" w="9525">
+                <a14:hiddenLine xmlns="" xmlns:a14="http://schemas.microsoft.com/office/drawing/2010/main" w="9525">
                   <a:solidFill>
                     <a:srgbClr val="000000"/>
                   </a:solidFill>
@@ -2718,7 +2721,7 @@
             </a:ln>
             <a:extLst>
               <a:ext uri="{91240B29-F687-4f45-9708-019B960494DF}">
-                <a14:hiddenLine xmlns:a14="http://schemas.microsoft.com/office/drawing/2010/main" xmlns="" w="9525">
+                <a14:hiddenLine xmlns="" xmlns:a14="http://schemas.microsoft.com/office/drawing/2010/main" w="9525">
                   <a:solidFill>
                     <a:srgbClr val="000000"/>
                   </a:solidFill>
@@ -2786,7 +2789,7 @@
             </a:ln>
             <a:extLst>
               <a:ext uri="{91240B29-F687-4f45-9708-019B960494DF}">
-                <a14:hiddenLine xmlns:a14="http://schemas.microsoft.com/office/drawing/2010/main" xmlns="" w="9525">
+                <a14:hiddenLine xmlns="" xmlns:a14="http://schemas.microsoft.com/office/drawing/2010/main" w="9525">
                   <a:solidFill>
                     <a:srgbClr val="000000"/>
                   </a:solidFill>
@@ -2848,7 +2851,7 @@
             </a:ln>
             <a:extLst>
               <a:ext uri="{91240B29-F687-4f45-9708-019B960494DF}">
-                <a14:hiddenLine xmlns:a14="http://schemas.microsoft.com/office/drawing/2010/main" xmlns="" w="9525">
+                <a14:hiddenLine xmlns="" xmlns:a14="http://schemas.microsoft.com/office/drawing/2010/main" w="9525">
                   <a:solidFill>
                     <a:srgbClr val="000000"/>
                   </a:solidFill>
@@ -2938,7 +2941,7 @@
             </a:ln>
             <a:extLst>
               <a:ext uri="{91240B29-F687-4f45-9708-019B960494DF}">
-                <a14:hiddenLine xmlns:a14="http://schemas.microsoft.com/office/drawing/2010/main" xmlns="" w="9525">
+                <a14:hiddenLine xmlns="" xmlns:a14="http://schemas.microsoft.com/office/drawing/2010/main" w="9525">
                   <a:solidFill>
                     <a:srgbClr val="000000"/>
                   </a:solidFill>
@@ -3000,7 +3003,7 @@
             </a:ln>
             <a:extLst>
               <a:ext uri="{91240B29-F687-4f45-9708-019B960494DF}">
-                <a14:hiddenLine xmlns:a14="http://schemas.microsoft.com/office/drawing/2010/main" xmlns="" w="9525">
+                <a14:hiddenLine xmlns="" xmlns:a14="http://schemas.microsoft.com/office/drawing/2010/main" w="9525">
                   <a:solidFill>
                     <a:srgbClr val="000000"/>
                   </a:solidFill>
@@ -3090,7 +3093,7 @@
             </a:ln>
             <a:extLst>
               <a:ext uri="{91240B29-F687-4f45-9708-019B960494DF}">
-                <a14:hiddenLine xmlns:a14="http://schemas.microsoft.com/office/drawing/2010/main" xmlns="" w="9525">
+                <a14:hiddenLine xmlns="" xmlns:a14="http://schemas.microsoft.com/office/drawing/2010/main" w="9525">
                   <a:solidFill>
                     <a:srgbClr val="000000"/>
                   </a:solidFill>
@@ -3152,7 +3155,7 @@
             </a:ln>
             <a:extLst>
               <a:ext uri="{91240B29-F687-4f45-9708-019B960494DF}">
-                <a14:hiddenLine xmlns:a14="http://schemas.microsoft.com/office/drawing/2010/main" xmlns="" w="9525">
+                <a14:hiddenLine xmlns="" xmlns:a14="http://schemas.microsoft.com/office/drawing/2010/main" w="9525">
                   <a:solidFill>
                     <a:srgbClr val="000000"/>
                   </a:solidFill>
@@ -3242,7 +3245,7 @@
             </a:ln>
             <a:extLst>
               <a:ext uri="{91240B29-F687-4f45-9708-019B960494DF}">
-                <a14:hiddenLine xmlns:a14="http://schemas.microsoft.com/office/drawing/2010/main" xmlns="" w="9525">
+                <a14:hiddenLine xmlns="" xmlns:a14="http://schemas.microsoft.com/office/drawing/2010/main" w="9525">
                   <a:solidFill>
                     <a:srgbClr val="000000"/>
                   </a:solidFill>
@@ -3276,7 +3279,7 @@
             </a:ln>
             <a:extLst>
               <a:ext uri="{91240B29-F687-4f45-9708-019B960494DF}">
-                <a14:hiddenLine xmlns:a14="http://schemas.microsoft.com/office/drawing/2010/main" xmlns="" w="9525">
+                <a14:hiddenLine xmlns="" xmlns:a14="http://schemas.microsoft.com/office/drawing/2010/main" w="9525">
                   <a:solidFill>
                     <a:srgbClr val="000000"/>
                   </a:solidFill>
@@ -3341,7 +3344,7 @@
             </a:ln>
             <a:extLst>
               <a:ext uri="{91240B29-F687-4f45-9708-019B960494DF}">
-                <a14:hiddenLine xmlns:a14="http://schemas.microsoft.com/office/drawing/2010/main" xmlns="" w="9525">
+                <a14:hiddenLine xmlns="" xmlns:a14="http://schemas.microsoft.com/office/drawing/2010/main" w="9525">
                   <a:solidFill>
                     <a:srgbClr val="000000"/>
                   </a:solidFill>
@@ -3431,7 +3434,7 @@
             </a:ln>
             <a:extLst>
               <a:ext uri="{91240B29-F687-4f45-9708-019B960494DF}">
-                <a14:hiddenLine xmlns:a14="http://schemas.microsoft.com/office/drawing/2010/main" xmlns="" w="9525">
+                <a14:hiddenLine xmlns="" xmlns:a14="http://schemas.microsoft.com/office/drawing/2010/main" w="9525">
                   <a:solidFill>
                     <a:srgbClr val="000000"/>
                   </a:solidFill>
@@ -3493,7 +3496,7 @@
             </a:ln>
             <a:extLst>
               <a:ext uri="{91240B29-F687-4f45-9708-019B960494DF}">
-                <a14:hiddenLine xmlns:a14="http://schemas.microsoft.com/office/drawing/2010/main" xmlns="" w="9525">
+                <a14:hiddenLine xmlns="" xmlns:a14="http://schemas.microsoft.com/office/drawing/2010/main" w="9525">
                   <a:solidFill>
                     <a:srgbClr val="000000"/>
                   </a:solidFill>
@@ -3583,7 +3586,7 @@
             </a:ln>
             <a:extLst>
               <a:ext uri="{91240B29-F687-4f45-9708-019B960494DF}">
-                <a14:hiddenLine xmlns:a14="http://schemas.microsoft.com/office/drawing/2010/main" xmlns="" w="9525">
+                <a14:hiddenLine xmlns="" xmlns:a14="http://schemas.microsoft.com/office/drawing/2010/main" w="9525">
                   <a:solidFill>
                     <a:srgbClr val="000000"/>
                   </a:solidFill>
@@ -3673,7 +3676,7 @@
             </a:ln>
             <a:extLst>
               <a:ext uri="{91240B29-F687-4f45-9708-019B960494DF}">
-                <a14:hiddenLine xmlns:a14="http://schemas.microsoft.com/office/drawing/2010/main" xmlns="" w="9525">
+                <a14:hiddenLine xmlns="" xmlns:a14="http://schemas.microsoft.com/office/drawing/2010/main" w="9525">
                   <a:solidFill>
                     <a:srgbClr val="000000"/>
                   </a:solidFill>
@@ -3738,7 +3741,7 @@
             </a:ln>
             <a:extLst>
               <a:ext uri="{91240B29-F687-4f45-9708-019B960494DF}">
-                <a14:hiddenLine xmlns:a14="http://schemas.microsoft.com/office/drawing/2010/main" xmlns="" w="9525">
+                <a14:hiddenLine xmlns="" xmlns:a14="http://schemas.microsoft.com/office/drawing/2010/main" w="9525">
                   <a:solidFill>
                     <a:srgbClr val="000000"/>
                   </a:solidFill>
@@ -3800,7 +3803,7 @@
             </a:ln>
             <a:extLst>
               <a:ext uri="{91240B29-F687-4f45-9708-019B960494DF}">
-                <a14:hiddenLine xmlns:a14="http://schemas.microsoft.com/office/drawing/2010/main" xmlns="" w="9525">
+                <a14:hiddenLine xmlns="" xmlns:a14="http://schemas.microsoft.com/office/drawing/2010/main" w="9525">
                   <a:solidFill>
                     <a:srgbClr val="000000"/>
                   </a:solidFill>
@@ -3890,7 +3893,7 @@
             </a:ln>
             <a:extLst>
               <a:ext uri="{91240B29-F687-4f45-9708-019B960494DF}">
-                <a14:hiddenLine xmlns:a14="http://schemas.microsoft.com/office/drawing/2010/main" xmlns="" w="9525">
+                <a14:hiddenLine xmlns="" xmlns:a14="http://schemas.microsoft.com/office/drawing/2010/main" w="9525">
                   <a:solidFill>
                     <a:srgbClr val="000000"/>
                   </a:solidFill>
@@ -3980,7 +3983,7 @@
             </a:ln>
             <a:extLst>
               <a:ext uri="{91240B29-F687-4f45-9708-019B960494DF}">
-                <a14:hiddenLine xmlns:a14="http://schemas.microsoft.com/office/drawing/2010/main" xmlns="" w="9525">
+                <a14:hiddenLine xmlns="" xmlns:a14="http://schemas.microsoft.com/office/drawing/2010/main" w="9525">
                   <a:solidFill>
                     <a:srgbClr val="000000"/>
                   </a:solidFill>
@@ -4042,7 +4045,7 @@
             </a:ln>
             <a:extLst>
               <a:ext uri="{91240B29-F687-4f45-9708-019B960494DF}">
-                <a14:hiddenLine xmlns:a14="http://schemas.microsoft.com/office/drawing/2010/main" xmlns="" w="9525">
+                <a14:hiddenLine xmlns="" xmlns:a14="http://schemas.microsoft.com/office/drawing/2010/main" w="9525">
                   <a:solidFill>
                     <a:srgbClr val="000000"/>
                   </a:solidFill>
@@ -4162,7 +4165,7 @@
             </a:ln>
             <a:extLst>
               <a:ext uri="{91240B29-F687-4f45-9708-019B960494DF}">
-                <a14:hiddenLine xmlns:a14="http://schemas.microsoft.com/office/drawing/2010/main" xmlns="" w="9525">
+                <a14:hiddenLine xmlns="" xmlns:a14="http://schemas.microsoft.com/office/drawing/2010/main" w="9525">
                   <a:solidFill>
                     <a:srgbClr val="000000"/>
                   </a:solidFill>
@@ -4230,7 +4233,7 @@
             </a:ln>
             <a:extLst>
               <a:ext uri="{91240B29-F687-4f45-9708-019B960494DF}">
-                <a14:hiddenLine xmlns:a14="http://schemas.microsoft.com/office/drawing/2010/main" xmlns="" w="9525">
+                <a14:hiddenLine xmlns="" xmlns:a14="http://schemas.microsoft.com/office/drawing/2010/main" w="9525">
                   <a:solidFill>
                     <a:srgbClr val="000000"/>
                   </a:solidFill>
@@ -4320,7 +4323,7 @@
             </a:ln>
             <a:extLst>
               <a:ext uri="{91240B29-F687-4f45-9708-019B960494DF}">
-                <a14:hiddenLine xmlns:a14="http://schemas.microsoft.com/office/drawing/2010/main" xmlns="" w="9525">
+                <a14:hiddenLine xmlns="" xmlns:a14="http://schemas.microsoft.com/office/drawing/2010/main" w="9525">
                   <a:solidFill>
                     <a:srgbClr val="000000"/>
                   </a:solidFill>
@@ -4460,7 +4463,7 @@
           <a:p>
             <a:fld id="{48A87A34-81AB-432B-8DAE-1953F412C126}" type="datetimeFigureOut">
               <a:rPr lang="en-US" dirty="0"/>
-              <a:t>3/14/2017</a:t>
+              <a:t>3/17/2017</a:t>
             </a:fld>
             <a:endParaRPr lang="en-US" dirty="0"/>
           </a:p>
@@ -4722,7 +4725,7 @@
           <a:p>
             <a:fld id="{48A87A34-81AB-432B-8DAE-1953F412C126}" type="datetimeFigureOut">
               <a:rPr lang="en-US" dirty="0"/>
-              <a:t>3/14/2017</a:t>
+              <a:t>3/17/2017</a:t>
             </a:fld>
             <a:endParaRPr lang="en-US" dirty="0"/>
           </a:p>
@@ -4913,7 +4916,7 @@
           <a:p>
             <a:fld id="{48A87A34-81AB-432B-8DAE-1953F412C126}" type="datetimeFigureOut">
               <a:rPr lang="en-US" dirty="0"/>
-              <a:t>3/14/2017</a:t>
+              <a:t>3/17/2017</a:t>
             </a:fld>
             <a:endParaRPr lang="en-US" dirty="0"/>
           </a:p>
@@ -5171,7 +5174,7 @@
           <a:p>
             <a:fld id="{48A87A34-81AB-432B-8DAE-1953F412C126}" type="datetimeFigureOut">
               <a:rPr lang="en-US" dirty="0"/>
-              <a:t>3/14/2017</a:t>
+              <a:t>3/17/2017</a:t>
             </a:fld>
             <a:endParaRPr lang="en-US" dirty="0"/>
           </a:p>
@@ -5600,7 +5603,7 @@
           <a:p>
             <a:fld id="{48A87A34-81AB-432B-8DAE-1953F412C126}" type="datetimeFigureOut">
               <a:rPr lang="en-US" dirty="0"/>
-              <a:t>3/14/2017</a:t>
+              <a:t>3/17/2017</a:t>
             </a:fld>
             <a:endParaRPr lang="en-US" dirty="0"/>
           </a:p>
@@ -6141,7 +6144,7 @@
           <a:p>
             <a:fld id="{48A87A34-81AB-432B-8DAE-1953F412C126}" type="datetimeFigureOut">
               <a:rPr lang="en-US" dirty="0"/>
-              <a:t>3/14/2017</a:t>
+              <a:t>3/17/2017</a:t>
             </a:fld>
             <a:endParaRPr lang="en-US" dirty="0"/>
           </a:p>
@@ -6856,7 +6859,7 @@
           <a:p>
             <a:fld id="{48A87A34-81AB-432B-8DAE-1953F412C126}" type="datetimeFigureOut">
               <a:rPr lang="en-US" dirty="0"/>
-              <a:t>3/14/2017</a:t>
+              <a:t>3/17/2017</a:t>
             </a:fld>
             <a:endParaRPr lang="en-US" dirty="0"/>
           </a:p>
@@ -7021,7 +7024,7 @@
           <a:p>
             <a:fld id="{48A87A34-81AB-432B-8DAE-1953F412C126}" type="datetimeFigureOut">
               <a:rPr lang="en-US" dirty="0"/>
-              <a:t>3/14/2017</a:t>
+              <a:t>3/17/2017</a:t>
             </a:fld>
             <a:endParaRPr lang="en-US" dirty="0"/>
           </a:p>
@@ -7196,7 +7199,7 @@
           <a:p>
             <a:fld id="{48A87A34-81AB-432B-8DAE-1953F412C126}" type="datetimeFigureOut">
               <a:rPr lang="en-US" dirty="0"/>
-              <a:t>3/14/2017</a:t>
+              <a:t>3/17/2017</a:t>
             </a:fld>
             <a:endParaRPr lang="en-US" dirty="0"/>
           </a:p>
@@ -7361,7 +7364,7 @@
           <a:p>
             <a:fld id="{48A87A34-81AB-432B-8DAE-1953F412C126}" type="datetimeFigureOut">
               <a:rPr lang="en-US" dirty="0"/>
-              <a:t>3/14/2017</a:t>
+              <a:t>3/17/2017</a:t>
             </a:fld>
             <a:endParaRPr lang="en-US" dirty="0"/>
           </a:p>
@@ -7606,7 +7609,7 @@
           <a:p>
             <a:fld id="{48A87A34-81AB-432B-8DAE-1953F412C126}" type="datetimeFigureOut">
               <a:rPr lang="en-US" dirty="0"/>
-              <a:t>3/14/2017</a:t>
+              <a:t>3/17/2017</a:t>
             </a:fld>
             <a:endParaRPr lang="en-US" dirty="0"/>
           </a:p>
@@ -7833,7 +7836,7 @@
           <a:p>
             <a:fld id="{48A87A34-81AB-432B-8DAE-1953F412C126}" type="datetimeFigureOut">
               <a:rPr lang="en-US" dirty="0"/>
-              <a:t>3/14/2017</a:t>
+              <a:t>3/17/2017</a:t>
             </a:fld>
             <a:endParaRPr lang="en-US" dirty="0"/>
           </a:p>
@@ -8209,7 +8212,7 @@
           <a:p>
             <a:fld id="{48A87A34-81AB-432B-8DAE-1953F412C126}" type="datetimeFigureOut">
               <a:rPr lang="en-US" dirty="0"/>
-              <a:t>3/14/2017</a:t>
+              <a:t>3/17/2017</a:t>
             </a:fld>
             <a:endParaRPr lang="en-US" dirty="0"/>
           </a:p>
@@ -8322,7 +8325,7 @@
           <a:p>
             <a:fld id="{48A87A34-81AB-432B-8DAE-1953F412C126}" type="datetimeFigureOut">
               <a:rPr lang="en-US" dirty="0"/>
-              <a:t>3/14/2017</a:t>
+              <a:t>3/17/2017</a:t>
             </a:fld>
             <a:endParaRPr lang="en-US" dirty="0"/>
           </a:p>
@@ -8412,7 +8415,7 @@
           <a:p>
             <a:fld id="{48A87A34-81AB-432B-8DAE-1953F412C126}" type="datetimeFigureOut">
               <a:rPr lang="en-US" dirty="0"/>
-              <a:t>3/14/2017</a:t>
+              <a:t>3/17/2017</a:t>
             </a:fld>
             <a:endParaRPr lang="en-US" dirty="0"/>
           </a:p>
@@ -8656,7 +8659,7 @@
           <a:p>
             <a:fld id="{48A87A34-81AB-432B-8DAE-1953F412C126}" type="datetimeFigureOut">
               <a:rPr lang="en-US" dirty="0"/>
-              <a:t>3/14/2017</a:t>
+              <a:t>3/17/2017</a:t>
             </a:fld>
             <a:endParaRPr lang="en-US" dirty="0"/>
           </a:p>
@@ -8931,7 +8934,7 @@
           <a:p>
             <a:fld id="{48A87A34-81AB-432B-8DAE-1953F412C126}" type="datetimeFigureOut">
               <a:rPr lang="en-US" dirty="0"/>
-              <a:t>3/14/2017</a:t>
+              <a:t>3/17/2017</a:t>
             </a:fld>
             <a:endParaRPr lang="en-US" dirty="0"/>
           </a:p>
@@ -9049,7 +9052,7 @@
           <a:noFill/>
           <a:extLst>
             <a:ext uri="{909E8E84-426E-40dd-AFC4-6F175D3DCCD1}">
-              <a14:hiddenFill xmlns:a14="http://schemas.microsoft.com/office/drawing/2010/main" xmlns="">
+              <a14:hiddenFill xmlns="" xmlns:a14="http://schemas.microsoft.com/office/drawing/2010/main">
                 <a:solidFill>
                   <a:srgbClr val="FFFFFF"/>
                 </a:solidFill>
@@ -9123,7 +9126,7 @@
               </a:ln>
               <a:extLst>
                 <a:ext uri="{91240B29-F687-4f45-9708-019B960494DF}">
-                  <a14:hiddenLine xmlns:a14="http://schemas.microsoft.com/office/drawing/2010/main" xmlns="" w="9525">
+                  <a14:hiddenLine xmlns="" xmlns:a14="http://schemas.microsoft.com/office/drawing/2010/main" w="9525">
                     <a:solidFill>
                       <a:srgbClr val="000000"/>
                     </a:solidFill>
@@ -9213,7 +9216,7 @@
               </a:ln>
               <a:extLst>
                 <a:ext uri="{91240B29-F687-4f45-9708-019B960494DF}">
-                  <a14:hiddenLine xmlns:a14="http://schemas.microsoft.com/office/drawing/2010/main" xmlns="" w="9525">
+                  <a14:hiddenLine xmlns="" xmlns:a14="http://schemas.microsoft.com/office/drawing/2010/main" w="9525">
                     <a:solidFill>
                       <a:srgbClr val="000000"/>
                     </a:solidFill>
@@ -9303,7 +9306,7 @@
               </a:ln>
               <a:extLst>
                 <a:ext uri="{91240B29-F687-4f45-9708-019B960494DF}">
-                  <a14:hiddenLine xmlns:a14="http://schemas.microsoft.com/office/drawing/2010/main" xmlns="" w="9525">
+                  <a14:hiddenLine xmlns="" xmlns:a14="http://schemas.microsoft.com/office/drawing/2010/main" w="9525">
                     <a:solidFill>
                       <a:srgbClr val="000000"/>
                     </a:solidFill>
@@ -9365,7 +9368,7 @@
               </a:ln>
               <a:extLst>
                 <a:ext uri="{91240B29-F687-4f45-9708-019B960494DF}">
-                  <a14:hiddenLine xmlns:a14="http://schemas.microsoft.com/office/drawing/2010/main" xmlns="" w="9525">
+                  <a14:hiddenLine xmlns="" xmlns:a14="http://schemas.microsoft.com/office/drawing/2010/main" w="9525">
                     <a:solidFill>
                       <a:srgbClr val="000000"/>
                     </a:solidFill>
@@ -9455,7 +9458,7 @@
               </a:ln>
               <a:extLst>
                 <a:ext uri="{91240B29-F687-4f45-9708-019B960494DF}">
-                  <a14:hiddenLine xmlns:a14="http://schemas.microsoft.com/office/drawing/2010/main" xmlns="" w="9525">
+                  <a14:hiddenLine xmlns="" xmlns:a14="http://schemas.microsoft.com/office/drawing/2010/main" w="9525">
                     <a:solidFill>
                       <a:srgbClr val="000000"/>
                     </a:solidFill>
@@ -9517,7 +9520,7 @@
               </a:ln>
               <a:extLst>
                 <a:ext uri="{91240B29-F687-4f45-9708-019B960494DF}">
-                  <a14:hiddenLine xmlns:a14="http://schemas.microsoft.com/office/drawing/2010/main" xmlns="" w="9525">
+                  <a14:hiddenLine xmlns="" xmlns:a14="http://schemas.microsoft.com/office/drawing/2010/main" w="9525">
                     <a:solidFill>
                       <a:srgbClr val="000000"/>
                     </a:solidFill>
@@ -9579,7 +9582,7 @@
               </a:ln>
               <a:extLst>
                 <a:ext uri="{91240B29-F687-4f45-9708-019B960494DF}">
-                  <a14:hiddenLine xmlns:a14="http://schemas.microsoft.com/office/drawing/2010/main" xmlns="" w="9525">
+                  <a14:hiddenLine xmlns="" xmlns:a14="http://schemas.microsoft.com/office/drawing/2010/main" w="9525">
                     <a:solidFill>
                       <a:srgbClr val="000000"/>
                     </a:solidFill>
@@ -9669,7 +9672,7 @@
               </a:ln>
               <a:extLst>
                 <a:ext uri="{91240B29-F687-4f45-9708-019B960494DF}">
-                  <a14:hiddenLine xmlns:a14="http://schemas.microsoft.com/office/drawing/2010/main" xmlns="" w="9525">
+                  <a14:hiddenLine xmlns="" xmlns:a14="http://schemas.microsoft.com/office/drawing/2010/main" w="9525">
                     <a:solidFill>
                       <a:srgbClr val="000000"/>
                     </a:solidFill>
@@ -9759,7 +9762,7 @@
               </a:ln>
               <a:extLst>
                 <a:ext uri="{91240B29-F687-4f45-9708-019B960494DF}">
-                  <a14:hiddenLine xmlns:a14="http://schemas.microsoft.com/office/drawing/2010/main" xmlns="" w="9525">
+                  <a14:hiddenLine xmlns="" xmlns:a14="http://schemas.microsoft.com/office/drawing/2010/main" w="9525">
                     <a:solidFill>
                       <a:srgbClr val="000000"/>
                     </a:solidFill>
@@ -9821,7 +9824,7 @@
               </a:ln>
               <a:extLst>
                 <a:ext uri="{91240B29-F687-4f45-9708-019B960494DF}">
-                  <a14:hiddenLine xmlns:a14="http://schemas.microsoft.com/office/drawing/2010/main" xmlns="" w="9525">
+                  <a14:hiddenLine xmlns="" xmlns:a14="http://schemas.microsoft.com/office/drawing/2010/main" w="9525">
                     <a:solidFill>
                       <a:srgbClr val="000000"/>
                     </a:solidFill>
@@ -9931,7 +9934,7 @@
               </a:ln>
               <a:extLst>
                 <a:ext uri="{91240B29-F687-4f45-9708-019B960494DF}">
-                  <a14:hiddenLine xmlns:a14="http://schemas.microsoft.com/office/drawing/2010/main" xmlns="" w="9525">
+                  <a14:hiddenLine xmlns="" xmlns:a14="http://schemas.microsoft.com/office/drawing/2010/main" w="9525">
                     <a:solidFill>
                       <a:srgbClr val="000000"/>
                     </a:solidFill>
@@ -10015,7 +10018,7 @@
               </a:ln>
               <a:extLst>
                 <a:ext uri="{91240B29-F687-4f45-9708-019B960494DF}">
-                  <a14:hiddenLine xmlns:a14="http://schemas.microsoft.com/office/drawing/2010/main" xmlns="" w="9525">
+                  <a14:hiddenLine xmlns="" xmlns:a14="http://schemas.microsoft.com/office/drawing/2010/main" w="9525">
                     <a:solidFill>
                       <a:srgbClr val="000000"/>
                     </a:solidFill>
@@ -10077,7 +10080,7 @@
               </a:ln>
               <a:extLst>
                 <a:ext uri="{91240B29-F687-4f45-9708-019B960494DF}">
-                  <a14:hiddenLine xmlns:a14="http://schemas.microsoft.com/office/drawing/2010/main" xmlns="" w="9525">
+                  <a14:hiddenLine xmlns="" xmlns:a14="http://schemas.microsoft.com/office/drawing/2010/main" w="9525">
                     <a:solidFill>
                       <a:srgbClr val="000000"/>
                     </a:solidFill>
@@ -10139,7 +10142,7 @@
               </a:ln>
               <a:extLst>
                 <a:ext uri="{91240B29-F687-4f45-9708-019B960494DF}">
-                  <a14:hiddenLine xmlns:a14="http://schemas.microsoft.com/office/drawing/2010/main" xmlns="" w="9525">
+                  <a14:hiddenLine xmlns="" xmlns:a14="http://schemas.microsoft.com/office/drawing/2010/main" w="9525">
                     <a:solidFill>
                       <a:srgbClr val="000000"/>
                     </a:solidFill>
@@ -10229,7 +10232,7 @@
               </a:ln>
               <a:extLst>
                 <a:ext uri="{91240B29-F687-4f45-9708-019B960494DF}">
-                  <a14:hiddenLine xmlns:a14="http://schemas.microsoft.com/office/drawing/2010/main" xmlns="" w="9525">
+                  <a14:hiddenLine xmlns="" xmlns:a14="http://schemas.microsoft.com/office/drawing/2010/main" w="9525">
                     <a:solidFill>
                       <a:srgbClr val="000000"/>
                     </a:solidFill>
@@ -10263,7 +10266,7 @@
               </a:ln>
               <a:extLst>
                 <a:ext uri="{91240B29-F687-4f45-9708-019B960494DF}">
-                  <a14:hiddenLine xmlns:a14="http://schemas.microsoft.com/office/drawing/2010/main" xmlns="" w="9525">
+                  <a14:hiddenLine xmlns="" xmlns:a14="http://schemas.microsoft.com/office/drawing/2010/main" w="9525">
                     <a:solidFill>
                       <a:srgbClr val="000000"/>
                     </a:solidFill>
@@ -10328,7 +10331,7 @@
               </a:ln>
               <a:extLst>
                 <a:ext uri="{91240B29-F687-4f45-9708-019B960494DF}">
-                  <a14:hiddenLine xmlns:a14="http://schemas.microsoft.com/office/drawing/2010/main" xmlns="" w="9525">
+                  <a14:hiddenLine xmlns="" xmlns:a14="http://schemas.microsoft.com/office/drawing/2010/main" w="9525">
                     <a:solidFill>
                       <a:srgbClr val="000000"/>
                     </a:solidFill>
@@ -10418,7 +10421,7 @@
               </a:ln>
               <a:extLst>
                 <a:ext uri="{91240B29-F687-4f45-9708-019B960494DF}">
-                  <a14:hiddenLine xmlns:a14="http://schemas.microsoft.com/office/drawing/2010/main" xmlns="" w="9525">
+                  <a14:hiddenLine xmlns="" xmlns:a14="http://schemas.microsoft.com/office/drawing/2010/main" w="9525">
                     <a:solidFill>
                       <a:srgbClr val="000000"/>
                     </a:solidFill>
@@ -10480,7 +10483,7 @@
               </a:ln>
               <a:extLst>
                 <a:ext uri="{91240B29-F687-4f45-9708-019B960494DF}">
-                  <a14:hiddenLine xmlns:a14="http://schemas.microsoft.com/office/drawing/2010/main" xmlns="" w="9525">
+                  <a14:hiddenLine xmlns="" xmlns:a14="http://schemas.microsoft.com/office/drawing/2010/main" w="9525">
                     <a:solidFill>
                       <a:srgbClr val="000000"/>
                     </a:solidFill>
@@ -10570,7 +10573,7 @@
               </a:ln>
               <a:extLst>
                 <a:ext uri="{91240B29-F687-4f45-9708-019B960494DF}">
-                  <a14:hiddenLine xmlns:a14="http://schemas.microsoft.com/office/drawing/2010/main" xmlns="" w="9525">
+                  <a14:hiddenLine xmlns="" xmlns:a14="http://schemas.microsoft.com/office/drawing/2010/main" w="9525">
                     <a:solidFill>
                       <a:srgbClr val="000000"/>
                     </a:solidFill>
@@ -10635,7 +10638,7 @@
               </a:ln>
               <a:extLst>
                 <a:ext uri="{91240B29-F687-4f45-9708-019B960494DF}">
-                  <a14:hiddenLine xmlns:a14="http://schemas.microsoft.com/office/drawing/2010/main" xmlns="" w="9525">
+                  <a14:hiddenLine xmlns="" xmlns:a14="http://schemas.microsoft.com/office/drawing/2010/main" w="9525">
                     <a:solidFill>
                       <a:srgbClr val="000000"/>
                     </a:solidFill>
@@ -10697,7 +10700,7 @@
               </a:ln>
               <a:extLst>
                 <a:ext uri="{91240B29-F687-4f45-9708-019B960494DF}">
-                  <a14:hiddenLine xmlns:a14="http://schemas.microsoft.com/office/drawing/2010/main" xmlns="" w="9525">
+                  <a14:hiddenLine xmlns="" xmlns:a14="http://schemas.microsoft.com/office/drawing/2010/main" w="9525">
                     <a:solidFill>
                       <a:srgbClr val="000000"/>
                     </a:solidFill>
@@ -10787,7 +10790,7 @@
               </a:ln>
               <a:extLst>
                 <a:ext uri="{91240B29-F687-4f45-9708-019B960494DF}">
-                  <a14:hiddenLine xmlns:a14="http://schemas.microsoft.com/office/drawing/2010/main" xmlns="" w="9525">
+                  <a14:hiddenLine xmlns="" xmlns:a14="http://schemas.microsoft.com/office/drawing/2010/main" w="9525">
                     <a:solidFill>
                       <a:srgbClr val="000000"/>
                     </a:solidFill>
@@ -10877,7 +10880,7 @@
               </a:ln>
               <a:extLst>
                 <a:ext uri="{91240B29-F687-4f45-9708-019B960494DF}">
-                  <a14:hiddenLine xmlns:a14="http://schemas.microsoft.com/office/drawing/2010/main" xmlns="" w="9525">
+                  <a14:hiddenLine xmlns="" xmlns:a14="http://schemas.microsoft.com/office/drawing/2010/main" w="9525">
                     <a:solidFill>
                       <a:srgbClr val="000000"/>
                     </a:solidFill>
@@ -10942,7 +10945,7 @@
               </a:ln>
               <a:extLst>
                 <a:ext uri="{91240B29-F687-4f45-9708-019B960494DF}">
-                  <a14:hiddenLine xmlns:a14="http://schemas.microsoft.com/office/drawing/2010/main" xmlns="" w="9525">
+                  <a14:hiddenLine xmlns="" xmlns:a14="http://schemas.microsoft.com/office/drawing/2010/main" w="9525">
                     <a:solidFill>
                       <a:srgbClr val="000000"/>
                     </a:solidFill>
@@ -11062,7 +11065,7 @@
               </a:ln>
               <a:extLst>
                 <a:ext uri="{91240B29-F687-4f45-9708-019B960494DF}">
-                  <a14:hiddenLine xmlns:a14="http://schemas.microsoft.com/office/drawing/2010/main" xmlns="" w="9525">
+                  <a14:hiddenLine xmlns="" xmlns:a14="http://schemas.microsoft.com/office/drawing/2010/main" w="9525">
                     <a:solidFill>
                       <a:srgbClr val="000000"/>
                     </a:solidFill>
@@ -11143,7 +11146,7 @@
               </a:ln>
               <a:extLst>
                 <a:ext uri="{91240B29-F687-4f45-9708-019B960494DF}">
-                  <a14:hiddenLine xmlns:a14="http://schemas.microsoft.com/office/drawing/2010/main" xmlns="" w="9525">
+                  <a14:hiddenLine xmlns="" xmlns:a14="http://schemas.microsoft.com/office/drawing/2010/main" w="9525">
                     <a:solidFill>
                       <a:srgbClr val="000000"/>
                     </a:solidFill>
@@ -11258,7 +11261,7 @@
               </a:ln>
               <a:extLst>
                 <a:ext uri="{91240B29-F687-4f45-9708-019B960494DF}">
-                  <a14:hiddenLine xmlns:a14="http://schemas.microsoft.com/office/drawing/2010/main" xmlns="" w="9525">
+                  <a14:hiddenLine xmlns="" xmlns:a14="http://schemas.microsoft.com/office/drawing/2010/main" w="9525">
                     <a:solidFill>
                       <a:srgbClr val="000000"/>
                     </a:solidFill>
@@ -11348,7 +11351,7 @@
               </a:ln>
               <a:extLst>
                 <a:ext uri="{91240B29-F687-4f45-9708-019B960494DF}">
-                  <a14:hiddenLine xmlns:a14="http://schemas.microsoft.com/office/drawing/2010/main" xmlns="" w="9525">
+                  <a14:hiddenLine xmlns="" xmlns:a14="http://schemas.microsoft.com/office/drawing/2010/main" w="9525">
                     <a:solidFill>
                       <a:srgbClr val="000000"/>
                     </a:solidFill>
@@ -11413,7 +11416,7 @@
               </a:ln>
               <a:extLst>
                 <a:ext uri="{91240B29-F687-4f45-9708-019B960494DF}">
-                  <a14:hiddenLine xmlns:a14="http://schemas.microsoft.com/office/drawing/2010/main" xmlns="" w="9525">
+                  <a14:hiddenLine xmlns="" xmlns:a14="http://schemas.microsoft.com/office/drawing/2010/main" w="9525">
                     <a:solidFill>
                       <a:srgbClr val="000000"/>
                     </a:solidFill>
@@ -11503,7 +11506,7 @@
               </a:ln>
               <a:extLst>
                 <a:ext uri="{91240B29-F687-4f45-9708-019B960494DF}">
-                  <a14:hiddenLine xmlns:a14="http://schemas.microsoft.com/office/drawing/2010/main" xmlns="" w="9525">
+                  <a14:hiddenLine xmlns="" xmlns:a14="http://schemas.microsoft.com/office/drawing/2010/main" w="9525">
                     <a:solidFill>
                       <a:srgbClr val="000000"/>
                     </a:solidFill>
@@ -11571,7 +11574,7 @@
               </a:ln>
               <a:extLst>
                 <a:ext uri="{91240B29-F687-4f45-9708-019B960494DF}">
-                  <a14:hiddenLine xmlns:a14="http://schemas.microsoft.com/office/drawing/2010/main" xmlns="" w="9525">
+                  <a14:hiddenLine xmlns="" xmlns:a14="http://schemas.microsoft.com/office/drawing/2010/main" w="9525">
                     <a:solidFill>
                       <a:srgbClr val="000000"/>
                     </a:solidFill>
@@ -11661,7 +11664,7 @@
               </a:ln>
               <a:extLst>
                 <a:ext uri="{91240B29-F687-4f45-9708-019B960494DF}">
-                  <a14:hiddenLine xmlns:a14="http://schemas.microsoft.com/office/drawing/2010/main" xmlns="" w="9525">
+                  <a14:hiddenLine xmlns="" xmlns:a14="http://schemas.microsoft.com/office/drawing/2010/main" w="9525">
                     <a:solidFill>
                       <a:srgbClr val="000000"/>
                     </a:solidFill>
@@ -11729,7 +11732,7 @@
               </a:ln>
               <a:extLst>
                 <a:ext uri="{91240B29-F687-4f45-9708-019B960494DF}">
-                  <a14:hiddenLine xmlns:a14="http://schemas.microsoft.com/office/drawing/2010/main" xmlns="" w="9525">
+                  <a14:hiddenLine xmlns="" xmlns:a14="http://schemas.microsoft.com/office/drawing/2010/main" w="9525">
                     <a:solidFill>
                       <a:srgbClr val="000000"/>
                     </a:solidFill>
@@ -11819,7 +11822,7 @@
               </a:ln>
               <a:extLst>
                 <a:ext uri="{91240B29-F687-4f45-9708-019B960494DF}">
-                  <a14:hiddenLine xmlns:a14="http://schemas.microsoft.com/office/drawing/2010/main" xmlns="" w="9525">
+                  <a14:hiddenLine xmlns="" xmlns:a14="http://schemas.microsoft.com/office/drawing/2010/main" w="9525">
                     <a:solidFill>
                       <a:srgbClr val="000000"/>
                     </a:solidFill>
@@ -11853,7 +11856,7 @@
               </a:ln>
               <a:extLst>
                 <a:ext uri="{91240B29-F687-4f45-9708-019B960494DF}">
-                  <a14:hiddenLine xmlns:a14="http://schemas.microsoft.com/office/drawing/2010/main" xmlns="" w="9525">
+                  <a14:hiddenLine xmlns="" xmlns:a14="http://schemas.microsoft.com/office/drawing/2010/main" w="9525">
                     <a:solidFill>
                       <a:srgbClr val="000000"/>
                     </a:solidFill>
@@ -11994,7 +11997,7 @@
             <a:fld id="{48A87A34-81AB-432B-8DAE-1953F412C126}" type="datetimeFigureOut">
               <a:rPr lang="en-US" dirty="0"/>
               <a:pPr/>
-              <a:t>3/14/2017</a:t>
+              <a:t>3/17/2017</a:t>
             </a:fld>
             <a:endParaRPr lang="en-US" dirty="0"/>
           </a:p>
@@ -12770,23 +12773,14 @@
               <a:buNone/>
             </a:pPr>
             <a:r>
-              <a:rPr lang="en-US" smtClean="0">
-                <a:latin typeface="Consolas" panose="020B0609020204030204" pitchFamily="49" charset="0"/>
-              </a:rPr>
-              <a:t>sizeof...(Args) ==</a:t>
-            </a:r>
-            <a:r>
               <a:rPr lang="ru-RU" smtClean="0">
                 <a:latin typeface="Consolas" panose="020B0609020204030204" pitchFamily="49" charset="0"/>
               </a:rPr>
-              <a:t> </a:t>
-            </a:r>
-            <a:r>
-              <a:rPr lang="en-US" smtClean="0">
-                <a:latin typeface="Consolas" panose="020B0609020204030204" pitchFamily="49" charset="0"/>
-              </a:rPr>
-              <a:t>sizeof...(args)</a:t>
-            </a:r>
+              <a:t>Способы вызова:</a:t>
+            </a:r>
+            <a:endParaRPr lang="en-US" smtClean="0">
+              <a:latin typeface="Consolas" panose="020B0609020204030204" pitchFamily="49" charset="0"/>
+            </a:endParaRPr>
           </a:p>
           <a:p>
             <a:pPr marL="0" indent="0">
@@ -12796,7 +12790,13 @@
               <a:rPr lang="en-US" smtClean="0">
                 <a:latin typeface="Consolas" panose="020B0609020204030204" pitchFamily="49" charset="0"/>
               </a:rPr>
-              <a:t>f(); // OK, </a:t>
+              <a:t>f</a:t>
+            </a:r>
+            <a:r>
+              <a:rPr lang="en-US" smtClean="0">
+                <a:latin typeface="Consolas" panose="020B0609020204030204" pitchFamily="49" charset="0"/>
+              </a:rPr>
+              <a:t>(); // OK, </a:t>
             </a:r>
             <a:r>
               <a:rPr lang="ru-RU" smtClean="0">
@@ -12936,52 +12936,76 @@
               <a:buNone/>
             </a:pPr>
             <a:r>
-              <a:rPr lang="en-US"/>
+              <a:rPr lang="en-US">
+                <a:latin typeface="Consolas" panose="020B0609020204030204" pitchFamily="49" charset="0"/>
+              </a:rPr>
               <a:t>template&lt;typename ... Types&gt; void f(Types ... </a:t>
             </a:r>
             <a:r>
-              <a:rPr lang="en-US" smtClean="0"/>
+              <a:rPr lang="en-US" smtClean="0">
+                <a:latin typeface="Consolas" panose="020B0609020204030204" pitchFamily="49" charset="0"/>
+              </a:rPr>
               <a:t>args);</a:t>
             </a:r>
-            <a:endParaRPr lang="ru-RU" smtClean="0"/>
+            <a:endParaRPr lang="ru-RU" smtClean="0">
+              <a:latin typeface="Consolas" panose="020B0609020204030204" pitchFamily="49" charset="0"/>
+            </a:endParaRPr>
           </a:p>
           <a:p>
             <a:pPr marL="0" indent="0">
               <a:buNone/>
             </a:pPr>
             <a:r>
-              <a:rPr lang="en-US" smtClean="0"/>
+              <a:rPr lang="en-US" smtClean="0">
+                <a:latin typeface="Consolas" panose="020B0609020204030204" pitchFamily="49" charset="0"/>
+              </a:rPr>
               <a:t>template&lt;typename </a:t>
             </a:r>
             <a:r>
-              <a:rPr lang="en-US"/>
+              <a:rPr lang="en-US">
+                <a:latin typeface="Consolas" panose="020B0609020204030204" pitchFamily="49" charset="0"/>
+              </a:rPr>
               <a:t>... Types&gt; void g(Types ... </a:t>
             </a:r>
             <a:r>
-              <a:rPr lang="en-US" smtClean="0"/>
+              <a:rPr lang="en-US" smtClean="0">
+                <a:latin typeface="Consolas" panose="020B0609020204030204" pitchFamily="49" charset="0"/>
+              </a:rPr>
               <a:t>args) {</a:t>
             </a:r>
             <a:r>
-              <a:rPr lang="ru-RU" smtClean="0"/>
+              <a:rPr lang="ru-RU" smtClean="0">
+                <a:latin typeface="Consolas" panose="020B0609020204030204" pitchFamily="49" charset="0"/>
+              </a:rPr>
               <a:t/>
             </a:r>
             <a:br>
-              <a:rPr lang="ru-RU" smtClean="0"/>
+              <a:rPr lang="ru-RU" smtClean="0">
+                <a:latin typeface="Consolas" panose="020B0609020204030204" pitchFamily="49" charset="0"/>
+              </a:rPr>
             </a:br>
             <a:r>
-              <a:rPr lang="ru-RU" smtClean="0"/>
+              <a:rPr lang="ru-RU" smtClean="0">
+                <a:latin typeface="Consolas" panose="020B0609020204030204" pitchFamily="49" charset="0"/>
+              </a:rPr>
               <a:t>  </a:t>
             </a:r>
             <a:r>
-              <a:rPr lang="en-US" smtClean="0"/>
+              <a:rPr lang="en-US" smtClean="0">
+                <a:latin typeface="Consolas" panose="020B0609020204030204" pitchFamily="49" charset="0"/>
+              </a:rPr>
               <a:t>f</a:t>
             </a:r>
             <a:r>
-              <a:rPr lang="ru-RU" smtClean="0"/>
+              <a:rPr lang="ru-RU" smtClean="0">
+                <a:latin typeface="Consolas" panose="020B0609020204030204" pitchFamily="49" charset="0"/>
+              </a:rPr>
               <a:t> </a:t>
             </a:r>
             <a:r>
-              <a:rPr lang="en-US" smtClean="0"/>
+              <a:rPr lang="en-US" smtClean="0">
+                <a:latin typeface="Consolas" panose="020B0609020204030204" pitchFamily="49" charset="0"/>
+              </a:rPr>
               <a:t>(</a:t>
             </a:r>
             <a:r>
@@ -12989,6 +13013,7 @@
                 <a:solidFill>
                   <a:srgbClr val="FFFF00"/>
                 </a:solidFill>
+                <a:latin typeface="Consolas" panose="020B0609020204030204" pitchFamily="49" charset="0"/>
               </a:rPr>
               <a:t>args </a:t>
             </a:r>
@@ -12997,22 +13022,31 @@
                 <a:solidFill>
                   <a:srgbClr val="FFFF00"/>
                 </a:solidFill>
+                <a:latin typeface="Consolas" panose="020B0609020204030204" pitchFamily="49" charset="0"/>
               </a:rPr>
               <a:t>...</a:t>
             </a:r>
             <a:r>
-              <a:rPr lang="en-US"/>
+              <a:rPr lang="en-US">
+                <a:latin typeface="Consolas" panose="020B0609020204030204" pitchFamily="49" charset="0"/>
+              </a:rPr>
               <a:t>); </a:t>
             </a:r>
             <a:r>
-              <a:rPr lang="en-US" smtClean="0"/>
+              <a:rPr lang="en-US" smtClean="0">
+                <a:latin typeface="Consolas" panose="020B0609020204030204" pitchFamily="49" charset="0"/>
+              </a:rPr>
               <a:t>// f (x, y);</a:t>
             </a:r>
             <a:br>
-              <a:rPr lang="en-US" smtClean="0"/>
+              <a:rPr lang="en-US" smtClean="0">
+                <a:latin typeface="Consolas" panose="020B0609020204030204" pitchFamily="49" charset="0"/>
+              </a:rPr>
             </a:br>
             <a:r>
-              <a:rPr lang="en-US" smtClean="0"/>
+              <a:rPr lang="en-US" smtClean="0">
+                <a:latin typeface="Consolas" panose="020B0609020204030204" pitchFamily="49" charset="0"/>
+              </a:rPr>
               <a:t>  f (</a:t>
             </a:r>
             <a:r>
@@ -13020,6 +13054,7 @@
                 <a:solidFill>
                   <a:srgbClr val="FFFF00"/>
                 </a:solidFill>
+                <a:latin typeface="Consolas" panose="020B0609020204030204" pitchFamily="49" charset="0"/>
               </a:rPr>
               <a:t>&amp;args </a:t>
             </a:r>
@@ -13028,38 +13063,55 @@
                 <a:solidFill>
                   <a:srgbClr val="FFFF00"/>
                 </a:solidFill>
+                <a:latin typeface="Consolas" panose="020B0609020204030204" pitchFamily="49" charset="0"/>
               </a:rPr>
               <a:t>...</a:t>
             </a:r>
             <a:r>
-              <a:rPr lang="en-US"/>
+              <a:rPr lang="en-US">
+                <a:latin typeface="Consolas" panose="020B0609020204030204" pitchFamily="49" charset="0"/>
+              </a:rPr>
               <a:t>); // f </a:t>
             </a:r>
             <a:r>
-              <a:rPr lang="en-US" smtClean="0"/>
+              <a:rPr lang="en-US" smtClean="0">
+                <a:latin typeface="Consolas" panose="020B0609020204030204" pitchFamily="49" charset="0"/>
+              </a:rPr>
               <a:t>(&amp;x</a:t>
             </a:r>
             <a:r>
-              <a:rPr lang="en-US"/>
+              <a:rPr lang="en-US">
+                <a:latin typeface="Consolas" panose="020B0609020204030204" pitchFamily="49" charset="0"/>
+              </a:rPr>
               <a:t>, </a:t>
             </a:r>
             <a:r>
-              <a:rPr lang="en-US" smtClean="0"/>
+              <a:rPr lang="en-US" smtClean="0">
+                <a:latin typeface="Consolas" panose="020B0609020204030204" pitchFamily="49" charset="0"/>
+              </a:rPr>
               <a:t>&amp;y);</a:t>
             </a:r>
             <a:br>
-              <a:rPr lang="en-US" smtClean="0"/>
+              <a:rPr lang="en-US" smtClean="0">
+                <a:latin typeface="Consolas" panose="020B0609020204030204" pitchFamily="49" charset="0"/>
+              </a:rPr>
             </a:br>
             <a:r>
-              <a:rPr lang="en-US" smtClean="0"/>
+              <a:rPr lang="en-US" smtClean="0">
+                <a:latin typeface="Consolas" panose="020B0609020204030204" pitchFamily="49" charset="0"/>
+              </a:rPr>
               <a:t>  f</a:t>
             </a:r>
             <a:r>
-              <a:rPr lang="ru-RU"/>
+              <a:rPr lang="ru-RU">
+                <a:latin typeface="Consolas" panose="020B0609020204030204" pitchFamily="49" charset="0"/>
+              </a:rPr>
               <a:t> </a:t>
             </a:r>
             <a:r>
-              <a:rPr lang="en-US" smtClean="0"/>
+              <a:rPr lang="en-US" smtClean="0">
+                <a:latin typeface="Consolas" panose="020B0609020204030204" pitchFamily="49" charset="0"/>
+              </a:rPr>
               <a:t>(</a:t>
             </a:r>
             <a:r>
@@ -13067,6 +13119,7 @@
                 <a:solidFill>
                   <a:srgbClr val="FFFF00"/>
                 </a:solidFill>
+                <a:latin typeface="Consolas" panose="020B0609020204030204" pitchFamily="49" charset="0"/>
               </a:rPr>
               <a:t>h(args) </a:t>
             </a:r>
@@ -13075,26 +13128,37 @@
                 <a:solidFill>
                   <a:srgbClr val="FFFF00"/>
                 </a:solidFill>
+                <a:latin typeface="Consolas" panose="020B0609020204030204" pitchFamily="49" charset="0"/>
               </a:rPr>
               <a:t>...</a:t>
             </a:r>
             <a:r>
-              <a:rPr lang="en-US"/>
+              <a:rPr lang="en-US">
+                <a:latin typeface="Consolas" panose="020B0609020204030204" pitchFamily="49" charset="0"/>
+              </a:rPr>
               <a:t>); // f </a:t>
             </a:r>
             <a:r>
-              <a:rPr lang="en-US" smtClean="0"/>
+              <a:rPr lang="en-US" smtClean="0">
+                <a:latin typeface="Consolas" panose="020B0609020204030204" pitchFamily="49" charset="0"/>
+              </a:rPr>
               <a:t>(h(x), h(y));</a:t>
             </a:r>
             <a:r>
-              <a:rPr lang="ru-RU" smtClean="0"/>
+              <a:rPr lang="ru-RU" smtClean="0">
+                <a:latin typeface="Consolas" panose="020B0609020204030204" pitchFamily="49" charset="0"/>
+              </a:rPr>
               <a:t/>
             </a:r>
             <a:br>
-              <a:rPr lang="ru-RU" smtClean="0"/>
+              <a:rPr lang="ru-RU" smtClean="0">
+                <a:latin typeface="Consolas" panose="020B0609020204030204" pitchFamily="49" charset="0"/>
+              </a:rPr>
             </a:br>
             <a:r>
-              <a:rPr lang="en-US" smtClean="0"/>
+              <a:rPr lang="en-US" smtClean="0">
+                <a:latin typeface="Consolas" panose="020B0609020204030204" pitchFamily="49" charset="0"/>
+              </a:rPr>
               <a:t>}</a:t>
             </a:r>
           </a:p>
@@ -13103,18 +13167,26 @@
               <a:buNone/>
             </a:pPr>
             <a:r>
-              <a:rPr lang="en-US" smtClean="0"/>
+              <a:rPr lang="en-US" smtClean="0">
+                <a:latin typeface="Consolas" panose="020B0609020204030204" pitchFamily="49" charset="0"/>
+              </a:rPr>
               <a:t>g (1, 1.0); // </a:t>
             </a:r>
             <a:r>
-              <a:rPr lang="ru-RU" smtClean="0"/>
+              <a:rPr lang="ru-RU" smtClean="0">
+                <a:latin typeface="Consolas" panose="020B0609020204030204" pitchFamily="49" charset="0"/>
+              </a:rPr>
               <a:t>инстанцирует</a:t>
             </a:r>
             <a:r>
-              <a:rPr lang="en-US" smtClean="0"/>
+              <a:rPr lang="en-US" smtClean="0">
+                <a:latin typeface="Consolas" panose="020B0609020204030204" pitchFamily="49" charset="0"/>
+              </a:rPr>
               <a:t> g (int x, double y);</a:t>
             </a:r>
-            <a:endParaRPr lang="en-US"/>
+            <a:endParaRPr lang="en-US">
+              <a:latin typeface="Consolas" panose="020B0609020204030204" pitchFamily="49" charset="0"/>
+            </a:endParaRPr>
           </a:p>
         </p:txBody>
       </p:sp>
@@ -13740,19 +13812,7 @@
               <a:rPr lang="ru-RU" smtClean="0">
                 <a:latin typeface="Consolas" panose="020B0609020204030204" pitchFamily="49" charset="0"/>
               </a:rPr>
-              <a:t>необходимо </a:t>
-            </a:r>
-            <a:r>
-              <a:rPr lang="ru-RU" smtClean="0">
-                <a:latin typeface="Consolas" panose="020B0609020204030204" pitchFamily="49" charset="0"/>
-              </a:rPr>
-              <a:t>написать конструктор по </a:t>
-            </a:r>
-            <a:r>
-              <a:rPr lang="ru-RU" smtClean="0">
-                <a:latin typeface="Consolas" panose="020B0609020204030204" pitchFamily="49" charset="0"/>
-              </a:rPr>
-              <a:t>умолчанию</a:t>
+              <a:t>необходимо написать конструктор по умолчанию</a:t>
             </a:r>
             <a:br>
               <a:rPr lang="ru-RU" smtClean="0">
@@ -13818,13 +13878,25 @@
               <a:rPr lang="en-US" smtClean="0">
                 <a:latin typeface="Consolas" panose="020B0609020204030204" pitchFamily="49" charset="0"/>
               </a:rPr>
-              <a:t>mixture&lt;C1</a:t>
-            </a:r>
-            <a:r>
-              <a:rPr lang="en-US" smtClean="0">
-                <a:latin typeface="Consolas" panose="020B0609020204030204" pitchFamily="49" charset="0"/>
-              </a:rPr>
-              <a:t>, C2&gt; m; // mixture : public C1, public C2</a:t>
+              <a:t>mixture&lt;C1, C2&gt; </a:t>
+            </a:r>
+            <a:r>
+              <a:rPr lang="en-US" smtClean="0">
+                <a:latin typeface="Consolas" panose="020B0609020204030204" pitchFamily="49" charset="0"/>
+              </a:rPr>
+              <a:t>m</a:t>
+            </a:r>
+            <a:r>
+              <a:rPr lang="ru-RU" smtClean="0">
+                <a:latin typeface="Consolas" panose="020B0609020204030204" pitchFamily="49" charset="0"/>
+              </a:rPr>
+              <a:t> (С1</a:t>
+            </a:r>
+            <a:r>
+              <a:rPr lang="en-US" smtClean="0">
+                <a:latin typeface="Consolas" panose="020B0609020204030204" pitchFamily="49" charset="0"/>
+              </a:rPr>
+              <a:t>{}, C2{}); // m : C1, C2</a:t>
             </a:r>
             <a:endParaRPr lang="ru-RU">
               <a:latin typeface="Consolas" panose="020B0609020204030204" pitchFamily="49" charset="0"/>
@@ -14062,19 +14134,13 @@
               <a:rPr lang="en-US" smtClean="0">
                 <a:latin typeface="Consolas" panose="020B0609020204030204" pitchFamily="49" charset="0"/>
               </a:rPr>
-              <a:t>m(C1{}, C2{}); </a:t>
-            </a:r>
-            <a:r>
-              <a:rPr lang="en-US" smtClean="0">
-                <a:latin typeface="Consolas" panose="020B0609020204030204" pitchFamily="49" charset="0"/>
-              </a:rPr>
-              <a:t>// m : </a:t>
-            </a:r>
-            <a:r>
-              <a:rPr lang="en-US" smtClean="0">
-                <a:latin typeface="Consolas" panose="020B0609020204030204" pitchFamily="49" charset="0"/>
-              </a:rPr>
-              <a:t>C1, C2</a:t>
+              <a:t>m (</a:t>
+            </a:r>
+            <a:r>
+              <a:rPr lang="en-US" smtClean="0">
+                <a:latin typeface="Consolas" panose="020B0609020204030204" pitchFamily="49" charset="0"/>
+              </a:rPr>
+              <a:t>C1{}, C2{}); // m : C1, C2</a:t>
             </a:r>
             <a:endParaRPr lang="ru-RU">
               <a:latin typeface="Consolas" panose="020B0609020204030204" pitchFamily="49" charset="0"/>
@@ -14163,13 +14229,7 @@
               <a:rPr lang="en-US">
                 <a:latin typeface="Consolas" panose="020B0609020204030204" pitchFamily="49" charset="0"/>
               </a:rPr>
-              <a:t>template&lt;typename... T&gt; struct X : T... </a:t>
-            </a:r>
-            <a:r>
-              <a:rPr lang="en-US">
-                <a:latin typeface="Consolas" panose="020B0609020204030204" pitchFamily="49" charset="0"/>
-              </a:rPr>
-              <a:t>{ </a:t>
+              <a:t>template&lt;typename... T&gt; struct X : T... { </a:t>
             </a:r>
             <a:r>
               <a:rPr lang="en-US" smtClean="0">
@@ -14284,71 +14344,53 @@
               <a:rPr lang="en-US">
                 <a:latin typeface="Consolas" panose="020B0609020204030204" pitchFamily="49" charset="0"/>
               </a:rPr>
-              <a:t>template&lt;typename... T&gt; struct X : T... </a:t>
+              <a:t>template&lt;typename... T&gt; struct X : T... { </a:t>
+            </a:r>
+            <a:r>
+              <a:rPr lang="en-US" smtClean="0">
+                <a:latin typeface="Consolas" panose="020B0609020204030204" pitchFamily="49" charset="0"/>
+              </a:rPr>
+              <a:t>};</a:t>
+            </a:r>
+          </a:p>
+          <a:p>
+            <a:pPr marL="0" indent="0">
+              <a:buNone/>
+            </a:pPr>
+            <a:r>
+              <a:rPr lang="en-US" smtClean="0">
+                <a:latin typeface="Consolas" panose="020B0609020204030204" pitchFamily="49" charset="0"/>
+              </a:rPr>
+              <a:t>template&lt;typename</a:t>
             </a:r>
             <a:r>
               <a:rPr lang="en-US">
                 <a:latin typeface="Consolas" panose="020B0609020204030204" pitchFamily="49" charset="0"/>
               </a:rPr>
-              <a:t>{ </a:t>
-            </a:r>
-            <a:r>
-              <a:rPr lang="en-US" smtClean="0">
-                <a:latin typeface="Consolas" panose="020B0609020204030204" pitchFamily="49" charset="0"/>
-              </a:rPr>
-              <a:t>};</a:t>
-            </a:r>
-          </a:p>
-          <a:p>
-            <a:pPr marL="0" indent="0">
-              <a:buNone/>
-            </a:pPr>
-            <a:r>
-              <a:rPr lang="en-US" smtClean="0">
-                <a:latin typeface="Consolas" panose="020B0609020204030204" pitchFamily="49" charset="0"/>
-              </a:rPr>
-              <a:t>template&lt;typename</a:t>
+              <a:t>... T&gt; void f(T... values) </a:t>
+            </a:r>
+            <a:r>
+              <a:rPr lang="en-US" smtClean="0">
+                <a:latin typeface="Consolas" panose="020B0609020204030204" pitchFamily="49" charset="0"/>
+              </a:rPr>
+              <a:t>{</a:t>
+            </a:r>
+            <a:br>
+              <a:rPr lang="en-US" smtClean="0">
+                <a:latin typeface="Consolas" panose="020B0609020204030204" pitchFamily="49" charset="0"/>
+              </a:rPr>
+            </a:br>
+            <a:r>
+              <a:rPr lang="en-US" smtClean="0">
+                <a:latin typeface="Consolas" panose="020B0609020204030204" pitchFamily="49" charset="0"/>
+              </a:rPr>
+              <a:t>  X&lt;T</a:t>
             </a:r>
             <a:r>
               <a:rPr lang="en-US">
                 <a:latin typeface="Consolas" panose="020B0609020204030204" pitchFamily="49" charset="0"/>
               </a:rPr>
-              <a:t>... T&gt; void f(T... values</a:t>
-            </a:r>
-            <a:r>
-              <a:rPr lang="en-US">
-                <a:latin typeface="Consolas" panose="020B0609020204030204" pitchFamily="49" charset="0"/>
-              </a:rPr>
-              <a:t>) </a:t>
-            </a:r>
-            <a:r>
-              <a:rPr lang="en-US" smtClean="0">
-                <a:latin typeface="Consolas" panose="020B0609020204030204" pitchFamily="49" charset="0"/>
-              </a:rPr>
-              <a:t>{</a:t>
-            </a:r>
-            <a:br>
-              <a:rPr lang="en-US" smtClean="0">
-                <a:latin typeface="Consolas" panose="020B0609020204030204" pitchFamily="49" charset="0"/>
-              </a:rPr>
-            </a:br>
-            <a:r>
-              <a:rPr lang="en-US" smtClean="0">
-                <a:latin typeface="Consolas" panose="020B0609020204030204" pitchFamily="49" charset="0"/>
-              </a:rPr>
-              <a:t>  X&lt;T</a:t>
-            </a:r>
-            <a:r>
-              <a:rPr lang="en-US">
-                <a:latin typeface="Consolas" panose="020B0609020204030204" pitchFamily="49" charset="0"/>
-              </a:rPr>
-              <a:t>...&gt; </a:t>
-            </a:r>
-            <a:r>
-              <a:rPr lang="en-US">
-                <a:latin typeface="Consolas" panose="020B0609020204030204" pitchFamily="49" charset="0"/>
-              </a:rPr>
-              <a:t>x(values</a:t>
+              <a:t>...&gt; x(values</a:t>
             </a:r>
             <a:r>
               <a:rPr lang="en-US" smtClean="0">
@@ -14485,15 +14527,11 @@
                 <a:spcPct val="150000"/>
               </a:lnSpc>
               <a:buFont typeface="Wingdings" panose="05000000000000000000" pitchFamily="2" charset="2"/>
-              <a:buChar char="q"/>
+              <a:buChar char="Ø"/>
             </a:pPr>
             <a:r>
               <a:rPr lang="ru-RU" sz="4000" smtClean="0"/>
-              <a:t> Рекурсивные </a:t>
-            </a:r>
-            <a:r>
-              <a:rPr lang="ru-RU" sz="4000" smtClean="0"/>
-              <a:t>параметры</a:t>
+              <a:t> Рекурсивные параметры</a:t>
             </a:r>
             <a:endParaRPr lang="en-US" sz="4000" smtClean="0"/>
           </a:p>
@@ -14530,7 +14568,6 @@
               <a:rPr lang="ru-RU" sz="4000" smtClean="0"/>
               <a:t>Пары и кортежи</a:t>
             </a:r>
-            <a:endParaRPr lang="ru-RU" sz="4000" smtClean="0"/>
           </a:p>
         </p:txBody>
       </p:sp>
@@ -14608,11 +14645,7 @@
             </a:pPr>
             <a:r>
               <a:rPr lang="ru-RU" sz="4000" smtClean="0"/>
-              <a:t> Рекурсивные </a:t>
-            </a:r>
-            <a:r>
-              <a:rPr lang="ru-RU" sz="4000" smtClean="0"/>
-              <a:t>параметры</a:t>
+              <a:t> Рекурсивные параметры</a:t>
             </a:r>
             <a:endParaRPr lang="en-US" sz="4000" smtClean="0"/>
           </a:p>
@@ -14649,7 +14682,6 @@
               <a:rPr lang="ru-RU" sz="4000" smtClean="0"/>
               <a:t>Пары и кортежи</a:t>
             </a:r>
-            <a:endParaRPr lang="ru-RU" sz="4000" smtClean="0"/>
           </a:p>
         </p:txBody>
       </p:sp>
@@ -16545,13 +16577,7 @@
               <a:rPr lang="en-US" sz="2000">
                 <a:latin typeface="Consolas" panose="020B0609020204030204" pitchFamily="49" charset="0"/>
               </a:rPr>
-              <a:t>(const char* s, const T&amp; value, const Args&amp;... </a:t>
-            </a:r>
-            <a:r>
-              <a:rPr lang="en-US" sz="2000">
-                <a:latin typeface="Consolas" panose="020B0609020204030204" pitchFamily="49" charset="0"/>
-              </a:rPr>
-              <a:t>args</a:t>
+              <a:t>(const char* s, const T&amp; value, const Args&amp;... args</a:t>
             </a:r>
             <a:r>
               <a:rPr lang="en-US" sz="2000" smtClean="0">
@@ -16595,13 +16621,7 @@
               <a:rPr lang="en-US" sz="2000">
                 <a:latin typeface="Consolas" panose="020B0609020204030204" pitchFamily="49" charset="0"/>
               </a:rPr>
-              <a:t>(const char* </a:t>
-            </a:r>
-            <a:r>
-              <a:rPr lang="en-US" sz="2000">
-                <a:latin typeface="Consolas" panose="020B0609020204030204" pitchFamily="49" charset="0"/>
-              </a:rPr>
-              <a:t>s</a:t>
+              <a:t>(const char* s</a:t>
             </a:r>
             <a:r>
               <a:rPr lang="en-US" sz="2000" smtClean="0">
@@ -16621,31 +16641,19 @@
               <a:rPr lang="en-US" sz="2000">
                 <a:latin typeface="Consolas" panose="020B0609020204030204" pitchFamily="49" charset="0"/>
               </a:rPr>
-              <a:t>pp_printf ("%d... %d... %d</a:t>
+              <a:t>pp_printf ("%d... %d... %d... </a:t>
+            </a:r>
+            <a:r>
+              <a:rPr lang="en-US" sz="2000" smtClean="0">
+                <a:latin typeface="Consolas" panose="020B0609020204030204" pitchFamily="49" charset="0"/>
+              </a:rPr>
+              <a:t>%</a:t>
             </a:r>
             <a:r>
               <a:rPr lang="en-US" sz="2000">
                 <a:latin typeface="Consolas" panose="020B0609020204030204" pitchFamily="49" charset="0"/>
               </a:rPr>
-              <a:t>... </a:t>
-            </a:r>
-            <a:r>
-              <a:rPr lang="en-US" sz="2000" smtClean="0">
-                <a:latin typeface="Consolas" panose="020B0609020204030204" pitchFamily="49" charset="0"/>
-              </a:rPr>
-              <a:t>%</a:t>
-            </a:r>
-            <a:r>
-              <a:rPr lang="en-US" sz="2000">
-                <a:latin typeface="Consolas" panose="020B0609020204030204" pitchFamily="49" charset="0"/>
-              </a:rPr>
-              <a:t>d... %d... %</a:t>
-            </a:r>
-            <a:r>
-              <a:rPr lang="en-US" sz="2000">
-                <a:latin typeface="Consolas" panose="020B0609020204030204" pitchFamily="49" charset="0"/>
-              </a:rPr>
-              <a:t>s\n</a:t>
+              <a:t>d... %d... %s\n</a:t>
             </a:r>
             <a:r>
               <a:rPr lang="en-US" sz="2000" smtClean="0">
@@ -16784,11 +16792,7 @@
             </a:r>
             <a:r>
               <a:rPr lang="ru-RU" sz="2400" smtClean="0"/>
-              <a:t>по </a:t>
-            </a:r>
-            <a:r>
-              <a:rPr lang="ru-RU" sz="2400" smtClean="0"/>
-              <a:t>сравнению</a:t>
+              <a:t>по сравнению</a:t>
             </a:r>
             <a:r>
               <a:rPr lang="en-US" sz="2400" smtClean="0"/>
@@ -16800,11 +16804,7 @@
             </a:r>
             <a:r>
               <a:rPr lang="en-US" sz="2400" smtClean="0"/>
-              <a:t> printf</a:t>
-            </a:r>
-            <a:r>
-              <a:rPr lang="en-US" sz="2400" smtClean="0"/>
-              <a:t>?</a:t>
+              <a:t> printf?</a:t>
             </a:r>
           </a:p>
           <a:p>
@@ -16899,11 +16899,7 @@
             </a:r>
             <a:r>
               <a:rPr lang="ru-RU" sz="2400" smtClean="0"/>
-              <a:t>по </a:t>
-            </a:r>
-            <a:r>
-              <a:rPr lang="ru-RU" sz="2400" smtClean="0"/>
-              <a:t>сравнению</a:t>
+              <a:t>по сравнению</a:t>
             </a:r>
             <a:r>
               <a:rPr lang="en-US" sz="2400" smtClean="0"/>
@@ -16915,11 +16911,7 @@
             </a:r>
             <a:r>
               <a:rPr lang="en-US" sz="2400" smtClean="0"/>
-              <a:t> printf</a:t>
-            </a:r>
-            <a:r>
-              <a:rPr lang="en-US" sz="2400" smtClean="0"/>
-              <a:t>?</a:t>
+              <a:t> printf?</a:t>
             </a:r>
           </a:p>
           <a:p>
@@ -16947,13 +16939,7 @@
               <a:rPr lang="sv-SE">
                 <a:latin typeface="Consolas" panose="020B0609020204030204" pitchFamily="49" charset="0"/>
               </a:rPr>
-              <a:t>("blah %n blah\n", &amp;</a:t>
-            </a:r>
-            <a:r>
-              <a:rPr lang="sv-SE">
-                <a:latin typeface="Consolas" panose="020B0609020204030204" pitchFamily="49" charset="0"/>
-              </a:rPr>
-              <a:t>val</a:t>
+              <a:t>("blah %n blah\n", &amp;val</a:t>
             </a:r>
             <a:r>
               <a:rPr lang="sv-SE" smtClean="0">
@@ -16970,13 +16956,7 @@
               <a:rPr lang="en-US">
                 <a:latin typeface="Consolas" panose="020B0609020204030204" pitchFamily="49" charset="0"/>
               </a:rPr>
-              <a:t>printf("%*s", 5</a:t>
-            </a:r>
-            <a:r>
-              <a:rPr lang="en-US">
-                <a:latin typeface="Consolas" panose="020B0609020204030204" pitchFamily="49" charset="0"/>
-              </a:rPr>
-              <a:t>, </a:t>
+              <a:t>printf("%*s", 5, </a:t>
             </a:r>
             <a:r>
               <a:rPr lang="en-US" smtClean="0">
@@ -17013,11 +16993,7 @@
           <a:p>
             <a:r>
               <a:rPr lang="ru-RU" smtClean="0"/>
-              <a:t>Дома</a:t>
-            </a:r>
-            <a:r>
-              <a:rPr lang="ru-RU" smtClean="0"/>
-              <a:t>: попытайтесь доделать недостающее</a:t>
+              <a:t>Дома: попытайтесь доделать недостающее</a:t>
             </a:r>
             <a:endParaRPr lang="en-US"/>
           </a:p>
@@ -17116,49 +17092,31 @@
               <a:rPr lang="fr-FR" sz="2200">
                 <a:latin typeface="Consolas" panose="020B0609020204030204" pitchFamily="49" charset="0"/>
               </a:rPr>
-              <a:t>&lt;typename T</a:t>
+              <a:t>&lt;typename T&gt; </a:t>
+            </a:r>
+            <a:r>
+              <a:rPr lang="fr-FR" sz="2200" smtClean="0">
+                <a:latin typeface="Consolas" panose="020B0609020204030204" pitchFamily="49" charset="0"/>
+              </a:rPr>
+              <a:t>void </a:t>
             </a:r>
             <a:r>
               <a:rPr lang="fr-FR" sz="2200">
                 <a:latin typeface="Consolas" panose="020B0609020204030204" pitchFamily="49" charset="0"/>
               </a:rPr>
-              <a:t>&gt; </a:t>
+              <a:t>printout (T x) </a:t>
             </a:r>
             <a:r>
               <a:rPr lang="fr-FR" sz="2200" smtClean="0">
                 <a:latin typeface="Consolas" panose="020B0609020204030204" pitchFamily="49" charset="0"/>
               </a:rPr>
-              <a:t>void </a:t>
+              <a:t>{ cout </a:t>
             </a:r>
             <a:r>
               <a:rPr lang="fr-FR" sz="2200">
                 <a:latin typeface="Consolas" panose="020B0609020204030204" pitchFamily="49" charset="0"/>
               </a:rPr>
-              <a:t>printout (T x</a:t>
-            </a:r>
-            <a:r>
-              <a:rPr lang="fr-FR" sz="2200">
-                <a:latin typeface="Consolas" panose="020B0609020204030204" pitchFamily="49" charset="0"/>
-              </a:rPr>
-              <a:t>) </a:t>
-            </a:r>
-            <a:r>
-              <a:rPr lang="fr-FR" sz="2200" smtClean="0">
-                <a:latin typeface="Consolas" panose="020B0609020204030204" pitchFamily="49" charset="0"/>
-              </a:rPr>
-              <a:t>{ cout </a:t>
-            </a:r>
-            <a:r>
-              <a:rPr lang="fr-FR" sz="2200">
-                <a:latin typeface="Consolas" panose="020B0609020204030204" pitchFamily="49" charset="0"/>
-              </a:rPr>
-              <a:t>&lt;&lt; x &lt;&lt; </a:t>
-            </a:r>
-            <a:r>
-              <a:rPr lang="fr-FR" sz="2200">
-                <a:latin typeface="Consolas" panose="020B0609020204030204" pitchFamily="49" charset="0"/>
-              </a:rPr>
-              <a:t>endl</a:t>
+              <a:t>&lt;&lt; x &lt;&lt; endl</a:t>
             </a:r>
             <a:r>
               <a:rPr lang="fr-FR" sz="2200" smtClean="0">
@@ -17191,13 +17149,7 @@
               <a:rPr lang="en-US" sz="2200">
                 <a:latin typeface="Consolas" panose="020B0609020204030204" pitchFamily="49" charset="0"/>
               </a:rPr>
-              <a:t>lvisualize(T... </a:t>
-            </a:r>
-            <a:r>
-              <a:rPr lang="en-US" sz="2200">
-                <a:latin typeface="Consolas" panose="020B0609020204030204" pitchFamily="49" charset="0"/>
-              </a:rPr>
-              <a:t>args</a:t>
+              <a:t>lvisualize(T... args</a:t>
             </a:r>
             <a:r>
               <a:rPr lang="en-US" sz="2200" smtClean="0">
@@ -17320,60 +17272,42 @@
               <a:rPr lang="en-US">
                 <a:latin typeface="Consolas" panose="020B0609020204030204" pitchFamily="49" charset="0"/>
               </a:rPr>
-              <a:t>template &lt;typename</a:t>
+              <a:t>template &lt;typename... </a:t>
+            </a:r>
+            <a:r>
+              <a:rPr lang="en-US" smtClean="0">
+                <a:latin typeface="Consolas" panose="020B0609020204030204" pitchFamily="49" charset="0"/>
+              </a:rPr>
+              <a:t>T&gt; void lvisualize(T</a:t>
             </a:r>
             <a:r>
               <a:rPr lang="en-US">
                 <a:latin typeface="Consolas" panose="020B0609020204030204" pitchFamily="49" charset="0"/>
               </a:rPr>
-              <a:t>... </a:t>
-            </a:r>
-            <a:r>
-              <a:rPr lang="en-US" smtClean="0">
-                <a:latin typeface="Consolas" panose="020B0609020204030204" pitchFamily="49" charset="0"/>
-              </a:rPr>
-              <a:t>T&gt; void lvisualize(T</a:t>
+              <a:t>... args</a:t>
+            </a:r>
+            <a:r>
+              <a:rPr lang="en-US" smtClean="0">
+                <a:latin typeface="Consolas" panose="020B0609020204030204" pitchFamily="49" charset="0"/>
+              </a:rPr>
+              <a:t>) {</a:t>
+            </a:r>
+            <a:br>
+              <a:rPr lang="en-US" smtClean="0">
+                <a:latin typeface="Consolas" panose="020B0609020204030204" pitchFamily="49" charset="0"/>
+              </a:rPr>
+            </a:br>
+            <a:r>
+              <a:rPr lang="en-US" smtClean="0">
+                <a:latin typeface="Consolas" panose="020B0609020204030204" pitchFamily="49" charset="0"/>
+              </a:rPr>
+              <a:t>  int </a:t>
             </a:r>
             <a:r>
               <a:rPr lang="en-US">
                 <a:latin typeface="Consolas" panose="020B0609020204030204" pitchFamily="49" charset="0"/>
               </a:rPr>
-              <a:t>... </a:t>
-            </a:r>
-            <a:r>
-              <a:rPr lang="en-US">
-                <a:latin typeface="Consolas" panose="020B0609020204030204" pitchFamily="49" charset="0"/>
-              </a:rPr>
-              <a:t>args</a:t>
-            </a:r>
-            <a:r>
-              <a:rPr lang="en-US" smtClean="0">
-                <a:latin typeface="Consolas" panose="020B0609020204030204" pitchFamily="49" charset="0"/>
-              </a:rPr>
-              <a:t>) {</a:t>
-            </a:r>
-            <a:br>
-              <a:rPr lang="en-US" smtClean="0">
-                <a:latin typeface="Consolas" panose="020B0609020204030204" pitchFamily="49" charset="0"/>
-              </a:rPr>
-            </a:br>
-            <a:r>
-              <a:rPr lang="en-US" smtClean="0">
-                <a:latin typeface="Consolas" panose="020B0609020204030204" pitchFamily="49" charset="0"/>
-              </a:rPr>
-              <a:t>  int </a:t>
-            </a:r>
-            <a:r>
-              <a:rPr lang="en-US">
-                <a:latin typeface="Consolas" panose="020B0609020204030204" pitchFamily="49" charset="0"/>
-              </a:rPr>
-              <a:t>x[] {(printout(args), 0</a:t>
-            </a:r>
-            <a:r>
-              <a:rPr lang="en-US">
-                <a:latin typeface="Consolas" panose="020B0609020204030204" pitchFamily="49" charset="0"/>
-              </a:rPr>
-              <a:t>)... </a:t>
+              <a:t>x[] {(printout(args), 0)... </a:t>
             </a:r>
             <a:r>
               <a:rPr lang="en-US" smtClean="0">
@@ -17561,60 +17495,42 @@
               <a:rPr lang="en-US">
                 <a:latin typeface="Consolas" panose="020B0609020204030204" pitchFamily="49" charset="0"/>
               </a:rPr>
-              <a:t>template &lt;typename</a:t>
+              <a:t>template &lt;typename... </a:t>
+            </a:r>
+            <a:r>
+              <a:rPr lang="en-US" smtClean="0">
+                <a:latin typeface="Consolas" panose="020B0609020204030204" pitchFamily="49" charset="0"/>
+              </a:rPr>
+              <a:t>T&gt; void lvisualize(T</a:t>
             </a:r>
             <a:r>
               <a:rPr lang="en-US">
                 <a:latin typeface="Consolas" panose="020B0609020204030204" pitchFamily="49" charset="0"/>
               </a:rPr>
-              <a:t>... </a:t>
-            </a:r>
-            <a:r>
-              <a:rPr lang="en-US" smtClean="0">
-                <a:latin typeface="Consolas" panose="020B0609020204030204" pitchFamily="49" charset="0"/>
-              </a:rPr>
-              <a:t>T&gt; void lvisualize(T</a:t>
+              <a:t>... args</a:t>
+            </a:r>
+            <a:r>
+              <a:rPr lang="en-US" smtClean="0">
+                <a:latin typeface="Consolas" panose="020B0609020204030204" pitchFamily="49" charset="0"/>
+              </a:rPr>
+              <a:t>) {</a:t>
+            </a:r>
+            <a:br>
+              <a:rPr lang="en-US" smtClean="0">
+                <a:latin typeface="Consolas" panose="020B0609020204030204" pitchFamily="49" charset="0"/>
+              </a:rPr>
+            </a:br>
+            <a:r>
+              <a:rPr lang="en-US" smtClean="0">
+                <a:latin typeface="Consolas" panose="020B0609020204030204" pitchFamily="49" charset="0"/>
+              </a:rPr>
+              <a:t>  int </a:t>
             </a:r>
             <a:r>
               <a:rPr lang="en-US">
                 <a:latin typeface="Consolas" panose="020B0609020204030204" pitchFamily="49" charset="0"/>
               </a:rPr>
-              <a:t>... </a:t>
-            </a:r>
-            <a:r>
-              <a:rPr lang="en-US">
-                <a:latin typeface="Consolas" panose="020B0609020204030204" pitchFamily="49" charset="0"/>
-              </a:rPr>
-              <a:t>args</a:t>
-            </a:r>
-            <a:r>
-              <a:rPr lang="en-US" smtClean="0">
-                <a:latin typeface="Consolas" panose="020B0609020204030204" pitchFamily="49" charset="0"/>
-              </a:rPr>
-              <a:t>) {</a:t>
-            </a:r>
-            <a:br>
-              <a:rPr lang="en-US" smtClean="0">
-                <a:latin typeface="Consolas" panose="020B0609020204030204" pitchFamily="49" charset="0"/>
-              </a:rPr>
-            </a:br>
-            <a:r>
-              <a:rPr lang="en-US" smtClean="0">
-                <a:latin typeface="Consolas" panose="020B0609020204030204" pitchFamily="49" charset="0"/>
-              </a:rPr>
-              <a:t>  int </a:t>
-            </a:r>
-            <a:r>
-              <a:rPr lang="en-US">
-                <a:latin typeface="Consolas" panose="020B0609020204030204" pitchFamily="49" charset="0"/>
-              </a:rPr>
-              <a:t>x[] {(printout(args), 0</a:t>
-            </a:r>
-            <a:r>
-              <a:rPr lang="en-US">
-                <a:latin typeface="Consolas" panose="020B0609020204030204" pitchFamily="49" charset="0"/>
-              </a:rPr>
-              <a:t>)... </a:t>
+              <a:t>x[] {(printout(args), 0)... </a:t>
             </a:r>
             <a:r>
               <a:rPr lang="en-US" smtClean="0">
@@ -17761,71 +17677,53 @@
               <a:rPr lang="en-US">
                 <a:latin typeface="Consolas" panose="020B0609020204030204" pitchFamily="49" charset="0"/>
               </a:rPr>
-              <a:t>&lt;typename... T&gt; expand_type(T...) </a:t>
+              <a:t>&lt;typename... T&gt; expand_type(T...) {} </a:t>
+            </a:r>
+            <a:r>
+              <a:rPr lang="en-US" smtClean="0">
+                <a:latin typeface="Consolas" panose="020B0609020204030204" pitchFamily="49" charset="0"/>
+              </a:rPr>
+              <a:t/>
+            </a:r>
+            <a:br>
+              <a:rPr lang="en-US" smtClean="0">
+                <a:latin typeface="Consolas" panose="020B0609020204030204" pitchFamily="49" charset="0"/>
+              </a:rPr>
+            </a:br>
+            <a:r>
+              <a:rPr lang="en-US" smtClean="0">
+                <a:latin typeface="Consolas" panose="020B0609020204030204" pitchFamily="49" charset="0"/>
+              </a:rPr>
+              <a:t>};</a:t>
+            </a:r>
+          </a:p>
+          <a:p>
+            <a:pPr marL="0" indent="0">
+              <a:buNone/>
+            </a:pPr>
+            <a:r>
+              <a:rPr lang="en-US" smtClean="0">
+                <a:latin typeface="Consolas" panose="020B0609020204030204" pitchFamily="49" charset="0"/>
+              </a:rPr>
+              <a:t>template </a:t>
             </a:r>
             <a:r>
               <a:rPr lang="en-US">
                 <a:latin typeface="Consolas" panose="020B0609020204030204" pitchFamily="49" charset="0"/>
               </a:rPr>
-              <a:t>{} </a:t>
-            </a:r>
-            <a:r>
-              <a:rPr lang="en-US" smtClean="0">
-                <a:latin typeface="Consolas" panose="020B0609020204030204" pitchFamily="49" charset="0"/>
-              </a:rPr>
-              <a:t/>
-            </a:r>
-            <a:br>
-              <a:rPr lang="en-US" smtClean="0">
-                <a:latin typeface="Consolas" panose="020B0609020204030204" pitchFamily="49" charset="0"/>
-              </a:rPr>
-            </a:br>
-            <a:r>
-              <a:rPr lang="en-US" smtClean="0">
-                <a:latin typeface="Consolas" panose="020B0609020204030204" pitchFamily="49" charset="0"/>
-              </a:rPr>
-              <a:t>};</a:t>
-            </a:r>
-          </a:p>
-          <a:p>
-            <a:pPr marL="0" indent="0">
-              <a:buNone/>
-            </a:pPr>
-            <a:r>
-              <a:rPr lang="en-US" smtClean="0">
-                <a:latin typeface="Consolas" panose="020B0609020204030204" pitchFamily="49" charset="0"/>
-              </a:rPr>
-              <a:t>template </a:t>
+              <a:t>&lt;typename... </a:t>
+            </a:r>
+            <a:r>
+              <a:rPr lang="en-US" smtClean="0">
+                <a:latin typeface="Consolas" panose="020B0609020204030204" pitchFamily="49" charset="0"/>
+              </a:rPr>
+              <a:t>T&gt; void </a:t>
             </a:r>
             <a:r>
               <a:rPr lang="en-US">
                 <a:latin typeface="Consolas" panose="020B0609020204030204" pitchFamily="49" charset="0"/>
               </a:rPr>
-              <a:t>&lt;typename</a:t>
-            </a:r>
-            <a:r>
-              <a:rPr lang="en-US">
-                <a:latin typeface="Consolas" panose="020B0609020204030204" pitchFamily="49" charset="0"/>
-              </a:rPr>
-              <a:t>... </a:t>
-            </a:r>
-            <a:r>
-              <a:rPr lang="en-US" smtClean="0">
-                <a:latin typeface="Consolas" panose="020B0609020204030204" pitchFamily="49" charset="0"/>
-              </a:rPr>
-              <a:t>T&gt; void </a:t>
-            </a:r>
-            <a:r>
-              <a:rPr lang="en-US">
-                <a:latin typeface="Consolas" panose="020B0609020204030204" pitchFamily="49" charset="0"/>
-              </a:rPr>
-              <a:t>lvisualize(T... </a:t>
-            </a:r>
-            <a:r>
-              <a:rPr lang="en-US">
-                <a:latin typeface="Consolas" panose="020B0609020204030204" pitchFamily="49" charset="0"/>
-              </a:rPr>
-              <a:t>args</a:t>
+              <a:t>lvisualize(T... args</a:t>
             </a:r>
             <a:r>
               <a:rPr lang="en-US" smtClean="0">
@@ -17863,13 +17761,7 @@
               <a:rPr lang="en-US">
                 <a:latin typeface="Consolas" panose="020B0609020204030204" pitchFamily="49" charset="0"/>
               </a:rPr>
-              <a:t> 0</a:t>
-            </a:r>
-            <a:r>
-              <a:rPr lang="en-US">
-                <a:latin typeface="Consolas" panose="020B0609020204030204" pitchFamily="49" charset="0"/>
-              </a:rPr>
-              <a:t>)... </a:t>
+              <a:t> 0)... </a:t>
             </a:r>
             <a:r>
               <a:rPr lang="en-US" smtClean="0">
@@ -18027,31 +17919,19 @@
               <a:rPr lang="en-US">
                 <a:latin typeface="Consolas" panose="020B0609020204030204" pitchFamily="49" charset="0"/>
               </a:rPr>
-              <a:t>&lt;typename</a:t>
+              <a:t>&lt;typename... </a:t>
+            </a:r>
+            <a:r>
+              <a:rPr lang="en-US" smtClean="0">
+                <a:latin typeface="Consolas" panose="020B0609020204030204" pitchFamily="49" charset="0"/>
+              </a:rPr>
+              <a:t>T&gt; void </a:t>
             </a:r>
             <a:r>
               <a:rPr lang="en-US">
                 <a:latin typeface="Consolas" panose="020B0609020204030204" pitchFamily="49" charset="0"/>
               </a:rPr>
-              <a:t>... </a:t>
-            </a:r>
-            <a:r>
-              <a:rPr lang="en-US" smtClean="0">
-                <a:latin typeface="Consolas" panose="020B0609020204030204" pitchFamily="49" charset="0"/>
-              </a:rPr>
-              <a:t>T&gt; void </a:t>
-            </a:r>
-            <a:r>
-              <a:rPr lang="en-US">
-                <a:latin typeface="Consolas" panose="020B0609020204030204" pitchFamily="49" charset="0"/>
-              </a:rPr>
-              <a:t>lvisualize(T... </a:t>
-            </a:r>
-            <a:r>
-              <a:rPr lang="en-US">
-                <a:latin typeface="Consolas" panose="020B0609020204030204" pitchFamily="49" charset="0"/>
-              </a:rPr>
-              <a:t>args</a:t>
+              <a:t>lvisualize(T... args</a:t>
             </a:r>
             <a:r>
               <a:rPr lang="en-US" smtClean="0">
@@ -18089,13 +17969,7 @@
               <a:rPr lang="en-US">
                 <a:latin typeface="Consolas" panose="020B0609020204030204" pitchFamily="49" charset="0"/>
               </a:rPr>
-              <a:t> 0</a:t>
-            </a:r>
-            <a:r>
-              <a:rPr lang="en-US">
-                <a:latin typeface="Consolas" panose="020B0609020204030204" pitchFamily="49" charset="0"/>
-              </a:rPr>
-              <a:t>)... </a:t>
+              <a:t> 0)... </a:t>
             </a:r>
             <a:r>
               <a:rPr lang="en-US" smtClean="0">
@@ -18198,11 +18072,15 @@
             </a:r>
             <a:r>
               <a:rPr lang="en-US" smtClean="0"/>
-              <a:t>happens-after </a:t>
+              <a:t>sequenced-before </a:t>
             </a:r>
             <a:r>
               <a:rPr lang="ru-RU" smtClean="0"/>
-              <a:t>у списка инициализации (в отличии от списка аргументов конструктора или вообще функции) были в этом примере полезны, но выглядят они ограничивающе. Зачем они нужны?</a:t>
+              <a:t>у </a:t>
+            </a:r>
+            <a:r>
+              <a:rPr lang="ru-RU" smtClean="0"/>
+              <a:t>списка инициализации (в отличии от списка аргументов конструктора или вообще функции) были в этом примере полезны, но выглядят они ограничивающе. Зачем они нужны?</a:t>
             </a:r>
             <a:endParaRPr lang="en-US"/>
           </a:p>
@@ -18282,13 +18160,26 @@
             </a:pPr>
             <a:r>
               <a:rPr lang="ru-RU" sz="4000" smtClean="0"/>
-              <a:t> Рекурсивные </a:t>
+              <a:t> Рекурсивные параметры</a:t>
+            </a:r>
+            <a:endParaRPr lang="en-US" sz="4000" smtClean="0"/>
+          </a:p>
+          <a:p>
+            <a:pPr>
+              <a:lnSpc>
+                <a:spcPct val="150000"/>
+              </a:lnSpc>
+              <a:buFont typeface="Wingdings" panose="05000000000000000000" pitchFamily="2" charset="2"/>
+              <a:buChar char="Ø"/>
+            </a:pPr>
+            <a:r>
+              <a:rPr lang="en-US" sz="4000"/>
+              <a:t> </a:t>
             </a:r>
             <a:r>
               <a:rPr lang="ru-RU" sz="4000" smtClean="0"/>
-              <a:t>параметры</a:t>
-            </a:r>
-            <a:endParaRPr lang="en-US" sz="4000" smtClean="0"/>
+              <a:t>Размещающая семантика</a:t>
+            </a:r>
           </a:p>
           <a:p>
             <a:pPr>
@@ -18299,23 +18190,6 @@
               <a:buChar char="q"/>
             </a:pPr>
             <a:r>
-              <a:rPr lang="en-US" sz="4000"/>
-              <a:t> </a:t>
-            </a:r>
-            <a:r>
-              <a:rPr lang="ru-RU" sz="4000" smtClean="0"/>
-              <a:t>Размещающая семантика</a:t>
-            </a:r>
-          </a:p>
-          <a:p>
-            <a:pPr>
-              <a:lnSpc>
-                <a:spcPct val="150000"/>
-              </a:lnSpc>
-              <a:buFont typeface="Wingdings" panose="05000000000000000000" pitchFamily="2" charset="2"/>
-              <a:buChar char="q"/>
-            </a:pPr>
-            <a:r>
               <a:rPr lang="en-US" sz="4000" smtClean="0"/>
               <a:t> </a:t>
             </a:r>
@@ -18323,7 +18197,6 @@
               <a:rPr lang="ru-RU" sz="4000" smtClean="0"/>
               <a:t>Пары и кортежи</a:t>
             </a:r>
-            <a:endParaRPr lang="ru-RU" sz="4000" smtClean="0"/>
           </a:p>
         </p:txBody>
       </p:sp>
@@ -20908,11 +20781,7 @@
             </a:pPr>
             <a:r>
               <a:rPr lang="ru-RU" sz="4000" smtClean="0"/>
-              <a:t> Рекурсивные </a:t>
-            </a:r>
-            <a:r>
-              <a:rPr lang="ru-RU" sz="4000" smtClean="0"/>
-              <a:t>параметры</a:t>
+              <a:t> Рекурсивные параметры</a:t>
             </a:r>
             <a:endParaRPr lang="en-US" sz="4000" smtClean="0"/>
           </a:p>
@@ -20939,7 +20808,7 @@
                 <a:spcPct val="150000"/>
               </a:lnSpc>
               <a:buFont typeface="Wingdings" panose="05000000000000000000" pitchFamily="2" charset="2"/>
-              <a:buChar char="q"/>
+              <a:buChar char="Ø"/>
             </a:pPr>
             <a:r>
               <a:rPr lang="en-US" sz="4000" smtClean="0"/>
@@ -20949,7 +20818,6 @@
               <a:rPr lang="ru-RU" sz="4000" smtClean="0"/>
               <a:t>Пары и кортежи</a:t>
             </a:r>
-            <a:endParaRPr lang="ru-RU" sz="4000" smtClean="0"/>
           </a:p>
         </p:txBody>
       </p:sp>
@@ -21638,13 +21506,7 @@
               <a:rPr lang="en-US" sz="2600" smtClean="0">
                 <a:latin typeface="Consolas" panose="020B0609020204030204" pitchFamily="49" charset="0"/>
               </a:rPr>
-              <a:t>class </a:t>
-            </a:r>
-            <a:r>
-              <a:rPr lang="en-US" sz="2600" smtClean="0">
-                <a:latin typeface="Consolas" panose="020B0609020204030204" pitchFamily="49" charset="0"/>
-              </a:rPr>
-              <a:t>Item { T data, N* next };</a:t>
+              <a:t>class Item { T data, N* next };</a:t>
             </a:r>
             <a:endParaRPr lang="ru-RU" sz="2600" smtClean="0">
               <a:latin typeface="Consolas" panose="020B0609020204030204" pitchFamily="49" charset="0"/>
@@ -21653,23 +21515,13 @@
           <a:p>
             <a:r>
               <a:rPr lang="ru-RU" sz="2600" smtClean="0"/>
-              <a:t>Ещё </a:t>
-            </a:r>
-            <a:r>
-              <a:rPr lang="ru-RU" sz="2600" smtClean="0"/>
-              <a:t>одно обобщение пар: кортежи </a:t>
+              <a:t>Ещё одно обобщение пар: кортежи </a:t>
             </a:r>
             <a:r>
               <a:rPr lang="en-US" sz="2600" smtClean="0">
                 <a:latin typeface="Consolas" panose="020B0609020204030204" pitchFamily="49" charset="0"/>
               </a:rPr>
-              <a:t>(1, '2', "3", 4.0</a:t>
-            </a:r>
-            <a:r>
-              <a:rPr lang="en-US" sz="2600" smtClean="0">
-                <a:latin typeface="Consolas" panose="020B0609020204030204" pitchFamily="49" charset="0"/>
-              </a:rPr>
-              <a:t>)</a:t>
+              <a:t>(1, '2', "3", 4.0)</a:t>
             </a:r>
             <a:endParaRPr lang="ru-RU" sz="2600" smtClean="0">
               <a:latin typeface="Consolas" panose="020B0609020204030204" pitchFamily="49" charset="0"/>
@@ -22446,13 +22298,7 @@
               <a:rPr lang="en-US" smtClean="0">
                 <a:latin typeface="Consolas" panose="020B0609020204030204" pitchFamily="49" charset="0"/>
               </a:rPr>
-              <a:t>foo</a:t>
-            </a:r>
-            <a:r>
-              <a:rPr lang="en-US" smtClean="0">
-                <a:latin typeface="Consolas" panose="020B0609020204030204" pitchFamily="49" charset="0"/>
-              </a:rPr>
-              <a:t>();</a:t>
+              <a:t>foo();</a:t>
             </a:r>
           </a:p>
           <a:p>
@@ -22463,13 +22309,7 @@
               <a:rPr lang="en-US" smtClean="0">
                 <a:latin typeface="Consolas" panose="020B0609020204030204" pitchFamily="49" charset="0"/>
               </a:rPr>
-              <a:t>int </a:t>
-            </a:r>
-            <a:r>
-              <a:rPr lang="en-US" smtClean="0">
-                <a:latin typeface="Consolas" panose="020B0609020204030204" pitchFamily="49" charset="0"/>
-              </a:rPr>
-              <a:t>n = 7;</a:t>
+              <a:t>int n = 7;</a:t>
             </a:r>
             <a:br>
               <a:rPr lang="en-US" smtClean="0">
@@ -22492,19 +22332,7 @@
                 </a:solidFill>
                 <a:latin typeface="Consolas" panose="020B0609020204030204" pitchFamily="49" charset="0"/>
               </a:rPr>
-              <a:t>tie(n</a:t>
-            </a:r>
-            <a:r>
-              <a:rPr lang="en-US" smtClean="0">
-                <a:solidFill>
-                  <a:schemeClr val="accent3">
-                    <a:lumMod val="40000"/>
-                    <a:lumOff val="60000"/>
-                  </a:schemeClr>
-                </a:solidFill>
-                <a:latin typeface="Consolas" panose="020B0609020204030204" pitchFamily="49" charset="0"/>
-              </a:rPr>
-              <a:t>)</a:t>
+              <a:t>tie(n)</a:t>
             </a:r>
             <a:r>
               <a:rPr lang="en-US" smtClean="0">
@@ -22527,13 +22355,7 @@
               <a:rPr lang="en-US">
                 <a:latin typeface="Consolas" panose="020B0609020204030204" pitchFamily="49" charset="0"/>
               </a:rPr>
-              <a:t>C++17: auto [a, b] = </a:t>
-            </a:r>
-            <a:r>
-              <a:rPr lang="en-US">
-                <a:latin typeface="Consolas" panose="020B0609020204030204" pitchFamily="49" charset="0"/>
-              </a:rPr>
-              <a:t>foo</a:t>
+              <a:t>C++17: auto [a, b] = foo</a:t>
             </a:r>
             <a:r>
               <a:rPr lang="en-US" smtClean="0">
@@ -22558,9 +22380,6 @@
               </a:rPr>
               <a:t>auto&amp; [a, b, c] = t;</a:t>
             </a:r>
-            <a:endParaRPr lang="en-US" smtClean="0">
-              <a:latin typeface="Consolas" panose="020B0609020204030204" pitchFamily="49" charset="0"/>
-            </a:endParaRPr>
           </a:p>
         </p:txBody>
       </p:sp>
@@ -23673,31 +23492,19 @@
               <a:rPr lang="en-US">
                 <a:latin typeface="Consolas" panose="020B0609020204030204" pitchFamily="49" charset="0"/>
               </a:rPr>
-              <a:t>TTypes</a:t>
+              <a:t>TTypes, </a:t>
+            </a:r>
+            <a:r>
+              <a:rPr lang="en-US" smtClean="0">
+                <a:latin typeface="Consolas" panose="020B0609020204030204" pitchFamily="49" charset="0"/>
+              </a:rPr>
+              <a:t>typename... </a:t>
             </a:r>
             <a:r>
               <a:rPr lang="en-US">
                 <a:latin typeface="Consolas" panose="020B0609020204030204" pitchFamily="49" charset="0"/>
               </a:rPr>
-              <a:t>, </a:t>
-            </a:r>
-            <a:r>
-              <a:rPr lang="en-US" smtClean="0">
-                <a:latin typeface="Consolas" panose="020B0609020204030204" pitchFamily="49" charset="0"/>
-              </a:rPr>
-              <a:t>typename... </a:t>
-            </a:r>
-            <a:r>
-              <a:rPr lang="en-US">
-                <a:latin typeface="Consolas" panose="020B0609020204030204" pitchFamily="49" charset="0"/>
-              </a:rPr>
               <a:t>UTypes&gt;</a:t>
-            </a:r>
-            <a:r>
-              <a:rPr lang="en-US">
-                <a:latin typeface="Consolas" panose="020B0609020204030204" pitchFamily="49" charset="0"/>
-              </a:rPr>
-              <a:t/>
             </a:r>
             <a:br>
               <a:rPr lang="en-US">
@@ -23714,52 +23521,31 @@
               <a:rPr lang="en-US">
                 <a:latin typeface="Consolas" panose="020B0609020204030204" pitchFamily="49" charset="0"/>
               </a:rPr>
-              <a:t>operator&lt;(const tuple&lt;TTypes...&gt;&amp; t</a:t>
+              <a:t>operator&lt;(const tuple&lt;TTypes...&gt;&amp; t, </a:t>
+            </a:r>
+            <a:r>
+              <a:rPr lang="en-US" smtClean="0">
+                <a:latin typeface="Consolas" panose="020B0609020204030204" pitchFamily="49" charset="0"/>
+              </a:rPr>
+              <a:t/>
+            </a:r>
+            <a:br>
+              <a:rPr lang="en-US" smtClean="0">
+                <a:latin typeface="Consolas" panose="020B0609020204030204" pitchFamily="49" charset="0"/>
+              </a:rPr>
+            </a:br>
+            <a:r>
+              <a:rPr lang="en-US" smtClean="0">
+                <a:latin typeface="Consolas" panose="020B0609020204030204" pitchFamily="49" charset="0"/>
+              </a:rPr>
+              <a:t>               const </a:t>
             </a:r>
             <a:r>
               <a:rPr lang="en-US">
                 <a:latin typeface="Consolas" panose="020B0609020204030204" pitchFamily="49" charset="0"/>
               </a:rPr>
-              <a:t>, </a:t>
-            </a:r>
-            <a:r>
-              <a:rPr lang="en-US" smtClean="0">
-                <a:latin typeface="Consolas" panose="020B0609020204030204" pitchFamily="49" charset="0"/>
-              </a:rPr>
-              <a:t/>
-            </a:r>
-            <a:br>
-              <a:rPr lang="en-US" smtClean="0">
-                <a:latin typeface="Consolas" panose="020B0609020204030204" pitchFamily="49" charset="0"/>
-              </a:rPr>
-            </a:br>
-            <a:r>
-              <a:rPr lang="en-US" smtClean="0">
-                <a:latin typeface="Consolas" panose="020B0609020204030204" pitchFamily="49" charset="0"/>
-              </a:rPr>
-              <a:t>               const </a:t>
-            </a:r>
-            <a:r>
-              <a:rPr lang="en-US">
-                <a:latin typeface="Consolas" panose="020B0609020204030204" pitchFamily="49" charset="0"/>
-              </a:rPr>
-              <a:t>tuple&lt;UTypes...&gt;&amp; u</a:t>
-            </a:r>
-            <a:r>
-              <a:rPr lang="en-US">
-                <a:latin typeface="Consolas" panose="020B0609020204030204" pitchFamily="49" charset="0"/>
-              </a:rPr>
-              <a:t>);</a:t>
-            </a:r>
-            <a:r>
-              <a:rPr lang="en-US">
-                <a:latin typeface="Consolas" panose="020B0609020204030204" pitchFamily="49" charset="0"/>
-              </a:rPr>
-              <a:t> </a:t>
-            </a:r>
-            <a:endParaRPr lang="en-US">
-              <a:latin typeface="Consolas" panose="020B0609020204030204" pitchFamily="49" charset="0"/>
-            </a:endParaRPr>
+              <a:t>tuple&lt;UTypes...&gt;&amp; u); </a:t>
+            </a:r>
           </a:p>
         </p:txBody>
       </p:sp>
@@ -23906,13 +23692,7 @@
               <a:rPr lang="en-US" smtClean="0">
                 <a:latin typeface="Consolas" panose="020B0609020204030204" pitchFamily="49" charset="0"/>
               </a:rPr>
-              <a:t>   </a:t>
-            </a:r>
-            <a:r>
-              <a:rPr lang="en-US" smtClean="0">
-                <a:latin typeface="Consolas" panose="020B0609020204030204" pitchFamily="49" charset="0"/>
-              </a:rPr>
-              <a:t>forward_as_tuple(2</a:t>
+              <a:t>   forward_as_tuple(2</a:t>
             </a:r>
             <a:r>
               <a:rPr lang="en-US">
@@ -23935,13 +23715,7 @@
               <a:rPr lang="en-US" smtClean="0">
                 <a:latin typeface="Consolas" panose="020B0609020204030204" pitchFamily="49" charset="0"/>
               </a:rPr>
-              <a:t>); // p = ({}, </a:t>
-            </a:r>
-            <a:r>
-              <a:rPr lang="en-US" smtClean="0">
-                <a:latin typeface="Consolas" panose="020B0609020204030204" pitchFamily="49" charset="0"/>
-              </a:rPr>
-              <a:t>{3, 3})</a:t>
+              <a:t>); // p = ({}, {3, 3})</a:t>
             </a:r>
             <a:endParaRPr lang="ru-RU" smtClean="0">
               <a:latin typeface="Consolas" panose="020B0609020204030204" pitchFamily="49" charset="0"/>
@@ -24936,31 +24710,18 @@
           <a:p>
             <a:r>
               <a:rPr lang="en-US" sz="2000" smtClean="0"/>
-              <a:t>A</a:t>
-            </a:r>
-            <a:r>
-              <a:rPr lang="en-US" sz="2000" smtClean="0"/>
-              <a:t>. Alexandrescu, Variadic templates and Funadic, </a:t>
-            </a:r>
-            <a:r>
-              <a:rPr lang="en-US" sz="2000" smtClean="0"/>
-              <a:t>GoingNative' 2012</a:t>
+              <a:t>A. Alexandrescu, Variadic templates and Funadic, GoingNative' 2012</a:t>
             </a:r>
           </a:p>
           <a:p>
             <a:r>
               <a:rPr lang="en-US" sz="2000"/>
-              <a:t>S. T. Lavavej, Tuple: what's new and how it works, CppCon</a:t>
-            </a:r>
-            <a:r>
-              <a:rPr lang="en-US" sz="2000"/>
-              <a:t>' </a:t>
+              <a:t>S. T. Lavavej, Tuple: what's new and how it works, CppCon' </a:t>
             </a:r>
             <a:r>
               <a:rPr lang="en-US" sz="2000" smtClean="0"/>
               <a:t>2016</a:t>
             </a:r>
-            <a:endParaRPr lang="en-US" sz="2000" smtClean="0"/>
           </a:p>
         </p:txBody>
       </p:sp>
@@ -25038,7 +24799,22 @@
             </a:pPr>
             <a:r>
               <a:rPr lang="ru-RU" smtClean="0"/>
-              <a:t>отображения времени компиляции</a:t>
+              <a:t>устройство кортежа</a:t>
+            </a:r>
+            <a:endParaRPr lang="en-US" smtClean="0"/>
+          </a:p>
+          <a:p>
+            <a:pPr marL="285750" indent="-285750">
+              <a:buFont typeface="Arial" panose="020B0604020202020204" pitchFamily="34" charset="0"/>
+              <a:buChar char="•"/>
+            </a:pPr>
+            <a:r>
+              <a:rPr lang="ru-RU" smtClean="0"/>
+              <a:t>отображения </a:t>
+            </a:r>
+            <a:r>
+              <a:rPr lang="ru-RU" smtClean="0"/>
+              <a:t>времени компиляции</a:t>
             </a:r>
             <a:endParaRPr lang="en-US"/>
           </a:p>
@@ -25091,7 +24867,11 @@
           <a:p>
             <a:r>
               <a:rPr lang="ru-RU" smtClean="0"/>
-              <a:t>Отображения времени компиляции</a:t>
+              <a:t>обсуждение: как устроен кортеж</a:t>
+            </a:r>
+            <a:r>
+              <a:rPr lang="en-US" smtClean="0"/>
+              <a:t>?</a:t>
             </a:r>
             <a:endParaRPr lang="en-US"/>
           </a:p>
@@ -25107,137 +24887,88 @@
             <p:ph idx="1"/>
           </p:nvPr>
         </p:nvSpPr>
-        <p:spPr>
-          <a:xfrm>
-            <a:off x="1141412" y="2249486"/>
-            <a:ext cx="9905999" cy="4044221"/>
-          </a:xfrm>
-        </p:spPr>
+        <p:spPr/>
         <p:txBody>
           <a:bodyPr/>
           <a:lstStyle/>
           <a:p>
+            <a:pPr marL="0" indent="0">
+              <a:buNone/>
+            </a:pPr>
             <a:r>
               <a:rPr lang="ru-RU" smtClean="0"/>
-              <a:t>Идея для </a:t>
+              <a:t>Кажется, базовая идея:</a:t>
+            </a:r>
+          </a:p>
+          <a:p>
+            <a:pPr marL="0" indent="0">
+              <a:buNone/>
+            </a:pPr>
+            <a:r>
+              <a:rPr lang="en-US" smtClean="0">
+                <a:latin typeface="Consolas" panose="020B0609020204030204" pitchFamily="49" charset="0"/>
+              </a:rPr>
+              <a:t>template &lt;typename ... Args&gt;</a:t>
+            </a:r>
+            <a:br>
+              <a:rPr lang="en-US" smtClean="0">
+                <a:latin typeface="Consolas" panose="020B0609020204030204" pitchFamily="49" charset="0"/>
+              </a:rPr>
+            </a:br>
+            <a:r>
+              <a:rPr lang="en-US" smtClean="0">
+                <a:latin typeface="Consolas" panose="020B0609020204030204" pitchFamily="49" charset="0"/>
+              </a:rPr>
+              <a:t>class Tuple {</a:t>
+            </a:r>
+            <a:br>
+              <a:rPr lang="en-US" smtClean="0">
+                <a:latin typeface="Consolas" panose="020B0609020204030204" pitchFamily="49" charset="0"/>
+              </a:rPr>
+            </a:br>
+            <a:r>
+              <a:rPr lang="en-US" smtClean="0">
+                <a:latin typeface="Consolas" panose="020B0609020204030204" pitchFamily="49" charset="0"/>
+              </a:rPr>
+              <a:t>   Args ... fields;</a:t>
+            </a:r>
+            <a:r>
+              <a:rPr lang="en-US">
+                <a:latin typeface="Consolas" panose="020B0609020204030204" pitchFamily="49" charset="0"/>
+              </a:rPr>
+              <a:t/>
+            </a:r>
+            <a:br>
+              <a:rPr lang="en-US">
+                <a:latin typeface="Consolas" panose="020B0609020204030204" pitchFamily="49" charset="0"/>
+              </a:rPr>
+            </a:br>
+            <a:r>
+              <a:rPr lang="en-US" smtClean="0">
+                <a:latin typeface="Consolas" panose="020B0609020204030204" pitchFamily="49" charset="0"/>
+              </a:rPr>
+              <a:t>};</a:t>
+            </a:r>
+          </a:p>
+          <a:p>
+            <a:pPr marL="0" indent="0">
+              <a:buNone/>
+            </a:pPr>
+            <a:r>
+              <a:rPr lang="ru-RU" smtClean="0"/>
+              <a:t>Имеет недостатки: индивидуальные имена неясны и доступ неясен. Ну и это не </a:t>
             </a:r>
             <a:r>
               <a:rPr lang="en-US" smtClean="0"/>
-              <a:t>compile-time map:</a:t>
-            </a:r>
-          </a:p>
-          <a:p>
-            <a:pPr marL="0" indent="0">
-              <a:buNone/>
-            </a:pPr>
-            <a:r>
-              <a:rPr lang="en-US" smtClean="0">
-                <a:latin typeface="Consolas" panose="020B0609020204030204" pitchFamily="49" charset="0"/>
-              </a:rPr>
-              <a:t>auto </a:t>
-            </a:r>
-            <a:r>
-              <a:rPr lang="en-US">
-                <a:latin typeface="Consolas" panose="020B0609020204030204" pitchFamily="49" charset="0"/>
-              </a:rPr>
-              <a:t>person = ctmap (age, last_name</a:t>
-            </a:r>
-            <a:r>
-              <a:rPr lang="en-US" smtClean="0">
-                <a:latin typeface="Consolas" panose="020B0609020204030204" pitchFamily="49" charset="0"/>
-              </a:rPr>
-              <a:t>);</a:t>
-            </a:r>
-          </a:p>
-          <a:p>
-            <a:pPr marL="0" indent="0">
-              <a:buNone/>
-            </a:pPr>
-            <a:r>
-              <a:rPr lang="en-US" smtClean="0">
-                <a:latin typeface="Consolas" panose="020B0609020204030204" pitchFamily="49" charset="0"/>
-              </a:rPr>
-              <a:t>person^last_name </a:t>
-            </a:r>
-            <a:r>
-              <a:rPr lang="en-US">
-                <a:latin typeface="Consolas" panose="020B0609020204030204" pitchFamily="49" charset="0"/>
-              </a:rPr>
-              <a:t>= "Smith</a:t>
-            </a:r>
-            <a:r>
-              <a:rPr lang="en-US" smtClean="0">
-                <a:latin typeface="Consolas" panose="020B0609020204030204" pitchFamily="49" charset="0"/>
-              </a:rPr>
-              <a:t>";</a:t>
-            </a:r>
-          </a:p>
-          <a:p>
-            <a:pPr marL="0" indent="0">
-              <a:buNone/>
-            </a:pPr>
-            <a:r>
-              <a:rPr lang="en-US" smtClean="0">
-                <a:latin typeface="Consolas" panose="020B0609020204030204" pitchFamily="49" charset="0"/>
-              </a:rPr>
-              <a:t>person^age </a:t>
-            </a:r>
-            <a:r>
-              <a:rPr lang="en-US">
-                <a:latin typeface="Consolas" panose="020B0609020204030204" pitchFamily="49" charset="0"/>
-              </a:rPr>
-              <a:t>= 50</a:t>
-            </a:r>
-            <a:r>
-              <a:rPr lang="en-US" smtClean="0">
-                <a:latin typeface="Consolas" panose="020B0609020204030204" pitchFamily="49" charset="0"/>
-              </a:rPr>
-              <a:t>;</a:t>
-            </a:r>
-          </a:p>
-          <a:p>
-            <a:r>
-              <a:rPr lang="ru-RU" smtClean="0"/>
-              <a:t>Для проектирования необходимо решить:</a:t>
-            </a:r>
-          </a:p>
-          <a:p>
-            <a:pPr lvl="1"/>
-            <a:r>
-              <a:rPr lang="ru-RU" sz="2400" smtClean="0"/>
-              <a:t>Что такое </a:t>
-            </a:r>
-            <a:r>
-              <a:rPr lang="en-US" sz="2400" smtClean="0"/>
-              <a:t>age </a:t>
-            </a:r>
-            <a:r>
-              <a:rPr lang="ru-RU" sz="2400" smtClean="0"/>
-              <a:t>и </a:t>
-            </a:r>
-            <a:r>
-              <a:rPr lang="en-US" sz="2400" smtClean="0"/>
-              <a:t>last_name</a:t>
-            </a:r>
-          </a:p>
-          <a:p>
-            <a:pPr lvl="1"/>
-            <a:r>
-              <a:rPr lang="ru-RU" sz="2400" smtClean="0"/>
-              <a:t>Как работает оператор </a:t>
-            </a:r>
-            <a:r>
-              <a:rPr lang="en-US" sz="2400" smtClean="0"/>
-              <a:t>^</a:t>
-            </a:r>
-            <a:endParaRPr lang="en-US" sz="2400"/>
+              <a:t>C++. </a:t>
+            </a:r>
           </a:p>
         </p:txBody>
       </p:sp>
     </p:spTree>
     <p:extLst>
       <p:ext uri="{BB962C8B-B14F-4D97-AF65-F5344CB8AC3E}">
-        <p14:creationId xmlns:p14="http://schemas.microsoft.com/office/powerpoint/2010/main" val="1869609578"/>
+        <p14:creationId xmlns:p14="http://schemas.microsoft.com/office/powerpoint/2010/main" val="101723275"/>
       </p:ext>
     </p:extLst>
   </p:cSld>
@@ -25281,7 +25012,11 @@
           <a:p>
             <a:r>
               <a:rPr lang="ru-RU" smtClean="0"/>
-              <a:t>Теги как шаблонные типы</a:t>
+              <a:t>Основная идея: </a:t>
+            </a:r>
+            <a:r>
+              <a:rPr lang="en-US" smtClean="0"/>
+              <a:t>TupleIMPL</a:t>
             </a:r>
             <a:endParaRPr lang="en-US"/>
           </a:p>
@@ -25299,93 +25034,275 @@
         </p:nvSpPr>
         <p:spPr/>
         <p:txBody>
-          <a:bodyPr/>
+          <a:bodyPr>
+            <a:normAutofit/>
+          </a:bodyPr>
           <a:lstStyle/>
           <a:p>
             <a:pPr marL="0" indent="0">
               <a:buNone/>
             </a:pPr>
             <a:r>
-              <a:rPr lang="en-US">
-                <a:latin typeface="Consolas" panose="020B0609020204030204" pitchFamily="49" charset="0"/>
-              </a:rPr>
-              <a:t>template&lt;typename T</a:t>
-            </a:r>
-            <a:r>
-              <a:rPr lang="en-US" smtClean="0">
-                <a:latin typeface="Consolas" panose="020B0609020204030204" pitchFamily="49" charset="0"/>
-              </a:rPr>
-              <a:t>&gt; struct </a:t>
-            </a:r>
-            <a:r>
-              <a:rPr lang="en-US">
-                <a:latin typeface="Consolas" panose="020B0609020204030204" pitchFamily="49" charset="0"/>
-              </a:rPr>
-              <a:t>tag {</a:t>
+              <a:rPr lang="en-US" sz="2000">
+                <a:latin typeface="Consolas" panose="020B0609020204030204" pitchFamily="49" charset="0"/>
+              </a:rPr>
+              <a:t>template &lt;int N, typename Head, typename</a:t>
+            </a:r>
+            <a:r>
+              <a:rPr lang="en-US" sz="2000">
+                <a:latin typeface="Consolas" panose="020B0609020204030204" pitchFamily="49" charset="0"/>
+              </a:rPr>
+              <a:t>... </a:t>
+            </a:r>
+            <a:r>
+              <a:rPr lang="en-US" sz="2000" smtClean="0">
+                <a:latin typeface="Consolas" panose="020B0609020204030204" pitchFamily="49" charset="0"/>
+              </a:rPr>
+              <a:t>Tail&gt;</a:t>
             </a:r>
             <a:br>
-              <a:rPr lang="en-US">
+              <a:rPr lang="en-US" sz="2000" smtClean="0">
                 <a:latin typeface="Consolas" panose="020B0609020204030204" pitchFamily="49" charset="0"/>
               </a:rPr>
             </a:br>
             <a:r>
-              <a:rPr lang="en-US">
-                <a:latin typeface="Consolas" panose="020B0609020204030204" pitchFamily="49" charset="0"/>
-              </a:rPr>
-              <a:t>  typedef T value_type;</a:t>
+              <a:rPr lang="en-US" sz="2000" smtClean="0">
+                <a:latin typeface="Consolas" panose="020B0609020204030204" pitchFamily="49" charset="0"/>
+              </a:rPr>
+              <a:t>class </a:t>
+            </a:r>
+            <a:r>
+              <a:rPr lang="en-US" sz="2000">
+                <a:latin typeface="Consolas" panose="020B0609020204030204" pitchFamily="49" charset="0"/>
+              </a:rPr>
+              <a:t>TupleImpl&lt;N, Head, </a:t>
+            </a:r>
+            <a:r>
+              <a:rPr lang="en-US" sz="2000">
+                <a:latin typeface="Consolas" panose="020B0609020204030204" pitchFamily="49" charset="0"/>
+              </a:rPr>
+              <a:t>Tail</a:t>
+            </a:r>
+            <a:r>
+              <a:rPr lang="en-US" sz="2000" smtClean="0">
+                <a:latin typeface="Consolas" panose="020B0609020204030204" pitchFamily="49" charset="0"/>
+              </a:rPr>
+              <a:t>...&gt; {</a:t>
             </a:r>
             <a:br>
-              <a:rPr lang="en-US">
+              <a:rPr lang="en-US" sz="2000" smtClean="0">
                 <a:latin typeface="Consolas" panose="020B0609020204030204" pitchFamily="49" charset="0"/>
               </a:rPr>
             </a:br>
             <a:r>
-              <a:rPr lang="en-US" smtClean="0">
-                <a:latin typeface="Consolas" panose="020B0609020204030204" pitchFamily="49" charset="0"/>
-              </a:rPr>
-              <a:t>};</a:t>
-            </a:r>
+              <a:rPr lang="en-US" sz="2000" smtClean="0">
+                <a:latin typeface="Consolas" panose="020B0609020204030204" pitchFamily="49" charset="0"/>
+              </a:rPr>
+              <a:t>protected:</a:t>
+            </a:r>
+            <a:br>
+              <a:rPr lang="en-US" sz="2000" smtClean="0">
+                <a:latin typeface="Consolas" panose="020B0609020204030204" pitchFamily="49" charset="0"/>
+              </a:rPr>
+            </a:br>
+            <a:r>
+              <a:rPr lang="en-US" sz="2000" smtClean="0">
+                <a:latin typeface="Consolas" panose="020B0609020204030204" pitchFamily="49" charset="0"/>
+              </a:rPr>
+              <a:t>    </a:t>
+            </a:r>
+            <a:r>
+              <a:rPr lang="en-US" sz="2000">
+                <a:latin typeface="Consolas" panose="020B0609020204030204" pitchFamily="49" charset="0"/>
+              </a:rPr>
+              <a:t>Head </a:t>
+            </a:r>
+            <a:r>
+              <a:rPr lang="en-US" sz="2000">
+                <a:latin typeface="Consolas" panose="020B0609020204030204" pitchFamily="49" charset="0"/>
+              </a:rPr>
+              <a:t>head</a:t>
+            </a:r>
+            <a:r>
+              <a:rPr lang="en-US" sz="2000" smtClean="0">
+                <a:latin typeface="Consolas" panose="020B0609020204030204" pitchFamily="49" charset="0"/>
+              </a:rPr>
+              <a:t>;</a:t>
+            </a:r>
+            <a:br>
+              <a:rPr lang="en-US" sz="2000" smtClean="0">
+                <a:latin typeface="Consolas" panose="020B0609020204030204" pitchFamily="49" charset="0"/>
+              </a:rPr>
+            </a:br>
+            <a:r>
+              <a:rPr lang="en-US" sz="2000" smtClean="0">
+                <a:latin typeface="Consolas" panose="020B0609020204030204" pitchFamily="49" charset="0"/>
+              </a:rPr>
+              <a:t>    </a:t>
+            </a:r>
+            <a:r>
+              <a:rPr lang="en-US" sz="2000">
+                <a:latin typeface="Consolas" panose="020B0609020204030204" pitchFamily="49" charset="0"/>
+              </a:rPr>
+              <a:t>TupleImpl&lt;N-1, Tail...&gt; </a:t>
+            </a:r>
+            <a:r>
+              <a:rPr lang="en-US" sz="2000">
+                <a:latin typeface="Consolas" panose="020B0609020204030204" pitchFamily="49" charset="0"/>
+              </a:rPr>
+              <a:t>tail</a:t>
+            </a:r>
+            <a:r>
+              <a:rPr lang="en-US" sz="2000" smtClean="0">
+                <a:latin typeface="Consolas" panose="020B0609020204030204" pitchFamily="49" charset="0"/>
+              </a:rPr>
+              <a:t>;</a:t>
+            </a:r>
+            <a:br>
+              <a:rPr lang="en-US" sz="2000" smtClean="0">
+                <a:latin typeface="Consolas" panose="020B0609020204030204" pitchFamily="49" charset="0"/>
+              </a:rPr>
+            </a:br>
+            <a:r>
+              <a:rPr lang="en-US" sz="2000" smtClean="0">
+                <a:latin typeface="Consolas" panose="020B0609020204030204" pitchFamily="49" charset="0"/>
+              </a:rPr>
+              <a:t>// .... </a:t>
+            </a:r>
+            <a:r>
+              <a:rPr lang="ru-RU" sz="2000" smtClean="0">
+                <a:latin typeface="Consolas" panose="020B0609020204030204" pitchFamily="49" charset="0"/>
+              </a:rPr>
+              <a:t>и так далее</a:t>
+            </a:r>
+            <a:endParaRPr lang="en-US" sz="2000">
+              <a:latin typeface="Consolas" panose="020B0609020204030204" pitchFamily="49" charset="0"/>
+            </a:endParaRPr>
           </a:p>
           <a:p>
             <a:pPr marL="0" indent="0">
               <a:buNone/>
             </a:pPr>
             <a:r>
-              <a:rPr lang="en-US" smtClean="0">
-                <a:latin typeface="Consolas" panose="020B0609020204030204" pitchFamily="49" charset="0"/>
-              </a:rPr>
-              <a:t>static struct: </a:t>
-            </a:r>
-            <a:r>
-              <a:rPr lang="en-US">
-                <a:latin typeface="Consolas" panose="020B0609020204030204" pitchFamily="49" charset="0"/>
-              </a:rPr>
-              <a:t>tag&lt;int&gt;{} age</a:t>
-            </a:r>
-            <a:r>
-              <a:rPr lang="en-US" smtClean="0">
-                <a:latin typeface="Consolas" panose="020B0609020204030204" pitchFamily="49" charset="0"/>
-              </a:rPr>
-              <a:t>;</a:t>
-            </a:r>
-          </a:p>
-          <a:p>
-            <a:pPr marL="0" indent="0">
-              <a:buNone/>
-            </a:pPr>
-            <a:r>
-              <a:rPr lang="en-US">
-                <a:latin typeface="Consolas" panose="020B0609020204030204" pitchFamily="49" charset="0"/>
-              </a:rPr>
-              <a:t>static struct: tag&lt;std::string&gt;{} last_name;</a:t>
-            </a:r>
+              <a:rPr lang="en-US" sz="2000">
+                <a:solidFill>
+                  <a:srgbClr val="FFFF00"/>
+                </a:solidFill>
+                <a:latin typeface="Consolas" panose="020B0609020204030204" pitchFamily="49" charset="0"/>
+              </a:rPr>
+              <a:t>template &lt;typename</a:t>
+            </a:r>
+            <a:r>
+              <a:rPr lang="en-US" sz="2000">
+                <a:solidFill>
+                  <a:srgbClr val="FFFF00"/>
+                </a:solidFill>
+                <a:latin typeface="Consolas" panose="020B0609020204030204" pitchFamily="49" charset="0"/>
+              </a:rPr>
+              <a:t>... </a:t>
+            </a:r>
+            <a:r>
+              <a:rPr lang="en-US" sz="2000" smtClean="0">
+                <a:solidFill>
+                  <a:srgbClr val="FFFF00"/>
+                </a:solidFill>
+                <a:latin typeface="Consolas" panose="020B0609020204030204" pitchFamily="49" charset="0"/>
+              </a:rPr>
+              <a:t>Elements&gt;</a:t>
+            </a:r>
+            <a:r>
+              <a:rPr lang="ru-RU" sz="2000" smtClean="0">
+                <a:solidFill>
+                  <a:srgbClr val="FFFF00"/>
+                </a:solidFill>
+                <a:latin typeface="Consolas" panose="020B0609020204030204" pitchFamily="49" charset="0"/>
+              </a:rPr>
+              <a:t/>
+            </a:r>
+            <a:br>
+              <a:rPr lang="ru-RU" sz="2000" smtClean="0">
+                <a:solidFill>
+                  <a:srgbClr val="FFFF00"/>
+                </a:solidFill>
+                <a:latin typeface="Consolas" panose="020B0609020204030204" pitchFamily="49" charset="0"/>
+              </a:rPr>
+            </a:br>
+            <a:r>
+              <a:rPr lang="en-US" sz="2000" smtClean="0">
+                <a:solidFill>
+                  <a:srgbClr val="FFFF00"/>
+                </a:solidFill>
+                <a:latin typeface="Consolas" panose="020B0609020204030204" pitchFamily="49" charset="0"/>
+              </a:rPr>
+              <a:t>class </a:t>
+            </a:r>
+            <a:r>
+              <a:rPr lang="en-US" sz="2000">
+                <a:solidFill>
+                  <a:srgbClr val="FFFF00"/>
+                </a:solidFill>
+                <a:latin typeface="Consolas" panose="020B0609020204030204" pitchFamily="49" charset="0"/>
+              </a:rPr>
+              <a:t>Tuple </a:t>
+            </a:r>
+            <a:r>
+              <a:rPr lang="en-US" sz="2000">
+                <a:solidFill>
+                  <a:srgbClr val="FFFF00"/>
+                </a:solidFill>
+                <a:latin typeface="Consolas" panose="020B0609020204030204" pitchFamily="49" charset="0"/>
+              </a:rPr>
+              <a:t>: </a:t>
+            </a:r>
+            <a:r>
+              <a:rPr lang="en-US" sz="2000" smtClean="0">
+                <a:solidFill>
+                  <a:srgbClr val="FFFF00"/>
+                </a:solidFill>
+                <a:latin typeface="Consolas" panose="020B0609020204030204" pitchFamily="49" charset="0"/>
+              </a:rPr>
+              <a:t>public </a:t>
+            </a:r>
+            <a:r>
+              <a:rPr lang="en-US" sz="2000">
+                <a:solidFill>
+                  <a:srgbClr val="FFFF00"/>
+                </a:solidFill>
+                <a:latin typeface="Consolas" panose="020B0609020204030204" pitchFamily="49" charset="0"/>
+              </a:rPr>
+              <a:t>TupleImpl&lt;sizeof...(Elements)-1, </a:t>
+            </a:r>
+            <a:r>
+              <a:rPr lang="en-US" sz="2000">
+                <a:solidFill>
+                  <a:srgbClr val="FFFF00"/>
+                </a:solidFill>
+                <a:latin typeface="Consolas" panose="020B0609020204030204" pitchFamily="49" charset="0"/>
+              </a:rPr>
+              <a:t>Elements</a:t>
+            </a:r>
+            <a:r>
+              <a:rPr lang="en-US" sz="2000" smtClean="0">
+                <a:solidFill>
+                  <a:srgbClr val="FFFF00"/>
+                </a:solidFill>
+                <a:latin typeface="Consolas" panose="020B0609020204030204" pitchFamily="49" charset="0"/>
+              </a:rPr>
+              <a:t>...&gt;</a:t>
+            </a:r>
+            <a:endParaRPr lang="en-US" sz="2000">
+              <a:solidFill>
+                <a:srgbClr val="FFFF00"/>
+              </a:solidFill>
+              <a:latin typeface="Consolas" panose="020B0609020204030204" pitchFamily="49" charset="0"/>
+            </a:endParaRPr>
           </a:p>
         </p:txBody>
       </p:sp>
     </p:spTree>
     <p:extLst>
       <p:ext uri="{BB962C8B-B14F-4D97-AF65-F5344CB8AC3E}">
-        <p14:creationId xmlns:p14="http://schemas.microsoft.com/office/powerpoint/2010/main" val="2621337150"/>
+        <p14:creationId xmlns:p14="http://schemas.microsoft.com/office/powerpoint/2010/main" val="1216701698"/>
       </p:ext>
     </p:extLst>
   </p:cSld>
@@ -25429,7 +25346,7 @@
           <a:p>
             <a:r>
               <a:rPr lang="ru-RU" smtClean="0"/>
-              <a:t>структура поля и контейнер полей</a:t>
+              <a:t>дополнительные идеи</a:t>
             </a:r>
             <a:endParaRPr lang="en-US"/>
           </a:p>
@@ -25447,365 +25364,56 @@
         </p:nvSpPr>
         <p:spPr/>
         <p:txBody>
-          <a:bodyPr>
-            <a:normAutofit/>
-          </a:bodyPr>
+          <a:bodyPr/>
           <a:lstStyle/>
           <a:p>
-            <a:pPr marL="0" indent="0">
-              <a:buNone/>
-            </a:pPr>
-            <a:r>
-              <a:rPr lang="en-US" sz="2000">
-                <a:latin typeface="Consolas" panose="020B0609020204030204" pitchFamily="49" charset="0"/>
-              </a:rPr>
-              <a:t>template &lt;typename T</a:t>
-            </a:r>
-            <a:r>
-              <a:rPr lang="en-US" sz="2000" smtClean="0">
-                <a:latin typeface="Consolas" panose="020B0609020204030204" pitchFamily="49" charset="0"/>
-              </a:rPr>
-              <a:t>&gt;</a:t>
-            </a:r>
-            <a:r>
-              <a:rPr lang="ru-RU" sz="2000" smtClean="0">
-                <a:latin typeface="Consolas" panose="020B0609020204030204" pitchFamily="49" charset="0"/>
-              </a:rPr>
-              <a:t> </a:t>
-            </a:r>
-            <a:r>
-              <a:rPr lang="en-US" sz="2000" smtClean="0">
-                <a:latin typeface="Consolas" panose="020B0609020204030204" pitchFamily="49" charset="0"/>
-              </a:rPr>
-              <a:t>struct </a:t>
-            </a:r>
-            <a:r>
-              <a:rPr lang="en-US" sz="2000">
-                <a:latin typeface="Consolas" panose="020B0609020204030204" pitchFamily="49" charset="0"/>
-              </a:rPr>
-              <a:t>Field </a:t>
-            </a:r>
-            <a:r>
-              <a:rPr lang="en-US" sz="2000" smtClean="0">
-                <a:latin typeface="Consolas" panose="020B0609020204030204" pitchFamily="49" charset="0"/>
-              </a:rPr>
-              <a:t>{</a:t>
-            </a:r>
-            <a:r>
-              <a:rPr lang="ru-RU" sz="2000" smtClean="0">
-                <a:latin typeface="Consolas" panose="020B0609020204030204" pitchFamily="49" charset="0"/>
-              </a:rPr>
-              <a:t/>
-            </a:r>
-            <a:br>
-              <a:rPr lang="ru-RU" sz="2000" smtClean="0">
-                <a:latin typeface="Consolas" panose="020B0609020204030204" pitchFamily="49" charset="0"/>
-              </a:rPr>
-            </a:br>
-            <a:r>
-              <a:rPr lang="ru-RU" sz="2000" smtClean="0">
-                <a:latin typeface="Consolas" panose="020B0609020204030204" pitchFamily="49" charset="0"/>
-              </a:rPr>
-              <a:t>  </a:t>
-            </a:r>
-            <a:r>
-              <a:rPr lang="en-US" sz="2000" smtClean="0">
-                <a:latin typeface="Consolas" panose="020B0609020204030204" pitchFamily="49" charset="0"/>
-              </a:rPr>
-              <a:t>typename </a:t>
-            </a:r>
-            <a:r>
-              <a:rPr lang="en-US" sz="2000">
-                <a:latin typeface="Consolas" panose="020B0609020204030204" pitchFamily="49" charset="0"/>
-              </a:rPr>
-              <a:t>T::value_type </a:t>
-            </a:r>
-            <a:r>
-              <a:rPr lang="en-US" sz="2000" smtClean="0">
-                <a:latin typeface="Consolas" panose="020B0609020204030204" pitchFamily="49" charset="0"/>
-              </a:rPr>
-              <a:t>storage;</a:t>
-            </a:r>
-            <a:r>
-              <a:rPr lang="ru-RU" sz="2000" smtClean="0">
-                <a:latin typeface="Consolas" panose="020B0609020204030204" pitchFamily="49" charset="0"/>
-              </a:rPr>
-              <a:t/>
-            </a:r>
-            <a:br>
-              <a:rPr lang="ru-RU" sz="2000" smtClean="0">
-                <a:latin typeface="Consolas" panose="020B0609020204030204" pitchFamily="49" charset="0"/>
-              </a:rPr>
-            </a:br>
-            <a:r>
-              <a:rPr lang="ru-RU" sz="2000" smtClean="0">
-                <a:latin typeface="Consolas" panose="020B0609020204030204" pitchFamily="49" charset="0"/>
-              </a:rPr>
-              <a:t>  </a:t>
-            </a:r>
-            <a:r>
-              <a:rPr lang="en-US" sz="2000" smtClean="0">
-                <a:latin typeface="Consolas" panose="020B0609020204030204" pitchFamily="49" charset="0"/>
-              </a:rPr>
-              <a:t>auto&amp;</a:t>
-            </a:r>
-            <a:r>
-              <a:rPr lang="ru-RU" sz="2000" smtClean="0">
-                <a:latin typeface="Consolas" panose="020B0609020204030204" pitchFamily="49" charset="0"/>
-              </a:rPr>
-              <a:t> </a:t>
-            </a:r>
-            <a:r>
-              <a:rPr lang="en-US" sz="2000" smtClean="0">
-                <a:latin typeface="Consolas" panose="020B0609020204030204" pitchFamily="49" charset="0"/>
-              </a:rPr>
-              <a:t>operator</a:t>
-            </a:r>
-            <a:r>
-              <a:rPr lang="en-US" sz="2000">
-                <a:latin typeface="Consolas" panose="020B0609020204030204" pitchFamily="49" charset="0"/>
-              </a:rPr>
-              <a:t>^(const </a:t>
-            </a:r>
-            <a:r>
-              <a:rPr lang="en-US" sz="2000" smtClean="0">
-                <a:latin typeface="Consolas" panose="020B0609020204030204" pitchFamily="49" charset="0"/>
-              </a:rPr>
-              <a:t>T&amp;) { return </a:t>
-            </a:r>
-            <a:r>
-              <a:rPr lang="en-US" sz="2000">
-                <a:latin typeface="Consolas" panose="020B0609020204030204" pitchFamily="49" charset="0"/>
-              </a:rPr>
-              <a:t>storage</a:t>
-            </a:r>
-            <a:r>
-              <a:rPr lang="en-US" sz="2000" smtClean="0">
-                <a:latin typeface="Consolas" panose="020B0609020204030204" pitchFamily="49" charset="0"/>
-              </a:rPr>
-              <a:t>;</a:t>
-            </a:r>
-            <a:r>
-              <a:rPr lang="ru-RU" sz="2000" smtClean="0">
-                <a:latin typeface="Consolas" panose="020B0609020204030204" pitchFamily="49" charset="0"/>
-              </a:rPr>
-              <a:t> </a:t>
-            </a:r>
-            <a:r>
-              <a:rPr lang="en-US" sz="2000" smtClean="0">
-                <a:latin typeface="Consolas" panose="020B0609020204030204" pitchFamily="49" charset="0"/>
-              </a:rPr>
-              <a:t>}</a:t>
-            </a:r>
-            <a:r>
-              <a:rPr lang="ru-RU" sz="2000" smtClean="0">
-                <a:latin typeface="Consolas" panose="020B0609020204030204" pitchFamily="49" charset="0"/>
-              </a:rPr>
-              <a:t> </a:t>
-            </a:r>
-            <a:r>
-              <a:rPr lang="en-US" sz="2000" smtClean="0">
-                <a:latin typeface="Consolas" panose="020B0609020204030204" pitchFamily="49" charset="0"/>
-              </a:rPr>
-              <a:t>// C++14</a:t>
-            </a:r>
-            <a:r>
-              <a:rPr lang="ru-RU" sz="2000" smtClean="0">
-                <a:latin typeface="Consolas" panose="020B0609020204030204" pitchFamily="49" charset="0"/>
-              </a:rPr>
-              <a:t/>
-            </a:r>
-            <a:br>
-              <a:rPr lang="ru-RU" sz="2000" smtClean="0">
-                <a:latin typeface="Consolas" panose="020B0609020204030204" pitchFamily="49" charset="0"/>
-              </a:rPr>
-            </a:br>
-            <a:r>
-              <a:rPr lang="en-US" sz="2000" smtClean="0">
-                <a:latin typeface="Consolas" panose="020B0609020204030204" pitchFamily="49" charset="0"/>
-              </a:rPr>
-              <a:t>};</a:t>
-            </a:r>
-            <a:endParaRPr lang="en-US" sz="2000">
-              <a:latin typeface="Consolas" panose="020B0609020204030204" pitchFamily="49" charset="0"/>
-            </a:endParaRPr>
-          </a:p>
-          <a:p>
-            <a:pPr marL="0" indent="0">
-              <a:buNone/>
-            </a:pPr>
-            <a:r>
-              <a:rPr lang="en-US" sz="2000" smtClean="0">
-                <a:latin typeface="Consolas" panose="020B0609020204030204" pitchFamily="49" charset="0"/>
-              </a:rPr>
-              <a:t>template&lt;typename</a:t>
-            </a:r>
-            <a:r>
-              <a:rPr lang="en-US" sz="2000">
-                <a:latin typeface="Consolas" panose="020B0609020204030204" pitchFamily="49" charset="0"/>
-              </a:rPr>
-              <a:t>... Fields</a:t>
-            </a:r>
-            <a:r>
-              <a:rPr lang="en-US" sz="2000" smtClean="0">
-                <a:latin typeface="Consolas" panose="020B0609020204030204" pitchFamily="49" charset="0"/>
-              </a:rPr>
-              <a:t>&gt;</a:t>
-            </a:r>
-            <a:br>
-              <a:rPr lang="en-US" sz="2000" smtClean="0">
-                <a:latin typeface="Consolas" panose="020B0609020204030204" pitchFamily="49" charset="0"/>
-              </a:rPr>
-            </a:br>
-            <a:r>
-              <a:rPr lang="en-US" sz="2000" smtClean="0">
-                <a:latin typeface="Consolas" panose="020B0609020204030204" pitchFamily="49" charset="0"/>
-              </a:rPr>
-              <a:t>struct </a:t>
-            </a:r>
-            <a:r>
-              <a:rPr lang="en-US" sz="2000">
-                <a:latin typeface="Consolas" panose="020B0609020204030204" pitchFamily="49" charset="0"/>
-              </a:rPr>
-              <a:t>ctmap_t: </a:t>
-            </a:r>
-            <a:r>
-              <a:rPr lang="en-US" sz="2000" smtClean="0">
-                <a:latin typeface="Consolas" panose="020B0609020204030204" pitchFamily="49" charset="0"/>
-              </a:rPr>
-              <a:t>public </a:t>
-            </a:r>
-            <a:r>
-              <a:rPr lang="en-US" sz="2000">
-                <a:solidFill>
-                  <a:schemeClr val="accent3">
-                    <a:lumMod val="40000"/>
-                    <a:lumOff val="60000"/>
-                  </a:schemeClr>
-                </a:solidFill>
-                <a:latin typeface="Consolas" panose="020B0609020204030204" pitchFamily="49" charset="0"/>
-              </a:rPr>
-              <a:t>Field&lt;typename </a:t>
-            </a:r>
-            <a:r>
-              <a:rPr lang="en-US" sz="2000" smtClean="0">
-                <a:solidFill>
-                  <a:schemeClr val="accent3">
-                    <a:lumMod val="40000"/>
-                    <a:lumOff val="60000"/>
-                  </a:schemeClr>
-                </a:solidFill>
-                <a:latin typeface="Consolas" panose="020B0609020204030204" pitchFamily="49" charset="0"/>
-              </a:rPr>
-              <a:t>decay&lt;Fields</a:t>
-            </a:r>
-            <a:r>
-              <a:rPr lang="en-US" sz="2000">
-                <a:solidFill>
-                  <a:schemeClr val="accent3">
-                    <a:lumMod val="40000"/>
-                    <a:lumOff val="60000"/>
-                  </a:schemeClr>
-                </a:solidFill>
-                <a:latin typeface="Consolas" panose="020B0609020204030204" pitchFamily="49" charset="0"/>
-              </a:rPr>
-              <a:t>&gt;::type&gt;...</a:t>
-            </a:r>
-            <a:r>
-              <a:rPr lang="en-US" sz="2000">
-                <a:latin typeface="Consolas" panose="020B0609020204030204" pitchFamily="49" charset="0"/>
-              </a:rPr>
-              <a:t> </a:t>
-            </a:r>
-            <a:r>
-              <a:rPr lang="en-US" sz="2000" smtClean="0">
-                <a:latin typeface="Consolas" panose="020B0609020204030204" pitchFamily="49" charset="0"/>
-              </a:rPr>
-              <a:t>{};</a:t>
-            </a:r>
-            <a:endParaRPr lang="en-US" sz="2000">
-              <a:latin typeface="Consolas" panose="020B0609020204030204" pitchFamily="49" charset="0"/>
-            </a:endParaRPr>
-          </a:p>
-          <a:p>
-            <a:pPr marL="0" indent="0">
-              <a:buNone/>
-            </a:pPr>
-            <a:r>
-              <a:rPr lang="en-US" sz="2000">
-                <a:latin typeface="Consolas" panose="020B0609020204030204" pitchFamily="49" charset="0"/>
-              </a:rPr>
-              <a:t>template&lt;class...Fields</a:t>
-            </a:r>
-            <a:r>
-              <a:rPr lang="en-US" sz="2000" smtClean="0">
-                <a:latin typeface="Consolas" panose="020B0609020204030204" pitchFamily="49" charset="0"/>
-              </a:rPr>
-              <a:t>&gt; </a:t>
-            </a:r>
-            <a:br>
-              <a:rPr lang="en-US" sz="2000" smtClean="0">
-                <a:latin typeface="Consolas" panose="020B0609020204030204" pitchFamily="49" charset="0"/>
-              </a:rPr>
-            </a:br>
-            <a:r>
-              <a:rPr lang="en-US" sz="2000" smtClean="0">
-                <a:latin typeface="Consolas" panose="020B0609020204030204" pitchFamily="49" charset="0"/>
-              </a:rPr>
-              <a:t>ctmap_t&lt;Fields</a:t>
-            </a:r>
-            <a:r>
-              <a:rPr lang="en-US" sz="2000">
-                <a:latin typeface="Consolas" panose="020B0609020204030204" pitchFamily="49" charset="0"/>
-              </a:rPr>
-              <a:t>...&gt; </a:t>
-            </a:r>
-            <a:r>
-              <a:rPr lang="en-US" sz="2000" smtClean="0">
-                <a:latin typeface="Consolas" panose="020B0609020204030204" pitchFamily="49" charset="0"/>
-              </a:rPr>
-              <a:t>ctmap(</a:t>
-            </a:r>
-            <a:r>
-              <a:rPr lang="en-US" sz="2000" smtClean="0">
-                <a:solidFill>
-                  <a:schemeClr val="accent3">
-                    <a:lumMod val="40000"/>
-                    <a:lumOff val="60000"/>
-                  </a:schemeClr>
-                </a:solidFill>
-                <a:latin typeface="Consolas" panose="020B0609020204030204" pitchFamily="49" charset="0"/>
-              </a:rPr>
-              <a:t>Fields&amp;&amp;...</a:t>
-            </a:r>
-            <a:r>
-              <a:rPr lang="en-US" sz="2000" smtClean="0">
-                <a:latin typeface="Consolas" panose="020B0609020204030204" pitchFamily="49" charset="0"/>
-              </a:rPr>
-              <a:t>) </a:t>
-            </a:r>
-            <a:r>
-              <a:rPr lang="en-US" sz="2000">
-                <a:latin typeface="Consolas" panose="020B0609020204030204" pitchFamily="49" charset="0"/>
-              </a:rPr>
-              <a:t>{ return {}; </a:t>
-            </a:r>
-            <a:r>
-              <a:rPr lang="en-US" sz="2000" smtClean="0">
-                <a:latin typeface="Consolas" panose="020B0609020204030204" pitchFamily="49" charset="0"/>
-              </a:rPr>
-              <a:t>}</a:t>
-            </a:r>
-            <a:endParaRPr lang="ru-RU" sz="2000" smtClean="0">
-              <a:latin typeface="Consolas" panose="020B0609020204030204" pitchFamily="49" charset="0"/>
-            </a:endParaRPr>
+            <a:r>
+              <a:rPr lang="ru-RU" smtClean="0"/>
+              <a:t>Завершить рекурсию</a:t>
+            </a:r>
+          </a:p>
+          <a:p>
+            <a:r>
+              <a:rPr lang="ru-RU" smtClean="0"/>
+              <a:t>Написать какой-то код для функции </a:t>
+            </a:r>
+            <a:r>
+              <a:rPr lang="en-US" smtClean="0"/>
+              <a:t>get</a:t>
+            </a:r>
+            <a:endParaRPr lang="ru-RU" smtClean="0"/>
+          </a:p>
+          <a:p>
+            <a:r>
+              <a:rPr lang="ru-RU"/>
+              <a:t>Заменить композицию </a:t>
+            </a:r>
+            <a:r>
+              <a:rPr lang="ru-RU"/>
+              <a:t>закрытым </a:t>
+            </a:r>
+            <a:r>
+              <a:rPr lang="ru-RU" smtClean="0"/>
+              <a:t>множественным наследованием</a:t>
+            </a:r>
+          </a:p>
+          <a:p>
+            <a:r>
+              <a:rPr lang="ru-RU" smtClean="0"/>
+              <a:t>Главная идея: чтобы в итоге всё было не менее эффективно, чем </a:t>
+            </a:r>
+            <a:r>
+              <a:rPr lang="en-US" smtClean="0"/>
+              <a:t>struct { T1 base; struct { T2 base } tail; };</a:t>
+            </a:r>
+            <a:endParaRPr lang="ru-RU" smtClean="0"/>
           </a:p>
         </p:txBody>
       </p:sp>
     </p:spTree>
     <p:extLst>
       <p:ext uri="{BB962C8B-B14F-4D97-AF65-F5344CB8AC3E}">
-        <p14:creationId xmlns:p14="http://schemas.microsoft.com/office/powerpoint/2010/main" val="3008664535"/>
+        <p14:creationId xmlns:p14="http://schemas.microsoft.com/office/powerpoint/2010/main" val="619329747"/>
       </p:ext>
     </p:extLst>
   </p:cSld>
@@ -25849,7 +25457,197 @@
           <a:p>
             <a:r>
               <a:rPr lang="ru-RU" smtClean="0"/>
-              <a:t>обсуждение</a:t>
+              <a:t>Отображения времени компиляции</a:t>
+            </a:r>
+            <a:endParaRPr lang="en-US"/>
+          </a:p>
+        </p:txBody>
+      </p:sp>
+      <p:sp>
+        <p:nvSpPr>
+          <p:cNvPr id="3" name="Content Placeholder 2"/>
+          <p:cNvSpPr>
+            <a:spLocks noGrp="1"/>
+          </p:cNvSpPr>
+          <p:nvPr>
+            <p:ph idx="1"/>
+          </p:nvPr>
+        </p:nvSpPr>
+        <p:spPr>
+          <a:xfrm>
+            <a:off x="1141412" y="2249486"/>
+            <a:ext cx="9905999" cy="4044221"/>
+          </a:xfrm>
+        </p:spPr>
+        <p:txBody>
+          <a:bodyPr/>
+          <a:lstStyle/>
+          <a:p>
+            <a:r>
+              <a:rPr lang="ru-RU" smtClean="0"/>
+              <a:t>Идея для </a:t>
+            </a:r>
+            <a:r>
+              <a:rPr lang="en-US" smtClean="0"/>
+              <a:t>compile-time map:</a:t>
+            </a:r>
+          </a:p>
+          <a:p>
+            <a:pPr marL="0" indent="0">
+              <a:buNone/>
+            </a:pPr>
+            <a:r>
+              <a:rPr lang="en-US" smtClean="0">
+                <a:latin typeface="Consolas" panose="020B0609020204030204" pitchFamily="49" charset="0"/>
+              </a:rPr>
+              <a:t>auto </a:t>
+            </a:r>
+            <a:r>
+              <a:rPr lang="en-US">
+                <a:latin typeface="Consolas" panose="020B0609020204030204" pitchFamily="49" charset="0"/>
+              </a:rPr>
+              <a:t>person = ctmap (age, last_name</a:t>
+            </a:r>
+            <a:r>
+              <a:rPr lang="en-US" smtClean="0">
+                <a:latin typeface="Consolas" panose="020B0609020204030204" pitchFamily="49" charset="0"/>
+              </a:rPr>
+              <a:t>);</a:t>
+            </a:r>
+          </a:p>
+          <a:p>
+            <a:pPr marL="0" indent="0">
+              <a:buNone/>
+            </a:pPr>
+            <a:r>
+              <a:rPr lang="en-US" smtClean="0">
+                <a:latin typeface="Consolas" panose="020B0609020204030204" pitchFamily="49" charset="0"/>
+              </a:rPr>
+              <a:t>person^last_name </a:t>
+            </a:r>
+            <a:r>
+              <a:rPr lang="en-US">
+                <a:latin typeface="Consolas" panose="020B0609020204030204" pitchFamily="49" charset="0"/>
+              </a:rPr>
+              <a:t>= "Smith</a:t>
+            </a:r>
+            <a:r>
+              <a:rPr lang="en-US" smtClean="0">
+                <a:latin typeface="Consolas" panose="020B0609020204030204" pitchFamily="49" charset="0"/>
+              </a:rPr>
+              <a:t>";</a:t>
+            </a:r>
+          </a:p>
+          <a:p>
+            <a:pPr marL="0" indent="0">
+              <a:buNone/>
+            </a:pPr>
+            <a:r>
+              <a:rPr lang="en-US" smtClean="0">
+                <a:latin typeface="Consolas" panose="020B0609020204030204" pitchFamily="49" charset="0"/>
+              </a:rPr>
+              <a:t>person^age </a:t>
+            </a:r>
+            <a:r>
+              <a:rPr lang="en-US">
+                <a:latin typeface="Consolas" panose="020B0609020204030204" pitchFamily="49" charset="0"/>
+              </a:rPr>
+              <a:t>= 50</a:t>
+            </a:r>
+            <a:r>
+              <a:rPr lang="en-US" smtClean="0">
+                <a:latin typeface="Consolas" panose="020B0609020204030204" pitchFamily="49" charset="0"/>
+              </a:rPr>
+              <a:t>;</a:t>
+            </a:r>
+          </a:p>
+          <a:p>
+            <a:r>
+              <a:rPr lang="ru-RU" smtClean="0"/>
+              <a:t>Для проектирования необходимо решить:</a:t>
+            </a:r>
+          </a:p>
+          <a:p>
+            <a:pPr lvl="1"/>
+            <a:r>
+              <a:rPr lang="ru-RU" sz="2400" smtClean="0"/>
+              <a:t>Что такое </a:t>
+            </a:r>
+            <a:r>
+              <a:rPr lang="en-US" sz="2400" smtClean="0"/>
+              <a:t>age </a:t>
+            </a:r>
+            <a:r>
+              <a:rPr lang="ru-RU" sz="2400" smtClean="0"/>
+              <a:t>и </a:t>
+            </a:r>
+            <a:r>
+              <a:rPr lang="en-US" sz="2400" smtClean="0"/>
+              <a:t>last_name</a:t>
+            </a:r>
+          </a:p>
+          <a:p>
+            <a:pPr lvl="1"/>
+            <a:r>
+              <a:rPr lang="ru-RU" sz="2400" smtClean="0"/>
+              <a:t>Как работает оператор </a:t>
+            </a:r>
+            <a:r>
+              <a:rPr lang="en-US" sz="2400" smtClean="0"/>
+              <a:t>^</a:t>
+            </a:r>
+            <a:endParaRPr lang="en-US" sz="2400"/>
+          </a:p>
+        </p:txBody>
+      </p:sp>
+    </p:spTree>
+    <p:extLst>
+      <p:ext uri="{BB962C8B-B14F-4D97-AF65-F5344CB8AC3E}">
+        <p14:creationId xmlns:p14="http://schemas.microsoft.com/office/powerpoint/2010/main" val="1869609578"/>
+      </p:ext>
+    </p:extLst>
+  </p:cSld>
+  <p:clrMapOvr>
+    <a:masterClrMapping/>
+  </p:clrMapOvr>
+</p:sld>
+</file>
+
+<file path=ppt/slides/slide68.xml><?xml version="1.0" encoding="utf-8"?>
+<p:sld xmlns:a="http://schemas.openxmlformats.org/drawingml/2006/main" xmlns:r="http://schemas.openxmlformats.org/officeDocument/2006/relationships" xmlns:p="http://schemas.openxmlformats.org/presentationml/2006/main">
+  <p:cSld>
+    <p:spTree>
+      <p:nvGrpSpPr>
+        <p:cNvPr id="1" name=""/>
+        <p:cNvGrpSpPr/>
+        <p:nvPr/>
+      </p:nvGrpSpPr>
+      <p:grpSpPr>
+        <a:xfrm>
+          <a:off x="0" y="0"/>
+          <a:ext cx="0" cy="0"/>
+          <a:chOff x="0" y="0"/>
+          <a:chExt cx="0" cy="0"/>
+        </a:xfrm>
+      </p:grpSpPr>
+      <p:sp>
+        <p:nvSpPr>
+          <p:cNvPr id="2" name="Title 1"/>
+          <p:cNvSpPr>
+            <a:spLocks noGrp="1"/>
+          </p:cNvSpPr>
+          <p:nvPr>
+            <p:ph type="title"/>
+          </p:nvPr>
+        </p:nvSpPr>
+        <p:spPr/>
+        <p:txBody>
+          <a:bodyPr/>
+          <a:lstStyle/>
+          <a:p>
+            <a:r>
+              <a:rPr lang="ru-RU" smtClean="0"/>
+              <a:t>Теги как шаблонные типы</a:t>
             </a:r>
             <a:endParaRPr lang="en-US"/>
           </a:p>
@@ -25870,106 +25668,510 @@
           <a:bodyPr/>
           <a:lstStyle/>
           <a:p>
-            <a:pPr marL="514350" indent="-514350">
-              <a:buFont typeface="+mj-lt"/>
-              <a:buAutoNum type="arabicParenR"/>
+            <a:pPr marL="0" indent="0">
+              <a:buNone/>
             </a:pPr>
             <a:r>
-              <a:rPr lang="ru-RU" smtClean="0"/>
-              <a:t>Чего не хватает в </a:t>
-            </a:r>
-            <a:r>
-              <a:rPr lang="en-US" smtClean="0"/>
-              <a:t>ctmap?</a:t>
-            </a:r>
-            <a:endParaRPr lang="ru-RU" smtClean="0"/>
-          </a:p>
-          <a:p>
-            <a:pPr marL="514350" indent="-514350">
-              <a:buFont typeface="+mj-lt"/>
-              <a:buAutoNum type="arabicParenR"/>
+              <a:rPr lang="en-US">
+                <a:latin typeface="Consolas" panose="020B0609020204030204" pitchFamily="49" charset="0"/>
+              </a:rPr>
+              <a:t>template&lt;typename T</a:t>
+            </a:r>
+            <a:r>
+              <a:rPr lang="en-US" smtClean="0">
+                <a:latin typeface="Consolas" panose="020B0609020204030204" pitchFamily="49" charset="0"/>
+              </a:rPr>
+              <a:t>&gt; struct </a:t>
+            </a:r>
+            <a:r>
+              <a:rPr lang="en-US">
+                <a:latin typeface="Consolas" panose="020B0609020204030204" pitchFamily="49" charset="0"/>
+              </a:rPr>
+              <a:t>tag {</a:t>
+            </a:r>
+            <a:br>
+              <a:rPr lang="en-US">
+                <a:latin typeface="Consolas" panose="020B0609020204030204" pitchFamily="49" charset="0"/>
+              </a:rPr>
+            </a:br>
+            <a:r>
+              <a:rPr lang="en-US">
+                <a:latin typeface="Consolas" panose="020B0609020204030204" pitchFamily="49" charset="0"/>
+              </a:rPr>
+              <a:t>  typedef T value_type;</a:t>
+            </a:r>
+            <a:br>
+              <a:rPr lang="en-US">
+                <a:latin typeface="Consolas" panose="020B0609020204030204" pitchFamily="49" charset="0"/>
+              </a:rPr>
+            </a:br>
+            <a:r>
+              <a:rPr lang="en-US" smtClean="0">
+                <a:latin typeface="Consolas" panose="020B0609020204030204" pitchFamily="49" charset="0"/>
+              </a:rPr>
+              <a:t>};</a:t>
+            </a:r>
+          </a:p>
+          <a:p>
+            <a:pPr marL="0" indent="0">
+              <a:buNone/>
             </a:pPr>
             <a:r>
-              <a:rPr lang="en-US" smtClean="0"/>
-              <a:t>ctmap </a:t>
-            </a:r>
-            <a:r>
-              <a:rPr lang="ru-RU" smtClean="0"/>
-              <a:t>по сути</a:t>
-            </a:r>
-            <a:r>
-              <a:rPr lang="en-US" smtClean="0"/>
-              <a:t> </a:t>
-            </a:r>
-            <a:r>
-              <a:rPr lang="ru-RU" smtClean="0"/>
-              <a:t>склеивает разнотипные данные и порождает неименованную структуру:</a:t>
-            </a:r>
-            <a:br>
-              <a:rPr lang="ru-RU" smtClean="0"/>
-            </a:br>
+              <a:rPr lang="en-US" smtClean="0">
+                <a:latin typeface="Consolas" panose="020B0609020204030204" pitchFamily="49" charset="0"/>
+              </a:rPr>
+              <a:t>static struct: </a:t>
+            </a:r>
             <a:r>
               <a:rPr lang="en-US">
                 <a:latin typeface="Consolas" panose="020B0609020204030204" pitchFamily="49" charset="0"/>
               </a:rPr>
-              <a:t>auto person = ctmap (age, last_name</a:t>
-            </a:r>
-            <a:r>
-              <a:rPr lang="en-US" smtClean="0">
-                <a:latin typeface="Consolas" panose="020B0609020204030204" pitchFamily="49" charset="0"/>
-              </a:rPr>
-              <a:t>);</a:t>
-            </a:r>
-            <a:r>
-              <a:rPr lang="ru-RU" smtClean="0">
-                <a:latin typeface="Consolas" panose="020B0609020204030204" pitchFamily="49" charset="0"/>
-              </a:rPr>
-              <a:t/>
-            </a:r>
-            <a:br>
-              <a:rPr lang="ru-RU" smtClean="0">
-                <a:latin typeface="Consolas" panose="020B0609020204030204" pitchFamily="49" charset="0"/>
-              </a:rPr>
-            </a:br>
-            <a:r>
-              <a:rPr lang="en-US" smtClean="0">
-                <a:latin typeface="Consolas" panose="020B0609020204030204" pitchFamily="49" charset="0"/>
-              </a:rPr>
-              <a:t>struct { int, string } person {};</a:t>
-            </a:r>
-            <a:br>
-              <a:rPr lang="en-US" smtClean="0">
-                <a:latin typeface="Consolas" panose="020B0609020204030204" pitchFamily="49" charset="0"/>
-              </a:rPr>
-            </a:br>
-            <a:r>
-              <a:rPr lang="ru-RU" smtClean="0"/>
-              <a:t>какие вообще способы </a:t>
-            </a:r>
-            <a:r>
-              <a:rPr lang="en-US" smtClean="0"/>
-              <a:t>"</a:t>
-            </a:r>
-            <a:r>
-              <a:rPr lang="ru-RU" smtClean="0"/>
-              <a:t>склеить</a:t>
-            </a:r>
-            <a:r>
-              <a:rPr lang="en-US" smtClean="0"/>
-              <a:t>"</a:t>
-            </a:r>
-            <a:r>
-              <a:rPr lang="ru-RU" smtClean="0"/>
-              <a:t> данные есть в языке?</a:t>
-            </a:r>
-            <a:endParaRPr lang="en-US"/>
+              <a:t>tag&lt;int&gt;{} age</a:t>
+            </a:r>
+            <a:r>
+              <a:rPr lang="en-US" smtClean="0">
+                <a:latin typeface="Consolas" panose="020B0609020204030204" pitchFamily="49" charset="0"/>
+              </a:rPr>
+              <a:t>;</a:t>
+            </a:r>
+          </a:p>
+          <a:p>
+            <a:pPr marL="0" indent="0">
+              <a:buNone/>
+            </a:pPr>
+            <a:r>
+              <a:rPr lang="en-US">
+                <a:latin typeface="Consolas" panose="020B0609020204030204" pitchFamily="49" charset="0"/>
+              </a:rPr>
+              <a:t>static struct: tag&lt;std::string&gt;{} last_name;</a:t>
+            </a:r>
           </a:p>
         </p:txBody>
       </p:sp>
     </p:spTree>
     <p:extLst>
       <p:ext uri="{BB962C8B-B14F-4D97-AF65-F5344CB8AC3E}">
-        <p14:creationId xmlns:p14="http://schemas.microsoft.com/office/powerpoint/2010/main" val="2735182411"/>
+        <p14:creationId xmlns:p14="http://schemas.microsoft.com/office/powerpoint/2010/main" val="2621337150"/>
+      </p:ext>
+    </p:extLst>
+  </p:cSld>
+  <p:clrMapOvr>
+    <a:masterClrMapping/>
+  </p:clrMapOvr>
+</p:sld>
+</file>
+
+<file path=ppt/slides/slide69.xml><?xml version="1.0" encoding="utf-8"?>
+<p:sld xmlns:a="http://schemas.openxmlformats.org/drawingml/2006/main" xmlns:r="http://schemas.openxmlformats.org/officeDocument/2006/relationships" xmlns:p="http://schemas.openxmlformats.org/presentationml/2006/main">
+  <p:cSld>
+    <p:spTree>
+      <p:nvGrpSpPr>
+        <p:cNvPr id="1" name=""/>
+        <p:cNvGrpSpPr/>
+        <p:nvPr/>
+      </p:nvGrpSpPr>
+      <p:grpSpPr>
+        <a:xfrm>
+          <a:off x="0" y="0"/>
+          <a:ext cx="0" cy="0"/>
+          <a:chOff x="0" y="0"/>
+          <a:chExt cx="0" cy="0"/>
+        </a:xfrm>
+      </p:grpSpPr>
+      <p:sp>
+        <p:nvSpPr>
+          <p:cNvPr id="2" name="Title 1"/>
+          <p:cNvSpPr>
+            <a:spLocks noGrp="1"/>
+          </p:cNvSpPr>
+          <p:nvPr>
+            <p:ph type="title"/>
+          </p:nvPr>
+        </p:nvSpPr>
+        <p:spPr/>
+        <p:txBody>
+          <a:bodyPr/>
+          <a:lstStyle/>
+          <a:p>
+            <a:r>
+              <a:rPr lang="ru-RU" smtClean="0"/>
+              <a:t>структура поля и контейнер полей</a:t>
+            </a:r>
+            <a:endParaRPr lang="en-US"/>
+          </a:p>
+        </p:txBody>
+      </p:sp>
+      <p:sp>
+        <p:nvSpPr>
+          <p:cNvPr id="3" name="Content Placeholder 2"/>
+          <p:cNvSpPr>
+            <a:spLocks noGrp="1"/>
+          </p:cNvSpPr>
+          <p:nvPr>
+            <p:ph idx="1"/>
+          </p:nvPr>
+        </p:nvSpPr>
+        <p:spPr/>
+        <p:txBody>
+          <a:bodyPr>
+            <a:normAutofit/>
+          </a:bodyPr>
+          <a:lstStyle/>
+          <a:p>
+            <a:pPr marL="0" indent="0">
+              <a:buNone/>
+            </a:pPr>
+            <a:r>
+              <a:rPr lang="en-US" sz="2000">
+                <a:latin typeface="Consolas" panose="020B0609020204030204" pitchFamily="49" charset="0"/>
+              </a:rPr>
+              <a:t>template &lt;typename T</a:t>
+            </a:r>
+            <a:r>
+              <a:rPr lang="en-US" sz="2000" smtClean="0">
+                <a:latin typeface="Consolas" panose="020B0609020204030204" pitchFamily="49" charset="0"/>
+              </a:rPr>
+              <a:t>&gt;</a:t>
+            </a:r>
+            <a:r>
+              <a:rPr lang="ru-RU" sz="2000" smtClean="0">
+                <a:latin typeface="Consolas" panose="020B0609020204030204" pitchFamily="49" charset="0"/>
+              </a:rPr>
+              <a:t> </a:t>
+            </a:r>
+            <a:r>
+              <a:rPr lang="en-US" sz="2000" smtClean="0">
+                <a:latin typeface="Consolas" panose="020B0609020204030204" pitchFamily="49" charset="0"/>
+              </a:rPr>
+              <a:t>struct </a:t>
+            </a:r>
+            <a:r>
+              <a:rPr lang="en-US" sz="2000">
+                <a:latin typeface="Consolas" panose="020B0609020204030204" pitchFamily="49" charset="0"/>
+              </a:rPr>
+              <a:t>Field </a:t>
+            </a:r>
+            <a:r>
+              <a:rPr lang="en-US" sz="2000" smtClean="0">
+                <a:latin typeface="Consolas" panose="020B0609020204030204" pitchFamily="49" charset="0"/>
+              </a:rPr>
+              <a:t>{</a:t>
+            </a:r>
+            <a:r>
+              <a:rPr lang="ru-RU" sz="2000" smtClean="0">
+                <a:latin typeface="Consolas" panose="020B0609020204030204" pitchFamily="49" charset="0"/>
+              </a:rPr>
+              <a:t/>
+            </a:r>
+            <a:br>
+              <a:rPr lang="ru-RU" sz="2000" smtClean="0">
+                <a:latin typeface="Consolas" panose="020B0609020204030204" pitchFamily="49" charset="0"/>
+              </a:rPr>
+            </a:br>
+            <a:r>
+              <a:rPr lang="ru-RU" sz="2000" smtClean="0">
+                <a:latin typeface="Consolas" panose="020B0609020204030204" pitchFamily="49" charset="0"/>
+              </a:rPr>
+              <a:t>  </a:t>
+            </a:r>
+            <a:r>
+              <a:rPr lang="en-US" sz="2000" smtClean="0">
+                <a:latin typeface="Consolas" panose="020B0609020204030204" pitchFamily="49" charset="0"/>
+              </a:rPr>
+              <a:t>typename </a:t>
+            </a:r>
+            <a:r>
+              <a:rPr lang="en-US" sz="2000">
+                <a:latin typeface="Consolas" panose="020B0609020204030204" pitchFamily="49" charset="0"/>
+              </a:rPr>
+              <a:t>T::value_type </a:t>
+            </a:r>
+            <a:r>
+              <a:rPr lang="en-US" sz="2000" smtClean="0">
+                <a:latin typeface="Consolas" panose="020B0609020204030204" pitchFamily="49" charset="0"/>
+              </a:rPr>
+              <a:t>storage;</a:t>
+            </a:r>
+            <a:r>
+              <a:rPr lang="ru-RU" sz="2000" smtClean="0">
+                <a:latin typeface="Consolas" panose="020B0609020204030204" pitchFamily="49" charset="0"/>
+              </a:rPr>
+              <a:t/>
+            </a:r>
+            <a:br>
+              <a:rPr lang="ru-RU" sz="2000" smtClean="0">
+                <a:latin typeface="Consolas" panose="020B0609020204030204" pitchFamily="49" charset="0"/>
+              </a:rPr>
+            </a:br>
+            <a:r>
+              <a:rPr lang="ru-RU" sz="2000" smtClean="0">
+                <a:latin typeface="Consolas" panose="020B0609020204030204" pitchFamily="49" charset="0"/>
+              </a:rPr>
+              <a:t>  </a:t>
+            </a:r>
+            <a:r>
+              <a:rPr lang="en-US" sz="2000" smtClean="0">
+                <a:latin typeface="Consolas" panose="020B0609020204030204" pitchFamily="49" charset="0"/>
+              </a:rPr>
+              <a:t>auto&amp;</a:t>
+            </a:r>
+            <a:r>
+              <a:rPr lang="ru-RU" sz="2000" smtClean="0">
+                <a:latin typeface="Consolas" panose="020B0609020204030204" pitchFamily="49" charset="0"/>
+              </a:rPr>
+              <a:t> </a:t>
+            </a:r>
+            <a:r>
+              <a:rPr lang="en-US" sz="2000" smtClean="0">
+                <a:latin typeface="Consolas" panose="020B0609020204030204" pitchFamily="49" charset="0"/>
+              </a:rPr>
+              <a:t>operator</a:t>
+            </a:r>
+            <a:r>
+              <a:rPr lang="en-US" sz="2000">
+                <a:latin typeface="Consolas" panose="020B0609020204030204" pitchFamily="49" charset="0"/>
+              </a:rPr>
+              <a:t>^(const </a:t>
+            </a:r>
+            <a:r>
+              <a:rPr lang="en-US" sz="2000" smtClean="0">
+                <a:latin typeface="Consolas" panose="020B0609020204030204" pitchFamily="49" charset="0"/>
+              </a:rPr>
+              <a:t>T&amp;) { return </a:t>
+            </a:r>
+            <a:r>
+              <a:rPr lang="en-US" sz="2000">
+                <a:latin typeface="Consolas" panose="020B0609020204030204" pitchFamily="49" charset="0"/>
+              </a:rPr>
+              <a:t>storage</a:t>
+            </a:r>
+            <a:r>
+              <a:rPr lang="en-US" sz="2000" smtClean="0">
+                <a:latin typeface="Consolas" panose="020B0609020204030204" pitchFamily="49" charset="0"/>
+              </a:rPr>
+              <a:t>;</a:t>
+            </a:r>
+            <a:r>
+              <a:rPr lang="ru-RU" sz="2000" smtClean="0">
+                <a:latin typeface="Consolas" panose="020B0609020204030204" pitchFamily="49" charset="0"/>
+              </a:rPr>
+              <a:t> </a:t>
+            </a:r>
+            <a:r>
+              <a:rPr lang="en-US" sz="2000" smtClean="0">
+                <a:latin typeface="Consolas" panose="020B0609020204030204" pitchFamily="49" charset="0"/>
+              </a:rPr>
+              <a:t>}</a:t>
+            </a:r>
+            <a:r>
+              <a:rPr lang="ru-RU" sz="2000" smtClean="0">
+                <a:latin typeface="Consolas" panose="020B0609020204030204" pitchFamily="49" charset="0"/>
+              </a:rPr>
+              <a:t> </a:t>
+            </a:r>
+            <a:r>
+              <a:rPr lang="en-US" sz="2000" smtClean="0">
+                <a:latin typeface="Consolas" panose="020B0609020204030204" pitchFamily="49" charset="0"/>
+              </a:rPr>
+              <a:t>// C++14</a:t>
+            </a:r>
+            <a:r>
+              <a:rPr lang="ru-RU" sz="2000" smtClean="0">
+                <a:latin typeface="Consolas" panose="020B0609020204030204" pitchFamily="49" charset="0"/>
+              </a:rPr>
+              <a:t/>
+            </a:r>
+            <a:br>
+              <a:rPr lang="ru-RU" sz="2000" smtClean="0">
+                <a:latin typeface="Consolas" panose="020B0609020204030204" pitchFamily="49" charset="0"/>
+              </a:rPr>
+            </a:br>
+            <a:r>
+              <a:rPr lang="en-US" sz="2000" smtClean="0">
+                <a:latin typeface="Consolas" panose="020B0609020204030204" pitchFamily="49" charset="0"/>
+              </a:rPr>
+              <a:t>};</a:t>
+            </a:r>
+            <a:endParaRPr lang="en-US" sz="2000">
+              <a:latin typeface="Consolas" panose="020B0609020204030204" pitchFamily="49" charset="0"/>
+            </a:endParaRPr>
+          </a:p>
+          <a:p>
+            <a:pPr marL="0" indent="0">
+              <a:buNone/>
+            </a:pPr>
+            <a:r>
+              <a:rPr lang="en-US" sz="2000" smtClean="0">
+                <a:latin typeface="Consolas" panose="020B0609020204030204" pitchFamily="49" charset="0"/>
+              </a:rPr>
+              <a:t>template&lt;typename</a:t>
+            </a:r>
+            <a:r>
+              <a:rPr lang="en-US" sz="2000">
+                <a:latin typeface="Consolas" panose="020B0609020204030204" pitchFamily="49" charset="0"/>
+              </a:rPr>
+              <a:t>... Fields</a:t>
+            </a:r>
+            <a:r>
+              <a:rPr lang="en-US" sz="2000" smtClean="0">
+                <a:latin typeface="Consolas" panose="020B0609020204030204" pitchFamily="49" charset="0"/>
+              </a:rPr>
+              <a:t>&gt;</a:t>
+            </a:r>
+            <a:br>
+              <a:rPr lang="en-US" sz="2000" smtClean="0">
+                <a:latin typeface="Consolas" panose="020B0609020204030204" pitchFamily="49" charset="0"/>
+              </a:rPr>
+            </a:br>
+            <a:r>
+              <a:rPr lang="en-US" sz="2000" smtClean="0">
+                <a:latin typeface="Consolas" panose="020B0609020204030204" pitchFamily="49" charset="0"/>
+              </a:rPr>
+              <a:t>struct </a:t>
+            </a:r>
+            <a:r>
+              <a:rPr lang="en-US" sz="2000">
+                <a:latin typeface="Consolas" panose="020B0609020204030204" pitchFamily="49" charset="0"/>
+              </a:rPr>
+              <a:t>ctmap_t: </a:t>
+            </a:r>
+            <a:r>
+              <a:rPr lang="en-US" sz="2000" smtClean="0">
+                <a:latin typeface="Consolas" panose="020B0609020204030204" pitchFamily="49" charset="0"/>
+              </a:rPr>
+              <a:t>public </a:t>
+            </a:r>
+            <a:r>
+              <a:rPr lang="en-US" sz="2000">
+                <a:solidFill>
+                  <a:schemeClr val="accent3">
+                    <a:lumMod val="40000"/>
+                    <a:lumOff val="60000"/>
+                  </a:schemeClr>
+                </a:solidFill>
+                <a:latin typeface="Consolas" panose="020B0609020204030204" pitchFamily="49" charset="0"/>
+              </a:rPr>
+              <a:t>Field&lt;typename </a:t>
+            </a:r>
+            <a:r>
+              <a:rPr lang="en-US" sz="2000" smtClean="0">
+                <a:solidFill>
+                  <a:schemeClr val="accent3">
+                    <a:lumMod val="40000"/>
+                    <a:lumOff val="60000"/>
+                  </a:schemeClr>
+                </a:solidFill>
+                <a:latin typeface="Consolas" panose="020B0609020204030204" pitchFamily="49" charset="0"/>
+              </a:rPr>
+              <a:t>decay&lt;Fields</a:t>
+            </a:r>
+            <a:r>
+              <a:rPr lang="en-US" sz="2000">
+                <a:solidFill>
+                  <a:schemeClr val="accent3">
+                    <a:lumMod val="40000"/>
+                    <a:lumOff val="60000"/>
+                  </a:schemeClr>
+                </a:solidFill>
+                <a:latin typeface="Consolas" panose="020B0609020204030204" pitchFamily="49" charset="0"/>
+              </a:rPr>
+              <a:t>&gt;::type&gt;...</a:t>
+            </a:r>
+            <a:r>
+              <a:rPr lang="en-US" sz="2000">
+                <a:latin typeface="Consolas" panose="020B0609020204030204" pitchFamily="49" charset="0"/>
+              </a:rPr>
+              <a:t> </a:t>
+            </a:r>
+            <a:r>
+              <a:rPr lang="en-US" sz="2000" smtClean="0">
+                <a:latin typeface="Consolas" panose="020B0609020204030204" pitchFamily="49" charset="0"/>
+              </a:rPr>
+              <a:t>{};</a:t>
+            </a:r>
+            <a:endParaRPr lang="en-US" sz="2000">
+              <a:latin typeface="Consolas" panose="020B0609020204030204" pitchFamily="49" charset="0"/>
+            </a:endParaRPr>
+          </a:p>
+          <a:p>
+            <a:pPr marL="0" indent="0">
+              <a:buNone/>
+            </a:pPr>
+            <a:r>
+              <a:rPr lang="en-US" sz="2000">
+                <a:latin typeface="Consolas" panose="020B0609020204030204" pitchFamily="49" charset="0"/>
+              </a:rPr>
+              <a:t>template&lt;class...Fields</a:t>
+            </a:r>
+            <a:r>
+              <a:rPr lang="en-US" sz="2000" smtClean="0">
+                <a:latin typeface="Consolas" panose="020B0609020204030204" pitchFamily="49" charset="0"/>
+              </a:rPr>
+              <a:t>&gt; </a:t>
+            </a:r>
+            <a:br>
+              <a:rPr lang="en-US" sz="2000" smtClean="0">
+                <a:latin typeface="Consolas" panose="020B0609020204030204" pitchFamily="49" charset="0"/>
+              </a:rPr>
+            </a:br>
+            <a:r>
+              <a:rPr lang="en-US" sz="2000" smtClean="0">
+                <a:latin typeface="Consolas" panose="020B0609020204030204" pitchFamily="49" charset="0"/>
+              </a:rPr>
+              <a:t>ctmap_t&lt;Fields</a:t>
+            </a:r>
+            <a:r>
+              <a:rPr lang="en-US" sz="2000">
+                <a:latin typeface="Consolas" panose="020B0609020204030204" pitchFamily="49" charset="0"/>
+              </a:rPr>
+              <a:t>...&gt; </a:t>
+            </a:r>
+            <a:r>
+              <a:rPr lang="en-US" sz="2000" smtClean="0">
+                <a:latin typeface="Consolas" panose="020B0609020204030204" pitchFamily="49" charset="0"/>
+              </a:rPr>
+              <a:t>ctmap(</a:t>
+            </a:r>
+            <a:r>
+              <a:rPr lang="en-US" sz="2000" smtClean="0">
+                <a:solidFill>
+                  <a:schemeClr val="accent3">
+                    <a:lumMod val="40000"/>
+                    <a:lumOff val="60000"/>
+                  </a:schemeClr>
+                </a:solidFill>
+                <a:latin typeface="Consolas" panose="020B0609020204030204" pitchFamily="49" charset="0"/>
+              </a:rPr>
+              <a:t>Fields&amp;&amp;...</a:t>
+            </a:r>
+            <a:r>
+              <a:rPr lang="en-US" sz="2000" smtClean="0">
+                <a:latin typeface="Consolas" panose="020B0609020204030204" pitchFamily="49" charset="0"/>
+              </a:rPr>
+              <a:t>) </a:t>
+            </a:r>
+            <a:r>
+              <a:rPr lang="en-US" sz="2000">
+                <a:latin typeface="Consolas" panose="020B0609020204030204" pitchFamily="49" charset="0"/>
+              </a:rPr>
+              <a:t>{ return {}; </a:t>
+            </a:r>
+            <a:r>
+              <a:rPr lang="en-US" sz="2000" smtClean="0">
+                <a:latin typeface="Consolas" panose="020B0609020204030204" pitchFamily="49" charset="0"/>
+              </a:rPr>
+              <a:t>}</a:t>
+            </a:r>
+            <a:endParaRPr lang="ru-RU" sz="2000" smtClean="0">
+              <a:latin typeface="Consolas" panose="020B0609020204030204" pitchFamily="49" charset="0"/>
+            </a:endParaRPr>
+          </a:p>
+        </p:txBody>
+      </p:sp>
+    </p:spTree>
+    <p:extLst>
+      <p:ext uri="{BB962C8B-B14F-4D97-AF65-F5344CB8AC3E}">
+        <p14:creationId xmlns:p14="http://schemas.microsoft.com/office/powerpoint/2010/main" val="3008664535"/>
       </p:ext>
     </p:extLst>
   </p:cSld>
@@ -26132,6 +26334,170 @@
     <p:extLst>
       <p:ext uri="{BB962C8B-B14F-4D97-AF65-F5344CB8AC3E}">
         <p14:creationId xmlns:p14="http://schemas.microsoft.com/office/powerpoint/2010/main" val="1590165752"/>
+      </p:ext>
+    </p:extLst>
+  </p:cSld>
+  <p:clrMapOvr>
+    <a:masterClrMapping/>
+  </p:clrMapOvr>
+</p:sld>
+</file>
+
+<file path=ppt/slides/slide70.xml><?xml version="1.0" encoding="utf-8"?>
+<p:sld xmlns:a="http://schemas.openxmlformats.org/drawingml/2006/main" xmlns:r="http://schemas.openxmlformats.org/officeDocument/2006/relationships" xmlns:p="http://schemas.openxmlformats.org/presentationml/2006/main">
+  <p:cSld>
+    <p:spTree>
+      <p:nvGrpSpPr>
+        <p:cNvPr id="1" name=""/>
+        <p:cNvGrpSpPr/>
+        <p:nvPr/>
+      </p:nvGrpSpPr>
+      <p:grpSpPr>
+        <a:xfrm>
+          <a:off x="0" y="0"/>
+          <a:ext cx="0" cy="0"/>
+          <a:chOff x="0" y="0"/>
+          <a:chExt cx="0" cy="0"/>
+        </a:xfrm>
+      </p:grpSpPr>
+      <p:sp>
+        <p:nvSpPr>
+          <p:cNvPr id="2" name="Title 1"/>
+          <p:cNvSpPr>
+            <a:spLocks noGrp="1"/>
+          </p:cNvSpPr>
+          <p:nvPr>
+            <p:ph type="title"/>
+          </p:nvPr>
+        </p:nvSpPr>
+        <p:spPr/>
+        <p:txBody>
+          <a:bodyPr/>
+          <a:lstStyle/>
+          <a:p>
+            <a:r>
+              <a:rPr lang="ru-RU" smtClean="0"/>
+              <a:t>обсуждение</a:t>
+            </a:r>
+            <a:endParaRPr lang="en-US"/>
+          </a:p>
+        </p:txBody>
+      </p:sp>
+      <p:sp>
+        <p:nvSpPr>
+          <p:cNvPr id="3" name="Content Placeholder 2"/>
+          <p:cNvSpPr>
+            <a:spLocks noGrp="1"/>
+          </p:cNvSpPr>
+          <p:nvPr>
+            <p:ph idx="1"/>
+          </p:nvPr>
+        </p:nvSpPr>
+        <p:spPr/>
+        <p:txBody>
+          <a:bodyPr/>
+          <a:lstStyle/>
+          <a:p>
+            <a:pPr marL="514350" indent="-514350">
+              <a:buFont typeface="+mj-lt"/>
+              <a:buAutoNum type="arabicParenR"/>
+            </a:pPr>
+            <a:r>
+              <a:rPr lang="ru-RU" smtClean="0"/>
+              <a:t>Чего не хватает в </a:t>
+            </a:r>
+            <a:r>
+              <a:rPr lang="en-US" smtClean="0"/>
+              <a:t>ctmap?</a:t>
+            </a:r>
+            <a:endParaRPr lang="ru-RU" smtClean="0"/>
+          </a:p>
+          <a:p>
+            <a:pPr marL="514350" indent="-514350">
+              <a:buFont typeface="+mj-lt"/>
+              <a:buAutoNum type="arabicParenR"/>
+            </a:pPr>
+            <a:r>
+              <a:rPr lang="en-US" smtClean="0"/>
+              <a:t>ctmap </a:t>
+            </a:r>
+            <a:r>
+              <a:rPr lang="ru-RU" smtClean="0"/>
+              <a:t>по сути</a:t>
+            </a:r>
+            <a:r>
+              <a:rPr lang="en-US" smtClean="0"/>
+              <a:t> </a:t>
+            </a:r>
+            <a:r>
+              <a:rPr lang="ru-RU" smtClean="0"/>
+              <a:t>склеивает разнотипные данные и порождает неименованную структуру:</a:t>
+            </a:r>
+            <a:br>
+              <a:rPr lang="ru-RU" smtClean="0"/>
+            </a:br>
+            <a:r>
+              <a:rPr lang="en-US">
+                <a:latin typeface="Consolas" panose="020B0609020204030204" pitchFamily="49" charset="0"/>
+              </a:rPr>
+              <a:t>auto person = ctmap (age, last_name</a:t>
+            </a:r>
+            <a:r>
+              <a:rPr lang="en-US" smtClean="0">
+                <a:latin typeface="Consolas" panose="020B0609020204030204" pitchFamily="49" charset="0"/>
+              </a:rPr>
+              <a:t>);</a:t>
+            </a:r>
+            <a:r>
+              <a:rPr lang="ru-RU" smtClean="0">
+                <a:latin typeface="Consolas" panose="020B0609020204030204" pitchFamily="49" charset="0"/>
+              </a:rPr>
+              <a:t/>
+            </a:r>
+            <a:br>
+              <a:rPr lang="ru-RU" smtClean="0">
+                <a:latin typeface="Consolas" panose="020B0609020204030204" pitchFamily="49" charset="0"/>
+              </a:rPr>
+            </a:br>
+            <a:r>
+              <a:rPr lang="en-US" smtClean="0">
+                <a:latin typeface="Consolas" panose="020B0609020204030204" pitchFamily="49" charset="0"/>
+              </a:rPr>
+              <a:t>struct { int, string } person {};</a:t>
+            </a:r>
+            <a:br>
+              <a:rPr lang="en-US" smtClean="0">
+                <a:latin typeface="Consolas" panose="020B0609020204030204" pitchFamily="49" charset="0"/>
+              </a:rPr>
+            </a:br>
+            <a:r>
+              <a:rPr lang="ru-RU" smtClean="0"/>
+              <a:t>какие вообще способы </a:t>
+            </a:r>
+            <a:r>
+              <a:rPr lang="en-US" smtClean="0"/>
+              <a:t>"</a:t>
+            </a:r>
+            <a:r>
+              <a:rPr lang="ru-RU" smtClean="0"/>
+              <a:t>склеить</a:t>
+            </a:r>
+            <a:r>
+              <a:rPr lang="en-US" smtClean="0"/>
+              <a:t>"</a:t>
+            </a:r>
+            <a:r>
+              <a:rPr lang="ru-RU" smtClean="0"/>
+              <a:t> данные есть в языке?</a:t>
+            </a:r>
+            <a:endParaRPr lang="en-US"/>
+          </a:p>
+        </p:txBody>
+      </p:sp>
+    </p:spTree>
+    <p:extLst>
+      <p:ext uri="{BB962C8B-B14F-4D97-AF65-F5344CB8AC3E}">
+        <p14:creationId xmlns:p14="http://schemas.microsoft.com/office/powerpoint/2010/main" val="2735182411"/>
       </p:ext>
     </p:extLst>
   </p:cSld>

--- a/slides/lec2-6-variadics.pptx
+++ b/slides/lec2-6-variadics.pptx
@@ -238,7 +238,7 @@
           <a:noFill/>
           <a:extLst>
             <a:ext uri="{909E8E84-426E-40dd-AFC4-6F175D3DCCD1}">
-              <a14:hiddenFill xmlns="" xmlns:a14="http://schemas.microsoft.com/office/drawing/2010/main">
+              <a14:hiddenFill xmlns:a14="http://schemas.microsoft.com/office/drawing/2010/main" xmlns="">
                 <a:solidFill>
                   <a:srgbClr val="FFFFFF"/>
                 </a:solidFill>
@@ -297,7 +297,7 @@
             </a:ln>
             <a:extLst>
               <a:ext uri="{91240B29-F687-4f45-9708-019B960494DF}">
-                <a14:hiddenLine xmlns="" xmlns:a14="http://schemas.microsoft.com/office/drawing/2010/main" w="9525">
+                <a14:hiddenLine xmlns:a14="http://schemas.microsoft.com/office/drawing/2010/main" xmlns="" w="9525">
                   <a:solidFill>
                     <a:srgbClr val="000000"/>
                   </a:solidFill>
@@ -387,7 +387,7 @@
             </a:ln>
             <a:extLst>
               <a:ext uri="{91240B29-F687-4f45-9708-019B960494DF}">
-                <a14:hiddenLine xmlns="" xmlns:a14="http://schemas.microsoft.com/office/drawing/2010/main" w="9525">
+                <a14:hiddenLine xmlns:a14="http://schemas.microsoft.com/office/drawing/2010/main" xmlns="" w="9525">
                   <a:solidFill>
                     <a:srgbClr val="000000"/>
                   </a:solidFill>
@@ -477,7 +477,7 @@
             </a:ln>
             <a:extLst>
               <a:ext uri="{91240B29-F687-4f45-9708-019B960494DF}">
-                <a14:hiddenLine xmlns="" xmlns:a14="http://schemas.microsoft.com/office/drawing/2010/main" w="9525">
+                <a14:hiddenLine xmlns:a14="http://schemas.microsoft.com/office/drawing/2010/main" xmlns="" w="9525">
                   <a:solidFill>
                     <a:srgbClr val="000000"/>
                   </a:solidFill>
@@ -511,7 +511,7 @@
             </a:ln>
             <a:extLst>
               <a:ext uri="{91240B29-F687-4f45-9708-019B960494DF}">
-                <a14:hiddenLine xmlns="" xmlns:a14="http://schemas.microsoft.com/office/drawing/2010/main" w="9525">
+                <a14:hiddenLine xmlns:a14="http://schemas.microsoft.com/office/drawing/2010/main" xmlns="" w="9525">
                   <a:solidFill>
                     <a:srgbClr val="000000"/>
                   </a:solidFill>
@@ -601,7 +601,7 @@
             </a:ln>
             <a:extLst>
               <a:ext uri="{91240B29-F687-4f45-9708-019B960494DF}">
-                <a14:hiddenLine xmlns="" xmlns:a14="http://schemas.microsoft.com/office/drawing/2010/main" w="9525">
+                <a14:hiddenLine xmlns:a14="http://schemas.microsoft.com/office/drawing/2010/main" xmlns="" w="9525">
                   <a:solidFill>
                     <a:srgbClr val="000000"/>
                   </a:solidFill>
@@ -663,7 +663,7 @@
             </a:ln>
             <a:extLst>
               <a:ext uri="{91240B29-F687-4f45-9708-019B960494DF}">
-                <a14:hiddenLine xmlns="" xmlns:a14="http://schemas.microsoft.com/office/drawing/2010/main" w="9525">
+                <a14:hiddenLine xmlns:a14="http://schemas.microsoft.com/office/drawing/2010/main" xmlns="" w="9525">
                   <a:solidFill>
                     <a:srgbClr val="000000"/>
                   </a:solidFill>
@@ -725,7 +725,7 @@
             </a:ln>
             <a:extLst>
               <a:ext uri="{91240B29-F687-4f45-9708-019B960494DF}">
-                <a14:hiddenLine xmlns="" xmlns:a14="http://schemas.microsoft.com/office/drawing/2010/main" w="9525">
+                <a14:hiddenLine xmlns:a14="http://schemas.microsoft.com/office/drawing/2010/main" xmlns="" w="9525">
                   <a:solidFill>
                     <a:srgbClr val="000000"/>
                   </a:solidFill>
@@ -815,7 +815,7 @@
             </a:ln>
             <a:extLst>
               <a:ext uri="{91240B29-F687-4f45-9708-019B960494DF}">
-                <a14:hiddenLine xmlns="" xmlns:a14="http://schemas.microsoft.com/office/drawing/2010/main" w="9525">
+                <a14:hiddenLine xmlns:a14="http://schemas.microsoft.com/office/drawing/2010/main" xmlns="" w="9525">
                   <a:solidFill>
                     <a:srgbClr val="000000"/>
                   </a:solidFill>
@@ -877,7 +877,7 @@
             </a:ln>
             <a:extLst>
               <a:ext uri="{91240B29-F687-4f45-9708-019B960494DF}">
-                <a14:hiddenLine xmlns="" xmlns:a14="http://schemas.microsoft.com/office/drawing/2010/main" w="9525">
+                <a14:hiddenLine xmlns:a14="http://schemas.microsoft.com/office/drawing/2010/main" xmlns="" w="9525">
                   <a:solidFill>
                     <a:srgbClr val="000000"/>
                   </a:solidFill>
@@ -939,7 +939,7 @@
             </a:ln>
             <a:extLst>
               <a:ext uri="{91240B29-F687-4f45-9708-019B960494DF}">
-                <a14:hiddenLine xmlns="" xmlns:a14="http://schemas.microsoft.com/office/drawing/2010/main" w="9525">
+                <a14:hiddenLine xmlns:a14="http://schemas.microsoft.com/office/drawing/2010/main" xmlns="" w="9525">
                   <a:solidFill>
                     <a:srgbClr val="000000"/>
                   </a:solidFill>
@@ -1029,7 +1029,7 @@
             </a:ln>
             <a:extLst>
               <a:ext uri="{91240B29-F687-4f45-9708-019B960494DF}">
-                <a14:hiddenLine xmlns="" xmlns:a14="http://schemas.microsoft.com/office/drawing/2010/main" w="9525">
+                <a14:hiddenLine xmlns:a14="http://schemas.microsoft.com/office/drawing/2010/main" xmlns="" w="9525">
                   <a:solidFill>
                     <a:srgbClr val="000000"/>
                   </a:solidFill>
@@ -1119,7 +1119,7 @@
             </a:ln>
             <a:extLst>
               <a:ext uri="{91240B29-F687-4f45-9708-019B960494DF}">
-                <a14:hiddenLine xmlns="" xmlns:a14="http://schemas.microsoft.com/office/drawing/2010/main" w="9525">
+                <a14:hiddenLine xmlns:a14="http://schemas.microsoft.com/office/drawing/2010/main" xmlns="" w="9525">
                   <a:solidFill>
                     <a:srgbClr val="000000"/>
                   </a:solidFill>
@@ -1181,7 +1181,7 @@
             </a:ln>
             <a:extLst>
               <a:ext uri="{91240B29-F687-4f45-9708-019B960494DF}">
-                <a14:hiddenLine xmlns="" xmlns:a14="http://schemas.microsoft.com/office/drawing/2010/main" w="9525">
+                <a14:hiddenLine xmlns:a14="http://schemas.microsoft.com/office/drawing/2010/main" xmlns="" w="9525">
                   <a:solidFill>
                     <a:srgbClr val="000000"/>
                   </a:solidFill>
@@ -1291,7 +1291,7 @@
             </a:ln>
             <a:extLst>
               <a:ext uri="{91240B29-F687-4f45-9708-019B960494DF}">
-                <a14:hiddenLine xmlns="" xmlns:a14="http://schemas.microsoft.com/office/drawing/2010/main" w="9525">
+                <a14:hiddenLine xmlns:a14="http://schemas.microsoft.com/office/drawing/2010/main" xmlns="" w="9525">
                   <a:solidFill>
                     <a:srgbClr val="000000"/>
                   </a:solidFill>
@@ -1353,7 +1353,7 @@
             </a:ln>
             <a:extLst>
               <a:ext uri="{91240B29-F687-4f45-9708-019B960494DF}">
-                <a14:hiddenLine xmlns="" xmlns:a14="http://schemas.microsoft.com/office/drawing/2010/main" w="9525">
+                <a14:hiddenLine xmlns:a14="http://schemas.microsoft.com/office/drawing/2010/main" xmlns="" w="9525">
                   <a:solidFill>
                     <a:srgbClr val="000000"/>
                   </a:solidFill>
@@ -1443,7 +1443,7 @@
             </a:ln>
             <a:extLst>
               <a:ext uri="{91240B29-F687-4f45-9708-019B960494DF}">
-                <a14:hiddenLine xmlns="" xmlns:a14="http://schemas.microsoft.com/office/drawing/2010/main" w="9525">
+                <a14:hiddenLine xmlns:a14="http://schemas.microsoft.com/office/drawing/2010/main" xmlns="" w="9525">
                   <a:solidFill>
                     <a:srgbClr val="000000"/>
                   </a:solidFill>
@@ -1533,7 +1533,7 @@
             </a:ln>
             <a:extLst>
               <a:ext uri="{91240B29-F687-4f45-9708-019B960494DF}">
-                <a14:hiddenLine xmlns="" xmlns:a14="http://schemas.microsoft.com/office/drawing/2010/main" w="9525">
+                <a14:hiddenLine xmlns:a14="http://schemas.microsoft.com/office/drawing/2010/main" xmlns="" w="9525">
                   <a:solidFill>
                     <a:srgbClr val="000000"/>
                   </a:solidFill>
@@ -1595,7 +1595,7 @@
             </a:ln>
             <a:extLst>
               <a:ext uri="{91240B29-F687-4f45-9708-019B960494DF}">
-                <a14:hiddenLine xmlns="" xmlns:a14="http://schemas.microsoft.com/office/drawing/2010/main" w="9525">
+                <a14:hiddenLine xmlns:a14="http://schemas.microsoft.com/office/drawing/2010/main" xmlns="" w="9525">
                   <a:solidFill>
                     <a:srgbClr val="000000"/>
                   </a:solidFill>
@@ -1685,7 +1685,7 @@
             </a:ln>
             <a:extLst>
               <a:ext uri="{91240B29-F687-4f45-9708-019B960494DF}">
-                <a14:hiddenLine xmlns="" xmlns:a14="http://schemas.microsoft.com/office/drawing/2010/main" w="9525">
+                <a14:hiddenLine xmlns:a14="http://schemas.microsoft.com/office/drawing/2010/main" xmlns="" w="9525">
                   <a:solidFill>
                     <a:srgbClr val="000000"/>
                   </a:solidFill>
@@ -1775,7 +1775,7 @@
             </a:ln>
             <a:extLst>
               <a:ext uri="{91240B29-F687-4f45-9708-019B960494DF}">
-                <a14:hiddenLine xmlns="" xmlns:a14="http://schemas.microsoft.com/office/drawing/2010/main" w="9525">
+                <a14:hiddenLine xmlns:a14="http://schemas.microsoft.com/office/drawing/2010/main" xmlns="" w="9525">
                   <a:solidFill>
                     <a:srgbClr val="000000"/>
                   </a:solidFill>
@@ -1831,7 +1831,7 @@
             </a:ln>
             <a:extLst>
               <a:ext uri="{91240B29-F687-4f45-9708-019B960494DF}">
-                <a14:hiddenLine xmlns="" xmlns:a14="http://schemas.microsoft.com/office/drawing/2010/main" w="9525">
+                <a14:hiddenLine xmlns:a14="http://schemas.microsoft.com/office/drawing/2010/main" xmlns="" w="9525">
                   <a:solidFill>
                     <a:srgbClr val="000000"/>
                   </a:solidFill>
@@ -1921,7 +1921,7 @@
             </a:ln>
             <a:extLst>
               <a:ext uri="{91240B29-F687-4f45-9708-019B960494DF}">
-                <a14:hiddenLine xmlns="" xmlns:a14="http://schemas.microsoft.com/office/drawing/2010/main" w="9525">
+                <a14:hiddenLine xmlns:a14="http://schemas.microsoft.com/office/drawing/2010/main" xmlns="" w="9525">
                   <a:solidFill>
                     <a:srgbClr val="000000"/>
                   </a:solidFill>
@@ -1977,7 +1977,7 @@
             </a:ln>
             <a:extLst>
               <a:ext uri="{91240B29-F687-4f45-9708-019B960494DF}">
-                <a14:hiddenLine xmlns="" xmlns:a14="http://schemas.microsoft.com/office/drawing/2010/main" w="9525">
+                <a14:hiddenLine xmlns:a14="http://schemas.microsoft.com/office/drawing/2010/main" xmlns="" w="9525">
                   <a:solidFill>
                     <a:srgbClr val="000000"/>
                   </a:solidFill>
@@ -2067,7 +2067,7 @@
             </a:ln>
             <a:extLst>
               <a:ext uri="{91240B29-F687-4f45-9708-019B960494DF}">
-                <a14:hiddenLine xmlns="" xmlns:a14="http://schemas.microsoft.com/office/drawing/2010/main" w="9525">
+                <a14:hiddenLine xmlns:a14="http://schemas.microsoft.com/office/drawing/2010/main" xmlns="" w="9525">
                   <a:solidFill>
                     <a:srgbClr val="000000"/>
                   </a:solidFill>
@@ -2135,7 +2135,7 @@
             </a:ln>
             <a:extLst>
               <a:ext uri="{91240B29-F687-4f45-9708-019B960494DF}">
-                <a14:hiddenLine xmlns="" xmlns:a14="http://schemas.microsoft.com/office/drawing/2010/main" w="9525">
+                <a14:hiddenLine xmlns:a14="http://schemas.microsoft.com/office/drawing/2010/main" xmlns="" w="9525">
                   <a:solidFill>
                     <a:srgbClr val="000000"/>
                   </a:solidFill>
@@ -2225,7 +2225,7 @@
             </a:ln>
             <a:extLst>
               <a:ext uri="{91240B29-F687-4f45-9708-019B960494DF}">
-                <a14:hiddenLine xmlns="" xmlns:a14="http://schemas.microsoft.com/office/drawing/2010/main" w="9525">
+                <a14:hiddenLine xmlns:a14="http://schemas.microsoft.com/office/drawing/2010/main" xmlns="" w="9525">
                   <a:solidFill>
                     <a:srgbClr val="000000"/>
                   </a:solidFill>
@@ -2293,7 +2293,7 @@
             </a:ln>
             <a:extLst>
               <a:ext uri="{91240B29-F687-4f45-9708-019B960494DF}">
-                <a14:hiddenLine xmlns="" xmlns:a14="http://schemas.microsoft.com/office/drawing/2010/main" w="9525">
+                <a14:hiddenLine xmlns:a14="http://schemas.microsoft.com/office/drawing/2010/main" xmlns="" w="9525">
                   <a:solidFill>
                     <a:srgbClr val="000000"/>
                   </a:solidFill>
@@ -2383,7 +2383,7 @@
             </a:ln>
             <a:extLst>
               <a:ext uri="{91240B29-F687-4f45-9708-019B960494DF}">
-                <a14:hiddenLine xmlns="" xmlns:a14="http://schemas.microsoft.com/office/drawing/2010/main" w="9525">
+                <a14:hiddenLine xmlns:a14="http://schemas.microsoft.com/office/drawing/2010/main" xmlns="" w="9525">
                   <a:solidFill>
                     <a:srgbClr val="000000"/>
                   </a:solidFill>
@@ -2417,7 +2417,7 @@
             </a:ln>
             <a:extLst>
               <a:ext uri="{91240B29-F687-4f45-9708-019B960494DF}">
-                <a14:hiddenLine xmlns="" xmlns:a14="http://schemas.microsoft.com/office/drawing/2010/main" w="9525">
+                <a14:hiddenLine xmlns:a14="http://schemas.microsoft.com/office/drawing/2010/main" xmlns="" w="9525">
                   <a:solidFill>
                     <a:srgbClr val="000000"/>
                   </a:solidFill>
@@ -2507,7 +2507,7 @@
             </a:ln>
             <a:extLst>
               <a:ext uri="{91240B29-F687-4f45-9708-019B960494DF}">
-                <a14:hiddenLine xmlns="" xmlns:a14="http://schemas.microsoft.com/office/drawing/2010/main" w="9525">
+                <a14:hiddenLine xmlns:a14="http://schemas.microsoft.com/office/drawing/2010/main" xmlns="" w="9525">
                   <a:solidFill>
                     <a:srgbClr val="000000"/>
                   </a:solidFill>
@@ -2569,7 +2569,7 @@
             </a:ln>
             <a:extLst>
               <a:ext uri="{91240B29-F687-4f45-9708-019B960494DF}">
-                <a14:hiddenLine xmlns="" xmlns:a14="http://schemas.microsoft.com/office/drawing/2010/main" w="9525">
+                <a14:hiddenLine xmlns:a14="http://schemas.microsoft.com/office/drawing/2010/main" xmlns="" w="9525">
                   <a:solidFill>
                     <a:srgbClr val="000000"/>
                   </a:solidFill>
@@ -2631,7 +2631,7 @@
             </a:ln>
             <a:extLst>
               <a:ext uri="{91240B29-F687-4f45-9708-019B960494DF}">
-                <a14:hiddenLine xmlns="" xmlns:a14="http://schemas.microsoft.com/office/drawing/2010/main" w="9525">
+                <a14:hiddenLine xmlns:a14="http://schemas.microsoft.com/office/drawing/2010/main" xmlns="" w="9525">
                   <a:solidFill>
                     <a:srgbClr val="000000"/>
                   </a:solidFill>
@@ -2721,7 +2721,7 @@
             </a:ln>
             <a:extLst>
               <a:ext uri="{91240B29-F687-4f45-9708-019B960494DF}">
-                <a14:hiddenLine xmlns="" xmlns:a14="http://schemas.microsoft.com/office/drawing/2010/main" w="9525">
+                <a14:hiddenLine xmlns:a14="http://schemas.microsoft.com/office/drawing/2010/main" xmlns="" w="9525">
                   <a:solidFill>
                     <a:srgbClr val="000000"/>
                   </a:solidFill>
@@ -2789,7 +2789,7 @@
             </a:ln>
             <a:extLst>
               <a:ext uri="{91240B29-F687-4f45-9708-019B960494DF}">
-                <a14:hiddenLine xmlns="" xmlns:a14="http://schemas.microsoft.com/office/drawing/2010/main" w="9525">
+                <a14:hiddenLine xmlns:a14="http://schemas.microsoft.com/office/drawing/2010/main" xmlns="" w="9525">
                   <a:solidFill>
                     <a:srgbClr val="000000"/>
                   </a:solidFill>
@@ -2851,7 +2851,7 @@
             </a:ln>
             <a:extLst>
               <a:ext uri="{91240B29-F687-4f45-9708-019B960494DF}">
-                <a14:hiddenLine xmlns="" xmlns:a14="http://schemas.microsoft.com/office/drawing/2010/main" w="9525">
+                <a14:hiddenLine xmlns:a14="http://schemas.microsoft.com/office/drawing/2010/main" xmlns="" w="9525">
                   <a:solidFill>
                     <a:srgbClr val="000000"/>
                   </a:solidFill>
@@ -2941,7 +2941,7 @@
             </a:ln>
             <a:extLst>
               <a:ext uri="{91240B29-F687-4f45-9708-019B960494DF}">
-                <a14:hiddenLine xmlns="" xmlns:a14="http://schemas.microsoft.com/office/drawing/2010/main" w="9525">
+                <a14:hiddenLine xmlns:a14="http://schemas.microsoft.com/office/drawing/2010/main" xmlns="" w="9525">
                   <a:solidFill>
                     <a:srgbClr val="000000"/>
                   </a:solidFill>
@@ -3003,7 +3003,7 @@
             </a:ln>
             <a:extLst>
               <a:ext uri="{91240B29-F687-4f45-9708-019B960494DF}">
-                <a14:hiddenLine xmlns="" xmlns:a14="http://schemas.microsoft.com/office/drawing/2010/main" w="9525">
+                <a14:hiddenLine xmlns:a14="http://schemas.microsoft.com/office/drawing/2010/main" xmlns="" w="9525">
                   <a:solidFill>
                     <a:srgbClr val="000000"/>
                   </a:solidFill>
@@ -3093,7 +3093,7 @@
             </a:ln>
             <a:extLst>
               <a:ext uri="{91240B29-F687-4f45-9708-019B960494DF}">
-                <a14:hiddenLine xmlns="" xmlns:a14="http://schemas.microsoft.com/office/drawing/2010/main" w="9525">
+                <a14:hiddenLine xmlns:a14="http://schemas.microsoft.com/office/drawing/2010/main" xmlns="" w="9525">
                   <a:solidFill>
                     <a:srgbClr val="000000"/>
                   </a:solidFill>
@@ -3155,7 +3155,7 @@
             </a:ln>
             <a:extLst>
               <a:ext uri="{91240B29-F687-4f45-9708-019B960494DF}">
-                <a14:hiddenLine xmlns="" xmlns:a14="http://schemas.microsoft.com/office/drawing/2010/main" w="9525">
+                <a14:hiddenLine xmlns:a14="http://schemas.microsoft.com/office/drawing/2010/main" xmlns="" w="9525">
                   <a:solidFill>
                     <a:srgbClr val="000000"/>
                   </a:solidFill>
@@ -3245,7 +3245,7 @@
             </a:ln>
             <a:extLst>
               <a:ext uri="{91240B29-F687-4f45-9708-019B960494DF}">
-                <a14:hiddenLine xmlns="" xmlns:a14="http://schemas.microsoft.com/office/drawing/2010/main" w="9525">
+                <a14:hiddenLine xmlns:a14="http://schemas.microsoft.com/office/drawing/2010/main" xmlns="" w="9525">
                   <a:solidFill>
                     <a:srgbClr val="000000"/>
                   </a:solidFill>
@@ -3279,7 +3279,7 @@
             </a:ln>
             <a:extLst>
               <a:ext uri="{91240B29-F687-4f45-9708-019B960494DF}">
-                <a14:hiddenLine xmlns="" xmlns:a14="http://schemas.microsoft.com/office/drawing/2010/main" w="9525">
+                <a14:hiddenLine xmlns:a14="http://schemas.microsoft.com/office/drawing/2010/main" xmlns="" w="9525">
                   <a:solidFill>
                     <a:srgbClr val="000000"/>
                   </a:solidFill>
@@ -3344,7 +3344,7 @@
             </a:ln>
             <a:extLst>
               <a:ext uri="{91240B29-F687-4f45-9708-019B960494DF}">
-                <a14:hiddenLine xmlns="" xmlns:a14="http://schemas.microsoft.com/office/drawing/2010/main" w="9525">
+                <a14:hiddenLine xmlns:a14="http://schemas.microsoft.com/office/drawing/2010/main" xmlns="" w="9525">
                   <a:solidFill>
                     <a:srgbClr val="000000"/>
                   </a:solidFill>
@@ -3434,7 +3434,7 @@
             </a:ln>
             <a:extLst>
               <a:ext uri="{91240B29-F687-4f45-9708-019B960494DF}">
-                <a14:hiddenLine xmlns="" xmlns:a14="http://schemas.microsoft.com/office/drawing/2010/main" w="9525">
+                <a14:hiddenLine xmlns:a14="http://schemas.microsoft.com/office/drawing/2010/main" xmlns="" w="9525">
                   <a:solidFill>
                     <a:srgbClr val="000000"/>
                   </a:solidFill>
@@ -3496,7 +3496,7 @@
             </a:ln>
             <a:extLst>
               <a:ext uri="{91240B29-F687-4f45-9708-019B960494DF}">
-                <a14:hiddenLine xmlns="" xmlns:a14="http://schemas.microsoft.com/office/drawing/2010/main" w="9525">
+                <a14:hiddenLine xmlns:a14="http://schemas.microsoft.com/office/drawing/2010/main" xmlns="" w="9525">
                   <a:solidFill>
                     <a:srgbClr val="000000"/>
                   </a:solidFill>
@@ -3586,7 +3586,7 @@
             </a:ln>
             <a:extLst>
               <a:ext uri="{91240B29-F687-4f45-9708-019B960494DF}">
-                <a14:hiddenLine xmlns="" xmlns:a14="http://schemas.microsoft.com/office/drawing/2010/main" w="9525">
+                <a14:hiddenLine xmlns:a14="http://schemas.microsoft.com/office/drawing/2010/main" xmlns="" w="9525">
                   <a:solidFill>
                     <a:srgbClr val="000000"/>
                   </a:solidFill>
@@ -3676,7 +3676,7 @@
             </a:ln>
             <a:extLst>
               <a:ext uri="{91240B29-F687-4f45-9708-019B960494DF}">
-                <a14:hiddenLine xmlns="" xmlns:a14="http://schemas.microsoft.com/office/drawing/2010/main" w="9525">
+                <a14:hiddenLine xmlns:a14="http://schemas.microsoft.com/office/drawing/2010/main" xmlns="" w="9525">
                   <a:solidFill>
                     <a:srgbClr val="000000"/>
                   </a:solidFill>
@@ -3741,7 +3741,7 @@
             </a:ln>
             <a:extLst>
               <a:ext uri="{91240B29-F687-4f45-9708-019B960494DF}">
-                <a14:hiddenLine xmlns="" xmlns:a14="http://schemas.microsoft.com/office/drawing/2010/main" w="9525">
+                <a14:hiddenLine xmlns:a14="http://schemas.microsoft.com/office/drawing/2010/main" xmlns="" w="9525">
                   <a:solidFill>
                     <a:srgbClr val="000000"/>
                   </a:solidFill>
@@ -3803,7 +3803,7 @@
             </a:ln>
             <a:extLst>
               <a:ext uri="{91240B29-F687-4f45-9708-019B960494DF}">
-                <a14:hiddenLine xmlns="" xmlns:a14="http://schemas.microsoft.com/office/drawing/2010/main" w="9525">
+                <a14:hiddenLine xmlns:a14="http://schemas.microsoft.com/office/drawing/2010/main" xmlns="" w="9525">
                   <a:solidFill>
                     <a:srgbClr val="000000"/>
                   </a:solidFill>
@@ -3893,7 +3893,7 @@
             </a:ln>
             <a:extLst>
               <a:ext uri="{91240B29-F687-4f45-9708-019B960494DF}">
-                <a14:hiddenLine xmlns="" xmlns:a14="http://schemas.microsoft.com/office/drawing/2010/main" w="9525">
+                <a14:hiddenLine xmlns:a14="http://schemas.microsoft.com/office/drawing/2010/main" xmlns="" w="9525">
                   <a:solidFill>
                     <a:srgbClr val="000000"/>
                   </a:solidFill>
@@ -3983,7 +3983,7 @@
             </a:ln>
             <a:extLst>
               <a:ext uri="{91240B29-F687-4f45-9708-019B960494DF}">
-                <a14:hiddenLine xmlns="" xmlns:a14="http://schemas.microsoft.com/office/drawing/2010/main" w="9525">
+                <a14:hiddenLine xmlns:a14="http://schemas.microsoft.com/office/drawing/2010/main" xmlns="" w="9525">
                   <a:solidFill>
                     <a:srgbClr val="000000"/>
                   </a:solidFill>
@@ -4045,7 +4045,7 @@
             </a:ln>
             <a:extLst>
               <a:ext uri="{91240B29-F687-4f45-9708-019B960494DF}">
-                <a14:hiddenLine xmlns="" xmlns:a14="http://schemas.microsoft.com/office/drawing/2010/main" w="9525">
+                <a14:hiddenLine xmlns:a14="http://schemas.microsoft.com/office/drawing/2010/main" xmlns="" w="9525">
                   <a:solidFill>
                     <a:srgbClr val="000000"/>
                   </a:solidFill>
@@ -4165,7 +4165,7 @@
             </a:ln>
             <a:extLst>
               <a:ext uri="{91240B29-F687-4f45-9708-019B960494DF}">
-                <a14:hiddenLine xmlns="" xmlns:a14="http://schemas.microsoft.com/office/drawing/2010/main" w="9525">
+                <a14:hiddenLine xmlns:a14="http://schemas.microsoft.com/office/drawing/2010/main" xmlns="" w="9525">
                   <a:solidFill>
                     <a:srgbClr val="000000"/>
                   </a:solidFill>
@@ -4233,7 +4233,7 @@
             </a:ln>
             <a:extLst>
               <a:ext uri="{91240B29-F687-4f45-9708-019B960494DF}">
-                <a14:hiddenLine xmlns="" xmlns:a14="http://schemas.microsoft.com/office/drawing/2010/main" w="9525">
+                <a14:hiddenLine xmlns:a14="http://schemas.microsoft.com/office/drawing/2010/main" xmlns="" w="9525">
                   <a:solidFill>
                     <a:srgbClr val="000000"/>
                   </a:solidFill>
@@ -4323,7 +4323,7 @@
             </a:ln>
             <a:extLst>
               <a:ext uri="{91240B29-F687-4f45-9708-019B960494DF}">
-                <a14:hiddenLine xmlns="" xmlns:a14="http://schemas.microsoft.com/office/drawing/2010/main" w="9525">
+                <a14:hiddenLine xmlns:a14="http://schemas.microsoft.com/office/drawing/2010/main" xmlns="" w="9525">
                   <a:solidFill>
                     <a:srgbClr val="000000"/>
                   </a:solidFill>
@@ -4463,7 +4463,7 @@
           <a:p>
             <a:fld id="{48A87A34-81AB-432B-8DAE-1953F412C126}" type="datetimeFigureOut">
               <a:rPr lang="en-US" dirty="0"/>
-              <a:t>3/17/2017</a:t>
+              <a:t>4/10/2017</a:t>
             </a:fld>
             <a:endParaRPr lang="en-US" dirty="0"/>
           </a:p>
@@ -4725,7 +4725,7 @@
           <a:p>
             <a:fld id="{48A87A34-81AB-432B-8DAE-1953F412C126}" type="datetimeFigureOut">
               <a:rPr lang="en-US" dirty="0"/>
-              <a:t>3/17/2017</a:t>
+              <a:t>4/10/2017</a:t>
             </a:fld>
             <a:endParaRPr lang="en-US" dirty="0"/>
           </a:p>
@@ -4916,7 +4916,7 @@
           <a:p>
             <a:fld id="{48A87A34-81AB-432B-8DAE-1953F412C126}" type="datetimeFigureOut">
               <a:rPr lang="en-US" dirty="0"/>
-              <a:t>3/17/2017</a:t>
+              <a:t>4/10/2017</a:t>
             </a:fld>
             <a:endParaRPr lang="en-US" dirty="0"/>
           </a:p>
@@ -5174,7 +5174,7 @@
           <a:p>
             <a:fld id="{48A87A34-81AB-432B-8DAE-1953F412C126}" type="datetimeFigureOut">
               <a:rPr lang="en-US" dirty="0"/>
-              <a:t>3/17/2017</a:t>
+              <a:t>4/10/2017</a:t>
             </a:fld>
             <a:endParaRPr lang="en-US" dirty="0"/>
           </a:p>
@@ -5603,7 +5603,7 @@
           <a:p>
             <a:fld id="{48A87A34-81AB-432B-8DAE-1953F412C126}" type="datetimeFigureOut">
               <a:rPr lang="en-US" dirty="0"/>
-              <a:t>3/17/2017</a:t>
+              <a:t>4/10/2017</a:t>
             </a:fld>
             <a:endParaRPr lang="en-US" dirty="0"/>
           </a:p>
@@ -6144,7 +6144,7 @@
           <a:p>
             <a:fld id="{48A87A34-81AB-432B-8DAE-1953F412C126}" type="datetimeFigureOut">
               <a:rPr lang="en-US" dirty="0"/>
-              <a:t>3/17/2017</a:t>
+              <a:t>4/10/2017</a:t>
             </a:fld>
             <a:endParaRPr lang="en-US" dirty="0"/>
           </a:p>
@@ -6859,7 +6859,7 @@
           <a:p>
             <a:fld id="{48A87A34-81AB-432B-8DAE-1953F412C126}" type="datetimeFigureOut">
               <a:rPr lang="en-US" dirty="0"/>
-              <a:t>3/17/2017</a:t>
+              <a:t>4/10/2017</a:t>
             </a:fld>
             <a:endParaRPr lang="en-US" dirty="0"/>
           </a:p>
@@ -7024,7 +7024,7 @@
           <a:p>
             <a:fld id="{48A87A34-81AB-432B-8DAE-1953F412C126}" type="datetimeFigureOut">
               <a:rPr lang="en-US" dirty="0"/>
-              <a:t>3/17/2017</a:t>
+              <a:t>4/10/2017</a:t>
             </a:fld>
             <a:endParaRPr lang="en-US" dirty="0"/>
           </a:p>
@@ -7199,7 +7199,7 @@
           <a:p>
             <a:fld id="{48A87A34-81AB-432B-8DAE-1953F412C126}" type="datetimeFigureOut">
               <a:rPr lang="en-US" dirty="0"/>
-              <a:t>3/17/2017</a:t>
+              <a:t>4/10/2017</a:t>
             </a:fld>
             <a:endParaRPr lang="en-US" dirty="0"/>
           </a:p>
@@ -7364,7 +7364,7 @@
           <a:p>
             <a:fld id="{48A87A34-81AB-432B-8DAE-1953F412C126}" type="datetimeFigureOut">
               <a:rPr lang="en-US" dirty="0"/>
-              <a:t>3/17/2017</a:t>
+              <a:t>4/10/2017</a:t>
             </a:fld>
             <a:endParaRPr lang="en-US" dirty="0"/>
           </a:p>
@@ -7609,7 +7609,7 @@
           <a:p>
             <a:fld id="{48A87A34-81AB-432B-8DAE-1953F412C126}" type="datetimeFigureOut">
               <a:rPr lang="en-US" dirty="0"/>
-              <a:t>3/17/2017</a:t>
+              <a:t>4/10/2017</a:t>
             </a:fld>
             <a:endParaRPr lang="en-US" dirty="0"/>
           </a:p>
@@ -7836,7 +7836,7 @@
           <a:p>
             <a:fld id="{48A87A34-81AB-432B-8DAE-1953F412C126}" type="datetimeFigureOut">
               <a:rPr lang="en-US" dirty="0"/>
-              <a:t>3/17/2017</a:t>
+              <a:t>4/10/2017</a:t>
             </a:fld>
             <a:endParaRPr lang="en-US" dirty="0"/>
           </a:p>
@@ -8212,7 +8212,7 @@
           <a:p>
             <a:fld id="{48A87A34-81AB-432B-8DAE-1953F412C126}" type="datetimeFigureOut">
               <a:rPr lang="en-US" dirty="0"/>
-              <a:t>3/17/2017</a:t>
+              <a:t>4/10/2017</a:t>
             </a:fld>
             <a:endParaRPr lang="en-US" dirty="0"/>
           </a:p>
@@ -8325,7 +8325,7 @@
           <a:p>
             <a:fld id="{48A87A34-81AB-432B-8DAE-1953F412C126}" type="datetimeFigureOut">
               <a:rPr lang="en-US" dirty="0"/>
-              <a:t>3/17/2017</a:t>
+              <a:t>4/10/2017</a:t>
             </a:fld>
             <a:endParaRPr lang="en-US" dirty="0"/>
           </a:p>
@@ -8415,7 +8415,7 @@
           <a:p>
             <a:fld id="{48A87A34-81AB-432B-8DAE-1953F412C126}" type="datetimeFigureOut">
               <a:rPr lang="en-US" dirty="0"/>
-              <a:t>3/17/2017</a:t>
+              <a:t>4/10/2017</a:t>
             </a:fld>
             <a:endParaRPr lang="en-US" dirty="0"/>
           </a:p>
@@ -8659,7 +8659,7 @@
           <a:p>
             <a:fld id="{48A87A34-81AB-432B-8DAE-1953F412C126}" type="datetimeFigureOut">
               <a:rPr lang="en-US" dirty="0"/>
-              <a:t>3/17/2017</a:t>
+              <a:t>4/10/2017</a:t>
             </a:fld>
             <a:endParaRPr lang="en-US" dirty="0"/>
           </a:p>
@@ -8934,7 +8934,7 @@
           <a:p>
             <a:fld id="{48A87A34-81AB-432B-8DAE-1953F412C126}" type="datetimeFigureOut">
               <a:rPr lang="en-US" dirty="0"/>
-              <a:t>3/17/2017</a:t>
+              <a:t>4/10/2017</a:t>
             </a:fld>
             <a:endParaRPr lang="en-US" dirty="0"/>
           </a:p>
@@ -9052,7 +9052,7 @@
           <a:noFill/>
           <a:extLst>
             <a:ext uri="{909E8E84-426E-40dd-AFC4-6F175D3DCCD1}">
-              <a14:hiddenFill xmlns="" xmlns:a14="http://schemas.microsoft.com/office/drawing/2010/main">
+              <a14:hiddenFill xmlns:a14="http://schemas.microsoft.com/office/drawing/2010/main" xmlns="">
                 <a:solidFill>
                   <a:srgbClr val="FFFFFF"/>
                 </a:solidFill>
@@ -9126,7 +9126,7 @@
               </a:ln>
               <a:extLst>
                 <a:ext uri="{91240B29-F687-4f45-9708-019B960494DF}">
-                  <a14:hiddenLine xmlns="" xmlns:a14="http://schemas.microsoft.com/office/drawing/2010/main" w="9525">
+                  <a14:hiddenLine xmlns:a14="http://schemas.microsoft.com/office/drawing/2010/main" xmlns="" w="9525">
                     <a:solidFill>
                       <a:srgbClr val="000000"/>
                     </a:solidFill>
@@ -9216,7 +9216,7 @@
               </a:ln>
               <a:extLst>
                 <a:ext uri="{91240B29-F687-4f45-9708-019B960494DF}">
-                  <a14:hiddenLine xmlns="" xmlns:a14="http://schemas.microsoft.com/office/drawing/2010/main" w="9525">
+                  <a14:hiddenLine xmlns:a14="http://schemas.microsoft.com/office/drawing/2010/main" xmlns="" w="9525">
                     <a:solidFill>
                       <a:srgbClr val="000000"/>
                     </a:solidFill>
@@ -9306,7 +9306,7 @@
               </a:ln>
               <a:extLst>
                 <a:ext uri="{91240B29-F687-4f45-9708-019B960494DF}">
-                  <a14:hiddenLine xmlns="" xmlns:a14="http://schemas.microsoft.com/office/drawing/2010/main" w="9525">
+                  <a14:hiddenLine xmlns:a14="http://schemas.microsoft.com/office/drawing/2010/main" xmlns="" w="9525">
                     <a:solidFill>
                       <a:srgbClr val="000000"/>
                     </a:solidFill>
@@ -9368,7 +9368,7 @@
               </a:ln>
               <a:extLst>
                 <a:ext uri="{91240B29-F687-4f45-9708-019B960494DF}">
-                  <a14:hiddenLine xmlns="" xmlns:a14="http://schemas.microsoft.com/office/drawing/2010/main" w="9525">
+                  <a14:hiddenLine xmlns:a14="http://schemas.microsoft.com/office/drawing/2010/main" xmlns="" w="9525">
                     <a:solidFill>
                       <a:srgbClr val="000000"/>
                     </a:solidFill>
@@ -9458,7 +9458,7 @@
               </a:ln>
               <a:extLst>
                 <a:ext uri="{91240B29-F687-4f45-9708-019B960494DF}">
-                  <a14:hiddenLine xmlns="" xmlns:a14="http://schemas.microsoft.com/office/drawing/2010/main" w="9525">
+                  <a14:hiddenLine xmlns:a14="http://schemas.microsoft.com/office/drawing/2010/main" xmlns="" w="9525">
                     <a:solidFill>
                       <a:srgbClr val="000000"/>
                     </a:solidFill>
@@ -9520,7 +9520,7 @@
               </a:ln>
               <a:extLst>
                 <a:ext uri="{91240B29-F687-4f45-9708-019B960494DF}">
-                  <a14:hiddenLine xmlns="" xmlns:a14="http://schemas.microsoft.com/office/drawing/2010/main" w="9525">
+                  <a14:hiddenLine xmlns:a14="http://schemas.microsoft.com/office/drawing/2010/main" xmlns="" w="9525">
                     <a:solidFill>
                       <a:srgbClr val="000000"/>
                     </a:solidFill>
@@ -9582,7 +9582,7 @@
               </a:ln>
               <a:extLst>
                 <a:ext uri="{91240B29-F687-4f45-9708-019B960494DF}">
-                  <a14:hiddenLine xmlns="" xmlns:a14="http://schemas.microsoft.com/office/drawing/2010/main" w="9525">
+                  <a14:hiddenLine xmlns:a14="http://schemas.microsoft.com/office/drawing/2010/main" xmlns="" w="9525">
                     <a:solidFill>
                       <a:srgbClr val="000000"/>
                     </a:solidFill>
@@ -9672,7 +9672,7 @@
               </a:ln>
               <a:extLst>
                 <a:ext uri="{91240B29-F687-4f45-9708-019B960494DF}">
-                  <a14:hiddenLine xmlns="" xmlns:a14="http://schemas.microsoft.com/office/drawing/2010/main" w="9525">
+                  <a14:hiddenLine xmlns:a14="http://schemas.microsoft.com/office/drawing/2010/main" xmlns="" w="9525">
                     <a:solidFill>
                       <a:srgbClr val="000000"/>
                     </a:solidFill>
@@ -9762,7 +9762,7 @@
               </a:ln>
               <a:extLst>
                 <a:ext uri="{91240B29-F687-4f45-9708-019B960494DF}">
-                  <a14:hiddenLine xmlns="" xmlns:a14="http://schemas.microsoft.com/office/drawing/2010/main" w="9525">
+                  <a14:hiddenLine xmlns:a14="http://schemas.microsoft.com/office/drawing/2010/main" xmlns="" w="9525">
                     <a:solidFill>
                       <a:srgbClr val="000000"/>
                     </a:solidFill>
@@ -9824,7 +9824,7 @@
               </a:ln>
               <a:extLst>
                 <a:ext uri="{91240B29-F687-4f45-9708-019B960494DF}">
-                  <a14:hiddenLine xmlns="" xmlns:a14="http://schemas.microsoft.com/office/drawing/2010/main" w="9525">
+                  <a14:hiddenLine xmlns:a14="http://schemas.microsoft.com/office/drawing/2010/main" xmlns="" w="9525">
                     <a:solidFill>
                       <a:srgbClr val="000000"/>
                     </a:solidFill>
@@ -9934,7 +9934,7 @@
               </a:ln>
               <a:extLst>
                 <a:ext uri="{91240B29-F687-4f45-9708-019B960494DF}">
-                  <a14:hiddenLine xmlns="" xmlns:a14="http://schemas.microsoft.com/office/drawing/2010/main" w="9525">
+                  <a14:hiddenLine xmlns:a14="http://schemas.microsoft.com/office/drawing/2010/main" xmlns="" w="9525">
                     <a:solidFill>
                       <a:srgbClr val="000000"/>
                     </a:solidFill>
@@ -10018,7 +10018,7 @@
               </a:ln>
               <a:extLst>
                 <a:ext uri="{91240B29-F687-4f45-9708-019B960494DF}">
-                  <a14:hiddenLine xmlns="" xmlns:a14="http://schemas.microsoft.com/office/drawing/2010/main" w="9525">
+                  <a14:hiddenLine xmlns:a14="http://schemas.microsoft.com/office/drawing/2010/main" xmlns="" w="9525">
                     <a:solidFill>
                       <a:srgbClr val="000000"/>
                     </a:solidFill>
@@ -10080,7 +10080,7 @@
               </a:ln>
               <a:extLst>
                 <a:ext uri="{91240B29-F687-4f45-9708-019B960494DF}">
-                  <a14:hiddenLine xmlns="" xmlns:a14="http://schemas.microsoft.com/office/drawing/2010/main" w="9525">
+                  <a14:hiddenLine xmlns:a14="http://schemas.microsoft.com/office/drawing/2010/main" xmlns="" w="9525">
                     <a:solidFill>
                       <a:srgbClr val="000000"/>
                     </a:solidFill>
@@ -10142,7 +10142,7 @@
               </a:ln>
               <a:extLst>
                 <a:ext uri="{91240B29-F687-4f45-9708-019B960494DF}">
-                  <a14:hiddenLine xmlns="" xmlns:a14="http://schemas.microsoft.com/office/drawing/2010/main" w="9525">
+                  <a14:hiddenLine xmlns:a14="http://schemas.microsoft.com/office/drawing/2010/main" xmlns="" w="9525">
                     <a:solidFill>
                       <a:srgbClr val="000000"/>
                     </a:solidFill>
@@ -10232,7 +10232,7 @@
               </a:ln>
               <a:extLst>
                 <a:ext uri="{91240B29-F687-4f45-9708-019B960494DF}">
-                  <a14:hiddenLine xmlns="" xmlns:a14="http://schemas.microsoft.com/office/drawing/2010/main" w="9525">
+                  <a14:hiddenLine xmlns:a14="http://schemas.microsoft.com/office/drawing/2010/main" xmlns="" w="9525">
                     <a:solidFill>
                       <a:srgbClr val="000000"/>
                     </a:solidFill>
@@ -10266,7 +10266,7 @@
               </a:ln>
               <a:extLst>
                 <a:ext uri="{91240B29-F687-4f45-9708-019B960494DF}">
-                  <a14:hiddenLine xmlns="" xmlns:a14="http://schemas.microsoft.com/office/drawing/2010/main" w="9525">
+                  <a14:hiddenLine xmlns:a14="http://schemas.microsoft.com/office/drawing/2010/main" xmlns="" w="9525">
                     <a:solidFill>
                       <a:srgbClr val="000000"/>
                     </a:solidFill>
@@ -10331,7 +10331,7 @@
               </a:ln>
               <a:extLst>
                 <a:ext uri="{91240B29-F687-4f45-9708-019B960494DF}">
-                  <a14:hiddenLine xmlns="" xmlns:a14="http://schemas.microsoft.com/office/drawing/2010/main" w="9525">
+                  <a14:hiddenLine xmlns:a14="http://schemas.microsoft.com/office/drawing/2010/main" xmlns="" w="9525">
                     <a:solidFill>
                       <a:srgbClr val="000000"/>
                     </a:solidFill>
@@ -10421,7 +10421,7 @@
               </a:ln>
               <a:extLst>
                 <a:ext uri="{91240B29-F687-4f45-9708-019B960494DF}">
-                  <a14:hiddenLine xmlns="" xmlns:a14="http://schemas.microsoft.com/office/drawing/2010/main" w="9525">
+                  <a14:hiddenLine xmlns:a14="http://schemas.microsoft.com/office/drawing/2010/main" xmlns="" w="9525">
                     <a:solidFill>
                       <a:srgbClr val="000000"/>
                     </a:solidFill>
@@ -10483,7 +10483,7 @@
               </a:ln>
               <a:extLst>
                 <a:ext uri="{91240B29-F687-4f45-9708-019B960494DF}">
-                  <a14:hiddenLine xmlns="" xmlns:a14="http://schemas.microsoft.com/office/drawing/2010/main" w="9525">
+                  <a14:hiddenLine xmlns:a14="http://schemas.microsoft.com/office/drawing/2010/main" xmlns="" w="9525">
                     <a:solidFill>
                       <a:srgbClr val="000000"/>
                     </a:solidFill>
@@ -10573,7 +10573,7 @@
               </a:ln>
               <a:extLst>
                 <a:ext uri="{91240B29-F687-4f45-9708-019B960494DF}">
-                  <a14:hiddenLine xmlns="" xmlns:a14="http://schemas.microsoft.com/office/drawing/2010/main" w="9525">
+                  <a14:hiddenLine xmlns:a14="http://schemas.microsoft.com/office/drawing/2010/main" xmlns="" w="9525">
                     <a:solidFill>
                       <a:srgbClr val="000000"/>
                     </a:solidFill>
@@ -10638,7 +10638,7 @@
               </a:ln>
               <a:extLst>
                 <a:ext uri="{91240B29-F687-4f45-9708-019B960494DF}">
-                  <a14:hiddenLine xmlns="" xmlns:a14="http://schemas.microsoft.com/office/drawing/2010/main" w="9525">
+                  <a14:hiddenLine xmlns:a14="http://schemas.microsoft.com/office/drawing/2010/main" xmlns="" w="9525">
                     <a:solidFill>
                       <a:srgbClr val="000000"/>
                     </a:solidFill>
@@ -10700,7 +10700,7 @@
               </a:ln>
               <a:extLst>
                 <a:ext uri="{91240B29-F687-4f45-9708-019B960494DF}">
-                  <a14:hiddenLine xmlns="" xmlns:a14="http://schemas.microsoft.com/office/drawing/2010/main" w="9525">
+                  <a14:hiddenLine xmlns:a14="http://schemas.microsoft.com/office/drawing/2010/main" xmlns="" w="9525">
                     <a:solidFill>
                       <a:srgbClr val="000000"/>
                     </a:solidFill>
@@ -10790,7 +10790,7 @@
               </a:ln>
               <a:extLst>
                 <a:ext uri="{91240B29-F687-4f45-9708-019B960494DF}">
-                  <a14:hiddenLine xmlns="" xmlns:a14="http://schemas.microsoft.com/office/drawing/2010/main" w="9525">
+                  <a14:hiddenLine xmlns:a14="http://schemas.microsoft.com/office/drawing/2010/main" xmlns="" w="9525">
                     <a:solidFill>
                       <a:srgbClr val="000000"/>
                     </a:solidFill>
@@ -10880,7 +10880,7 @@
               </a:ln>
               <a:extLst>
                 <a:ext uri="{91240B29-F687-4f45-9708-019B960494DF}">
-                  <a14:hiddenLine xmlns="" xmlns:a14="http://schemas.microsoft.com/office/drawing/2010/main" w="9525">
+                  <a14:hiddenLine xmlns:a14="http://schemas.microsoft.com/office/drawing/2010/main" xmlns="" w="9525">
                     <a:solidFill>
                       <a:srgbClr val="000000"/>
                     </a:solidFill>
@@ -10945,7 +10945,7 @@
               </a:ln>
               <a:extLst>
                 <a:ext uri="{91240B29-F687-4f45-9708-019B960494DF}">
-                  <a14:hiddenLine xmlns="" xmlns:a14="http://schemas.microsoft.com/office/drawing/2010/main" w="9525">
+                  <a14:hiddenLine xmlns:a14="http://schemas.microsoft.com/office/drawing/2010/main" xmlns="" w="9525">
                     <a:solidFill>
                       <a:srgbClr val="000000"/>
                     </a:solidFill>
@@ -11065,7 +11065,7 @@
               </a:ln>
               <a:extLst>
                 <a:ext uri="{91240B29-F687-4f45-9708-019B960494DF}">
-                  <a14:hiddenLine xmlns="" xmlns:a14="http://schemas.microsoft.com/office/drawing/2010/main" w="9525">
+                  <a14:hiddenLine xmlns:a14="http://schemas.microsoft.com/office/drawing/2010/main" xmlns="" w="9525">
                     <a:solidFill>
                       <a:srgbClr val="000000"/>
                     </a:solidFill>
@@ -11146,7 +11146,7 @@
               </a:ln>
               <a:extLst>
                 <a:ext uri="{91240B29-F687-4f45-9708-019B960494DF}">
-                  <a14:hiddenLine xmlns="" xmlns:a14="http://schemas.microsoft.com/office/drawing/2010/main" w="9525">
+                  <a14:hiddenLine xmlns:a14="http://schemas.microsoft.com/office/drawing/2010/main" xmlns="" w="9525">
                     <a:solidFill>
                       <a:srgbClr val="000000"/>
                     </a:solidFill>
@@ -11261,7 +11261,7 @@
               </a:ln>
               <a:extLst>
                 <a:ext uri="{91240B29-F687-4f45-9708-019B960494DF}">
-                  <a14:hiddenLine xmlns="" xmlns:a14="http://schemas.microsoft.com/office/drawing/2010/main" w="9525">
+                  <a14:hiddenLine xmlns:a14="http://schemas.microsoft.com/office/drawing/2010/main" xmlns="" w="9525">
                     <a:solidFill>
                       <a:srgbClr val="000000"/>
                     </a:solidFill>
@@ -11351,7 +11351,7 @@
               </a:ln>
               <a:extLst>
                 <a:ext uri="{91240B29-F687-4f45-9708-019B960494DF}">
-                  <a14:hiddenLine xmlns="" xmlns:a14="http://schemas.microsoft.com/office/drawing/2010/main" w="9525">
+                  <a14:hiddenLine xmlns:a14="http://schemas.microsoft.com/office/drawing/2010/main" xmlns="" w="9525">
                     <a:solidFill>
                       <a:srgbClr val="000000"/>
                     </a:solidFill>
@@ -11416,7 +11416,7 @@
               </a:ln>
               <a:extLst>
                 <a:ext uri="{91240B29-F687-4f45-9708-019B960494DF}">
-                  <a14:hiddenLine xmlns="" xmlns:a14="http://schemas.microsoft.com/office/drawing/2010/main" w="9525">
+                  <a14:hiddenLine xmlns:a14="http://schemas.microsoft.com/office/drawing/2010/main" xmlns="" w="9525">
                     <a:solidFill>
                       <a:srgbClr val="000000"/>
                     </a:solidFill>
@@ -11506,7 +11506,7 @@
               </a:ln>
               <a:extLst>
                 <a:ext uri="{91240B29-F687-4f45-9708-019B960494DF}">
-                  <a14:hiddenLine xmlns="" xmlns:a14="http://schemas.microsoft.com/office/drawing/2010/main" w="9525">
+                  <a14:hiddenLine xmlns:a14="http://schemas.microsoft.com/office/drawing/2010/main" xmlns="" w="9525">
                     <a:solidFill>
                       <a:srgbClr val="000000"/>
                     </a:solidFill>
@@ -11574,7 +11574,7 @@
               </a:ln>
               <a:extLst>
                 <a:ext uri="{91240B29-F687-4f45-9708-019B960494DF}">
-                  <a14:hiddenLine xmlns="" xmlns:a14="http://schemas.microsoft.com/office/drawing/2010/main" w="9525">
+                  <a14:hiddenLine xmlns:a14="http://schemas.microsoft.com/office/drawing/2010/main" xmlns="" w="9525">
                     <a:solidFill>
                       <a:srgbClr val="000000"/>
                     </a:solidFill>
@@ -11664,7 +11664,7 @@
               </a:ln>
               <a:extLst>
                 <a:ext uri="{91240B29-F687-4f45-9708-019B960494DF}">
-                  <a14:hiddenLine xmlns="" xmlns:a14="http://schemas.microsoft.com/office/drawing/2010/main" w="9525">
+                  <a14:hiddenLine xmlns:a14="http://schemas.microsoft.com/office/drawing/2010/main" xmlns="" w="9525">
                     <a:solidFill>
                       <a:srgbClr val="000000"/>
                     </a:solidFill>
@@ -11732,7 +11732,7 @@
               </a:ln>
               <a:extLst>
                 <a:ext uri="{91240B29-F687-4f45-9708-019B960494DF}">
-                  <a14:hiddenLine xmlns="" xmlns:a14="http://schemas.microsoft.com/office/drawing/2010/main" w="9525">
+                  <a14:hiddenLine xmlns:a14="http://schemas.microsoft.com/office/drawing/2010/main" xmlns="" w="9525">
                     <a:solidFill>
                       <a:srgbClr val="000000"/>
                     </a:solidFill>
@@ -11822,7 +11822,7 @@
               </a:ln>
               <a:extLst>
                 <a:ext uri="{91240B29-F687-4f45-9708-019B960494DF}">
-                  <a14:hiddenLine xmlns="" xmlns:a14="http://schemas.microsoft.com/office/drawing/2010/main" w="9525">
+                  <a14:hiddenLine xmlns:a14="http://schemas.microsoft.com/office/drawing/2010/main" xmlns="" w="9525">
                     <a:solidFill>
                       <a:srgbClr val="000000"/>
                     </a:solidFill>
@@ -11856,7 +11856,7 @@
               </a:ln>
               <a:extLst>
                 <a:ext uri="{91240B29-F687-4f45-9708-019B960494DF}">
-                  <a14:hiddenLine xmlns="" xmlns:a14="http://schemas.microsoft.com/office/drawing/2010/main" w="9525">
+                  <a14:hiddenLine xmlns:a14="http://schemas.microsoft.com/office/drawing/2010/main" xmlns="" w="9525">
                     <a:solidFill>
                       <a:srgbClr val="000000"/>
                     </a:solidFill>
@@ -11997,7 +11997,7 @@
             <a:fld id="{48A87A34-81AB-432B-8DAE-1953F412C126}" type="datetimeFigureOut">
               <a:rPr lang="en-US" dirty="0"/>
               <a:pPr/>
-              <a:t>3/17/2017</a:t>
+              <a:t>4/10/2017</a:t>
             </a:fld>
             <a:endParaRPr lang="en-US" dirty="0"/>
           </a:p>
@@ -12459,6 +12459,229 @@
           </a:p>
         </p:txBody>
       </p:sp>
+      <p:sp>
+        <p:nvSpPr>
+          <p:cNvPr id="4" name="Subtitle 2"/>
+          <p:cNvSpPr txBox="1">
+            <a:spLocks/>
+          </p:cNvSpPr>
+          <p:nvPr/>
+        </p:nvSpPr>
+        <p:spPr>
+          <a:xfrm>
+            <a:off x="7608162" y="6098960"/>
+            <a:ext cx="4548326" cy="741284"/>
+          </a:xfrm>
+          <a:prstGeom prst="rect">
+            <a:avLst/>
+          </a:prstGeom>
+        </p:spPr>
+        <p:txBody>
+          <a:bodyPr vert="horz" lIns="91440" tIns="45720" rIns="91440" bIns="45720" rtlCol="0">
+            <a:normAutofit/>
+          </a:bodyPr>
+          <a:lstStyle>
+            <a:lvl1pPr marL="0" indent="0" algn="l" defTabSz="914400" rtl="0" eaLnBrk="1" latinLnBrk="0" hangingPunct="1">
+              <a:lnSpc>
+                <a:spcPct val="120000"/>
+              </a:lnSpc>
+              <a:spcBef>
+                <a:spcPts val="1000"/>
+              </a:spcBef>
+              <a:buSzPct val="125000"/>
+              <a:buFont typeface="Arial" panose="020B0604020202020204" pitchFamily="34" charset="0"/>
+              <a:buNone/>
+              <a:defRPr sz="2000" kern="1200" cap="all" baseline="0">
+                <a:solidFill>
+                  <a:schemeClr val="tx2"/>
+                </a:solidFill>
+                <a:latin typeface="+mn-lt"/>
+                <a:ea typeface="+mn-ea"/>
+                <a:cs typeface="+mn-cs"/>
+              </a:defRPr>
+            </a:lvl1pPr>
+            <a:lvl2pPr marL="457200" indent="0" algn="ctr" defTabSz="914400" rtl="0" eaLnBrk="1" latinLnBrk="0" hangingPunct="1">
+              <a:lnSpc>
+                <a:spcPct val="120000"/>
+              </a:lnSpc>
+              <a:spcBef>
+                <a:spcPts val="500"/>
+              </a:spcBef>
+              <a:buSzPct val="125000"/>
+              <a:buFont typeface="Arial" panose="020B0604020202020204" pitchFamily="34" charset="0"/>
+              <a:buNone/>
+              <a:defRPr sz="2000" kern="1200">
+                <a:solidFill>
+                  <a:schemeClr val="tx1"/>
+                </a:solidFill>
+                <a:latin typeface="+mn-lt"/>
+                <a:ea typeface="+mn-ea"/>
+                <a:cs typeface="+mn-cs"/>
+              </a:defRPr>
+            </a:lvl2pPr>
+            <a:lvl3pPr marL="914400" indent="0" algn="ctr" defTabSz="914400" rtl="0" eaLnBrk="1" latinLnBrk="0" hangingPunct="1">
+              <a:lnSpc>
+                <a:spcPct val="120000"/>
+              </a:lnSpc>
+              <a:spcBef>
+                <a:spcPts val="500"/>
+              </a:spcBef>
+              <a:buSzPct val="125000"/>
+              <a:buFont typeface="Arial" panose="020B0604020202020204" pitchFamily="34" charset="0"/>
+              <a:buNone/>
+              <a:defRPr sz="1800" kern="1200">
+                <a:solidFill>
+                  <a:schemeClr val="tx1"/>
+                </a:solidFill>
+                <a:latin typeface="+mn-lt"/>
+                <a:ea typeface="+mn-ea"/>
+                <a:cs typeface="+mn-cs"/>
+              </a:defRPr>
+            </a:lvl3pPr>
+            <a:lvl4pPr marL="1371600" indent="0" algn="ctr" defTabSz="914400" rtl="0" eaLnBrk="1" latinLnBrk="0" hangingPunct="1">
+              <a:lnSpc>
+                <a:spcPct val="120000"/>
+              </a:lnSpc>
+              <a:spcBef>
+                <a:spcPts val="500"/>
+              </a:spcBef>
+              <a:buSzPct val="125000"/>
+              <a:buFont typeface="Arial" panose="020B0604020202020204" pitchFamily="34" charset="0"/>
+              <a:buNone/>
+              <a:defRPr sz="1600" kern="1200">
+                <a:solidFill>
+                  <a:schemeClr val="tx1"/>
+                </a:solidFill>
+                <a:latin typeface="+mn-lt"/>
+                <a:ea typeface="+mn-ea"/>
+                <a:cs typeface="+mn-cs"/>
+              </a:defRPr>
+            </a:lvl4pPr>
+            <a:lvl5pPr marL="1828800" indent="0" algn="ctr" defTabSz="914400" rtl="0" eaLnBrk="1" latinLnBrk="0" hangingPunct="1">
+              <a:lnSpc>
+                <a:spcPct val="120000"/>
+              </a:lnSpc>
+              <a:spcBef>
+                <a:spcPts val="500"/>
+              </a:spcBef>
+              <a:buSzPct val="125000"/>
+              <a:buFont typeface="Arial" panose="020B0604020202020204" pitchFamily="34" charset="0"/>
+              <a:buNone/>
+              <a:defRPr sz="1600" kern="1200">
+                <a:solidFill>
+                  <a:schemeClr val="tx1"/>
+                </a:solidFill>
+                <a:latin typeface="+mn-lt"/>
+                <a:ea typeface="+mn-ea"/>
+                <a:cs typeface="+mn-cs"/>
+              </a:defRPr>
+            </a:lvl5pPr>
+            <a:lvl6pPr marL="2286000" indent="0" algn="ctr" defTabSz="914400" rtl="0" eaLnBrk="1" latinLnBrk="0" hangingPunct="1">
+              <a:lnSpc>
+                <a:spcPct val="120000"/>
+              </a:lnSpc>
+              <a:spcBef>
+                <a:spcPts val="500"/>
+              </a:spcBef>
+              <a:buSzPct val="125000"/>
+              <a:buFont typeface="Arial" panose="020B0604020202020204" pitchFamily="34" charset="0"/>
+              <a:buNone/>
+              <a:defRPr sz="1600" kern="1200">
+                <a:solidFill>
+                  <a:schemeClr val="tx1"/>
+                </a:solidFill>
+                <a:latin typeface="+mn-lt"/>
+                <a:ea typeface="+mn-ea"/>
+                <a:cs typeface="+mn-cs"/>
+              </a:defRPr>
+            </a:lvl6pPr>
+            <a:lvl7pPr marL="2743200" indent="0" algn="ctr" defTabSz="914400" rtl="0" eaLnBrk="1" latinLnBrk="0" hangingPunct="1">
+              <a:lnSpc>
+                <a:spcPct val="120000"/>
+              </a:lnSpc>
+              <a:spcBef>
+                <a:spcPts val="500"/>
+              </a:spcBef>
+              <a:buSzPct val="125000"/>
+              <a:buFont typeface="Arial" panose="020B0604020202020204" pitchFamily="34" charset="0"/>
+              <a:buNone/>
+              <a:defRPr sz="1600" kern="1200">
+                <a:solidFill>
+                  <a:schemeClr val="tx1"/>
+                </a:solidFill>
+                <a:latin typeface="+mn-lt"/>
+                <a:ea typeface="+mn-ea"/>
+                <a:cs typeface="+mn-cs"/>
+              </a:defRPr>
+            </a:lvl7pPr>
+            <a:lvl8pPr marL="3200400" indent="0" algn="ctr" defTabSz="914400" rtl="0" eaLnBrk="1" latinLnBrk="0" hangingPunct="1">
+              <a:lnSpc>
+                <a:spcPct val="120000"/>
+              </a:lnSpc>
+              <a:spcBef>
+                <a:spcPts val="500"/>
+              </a:spcBef>
+              <a:buSzPct val="125000"/>
+              <a:buFont typeface="Arial" panose="020B0604020202020204" pitchFamily="34" charset="0"/>
+              <a:buNone/>
+              <a:defRPr sz="1600" kern="1200">
+                <a:solidFill>
+                  <a:schemeClr val="tx1"/>
+                </a:solidFill>
+                <a:latin typeface="+mn-lt"/>
+                <a:ea typeface="+mn-ea"/>
+                <a:cs typeface="+mn-cs"/>
+              </a:defRPr>
+            </a:lvl8pPr>
+            <a:lvl9pPr marL="3657600" indent="0" algn="ctr" defTabSz="914400" rtl="0" eaLnBrk="1" latinLnBrk="0" hangingPunct="1">
+              <a:lnSpc>
+                <a:spcPct val="120000"/>
+              </a:lnSpc>
+              <a:spcBef>
+                <a:spcPts val="500"/>
+              </a:spcBef>
+              <a:buSzPct val="125000"/>
+              <a:buFont typeface="Arial" panose="020B0604020202020204" pitchFamily="34" charset="0"/>
+              <a:buNone/>
+              <a:defRPr sz="1600" kern="1200">
+                <a:solidFill>
+                  <a:schemeClr val="tx1"/>
+                </a:solidFill>
+                <a:latin typeface="+mn-lt"/>
+                <a:ea typeface="+mn-ea"/>
+                <a:cs typeface="+mn-cs"/>
+              </a:defRPr>
+            </a:lvl9pPr>
+          </a:lstStyle>
+          <a:p>
+            <a:pPr algn="r"/>
+            <a:r>
+              <a:rPr lang="ru-RU" sz="1400" dirty="0" smtClean="0"/>
+              <a:t>К. Владимиров, </a:t>
+            </a:r>
+            <a:r>
+              <a:rPr lang="en-US" sz="1400" dirty="0" smtClean="0"/>
+              <a:t>intel</a:t>
+            </a:r>
+            <a:r>
+              <a:rPr lang="en-US" sz="1400" smtClean="0"/>
+              <a:t>, </a:t>
+            </a:r>
+            <a:r>
+              <a:rPr lang="en-US" sz="1400" smtClean="0"/>
+              <a:t>2017</a:t>
+            </a:r>
+          </a:p>
+          <a:p>
+            <a:pPr algn="r"/>
+            <a:r>
+              <a:rPr lang="en-US" sz="1400" cap="none" smtClean="0"/>
+              <a:t>mail-to: konstantin.vladimirov@gmail.com</a:t>
+            </a:r>
+            <a:endParaRPr lang="en-US" sz="1400" cap="none" smtClean="0"/>
+          </a:p>
+        </p:txBody>
+      </p:sp>
     </p:spTree>
     <p:extLst>
       <p:ext uri="{BB962C8B-B14F-4D97-AF65-F5344CB8AC3E}">
@@ -12790,13 +13013,7 @@
               <a:rPr lang="en-US" smtClean="0">
                 <a:latin typeface="Consolas" panose="020B0609020204030204" pitchFamily="49" charset="0"/>
               </a:rPr>
-              <a:t>f</a:t>
-            </a:r>
-            <a:r>
-              <a:rPr lang="en-US" smtClean="0">
-                <a:latin typeface="Consolas" panose="020B0609020204030204" pitchFamily="49" charset="0"/>
-              </a:rPr>
-              <a:t>(); // OK, </a:t>
+              <a:t>f(); // OK, </a:t>
             </a:r>
             <a:r>
               <a:rPr lang="ru-RU" smtClean="0">
@@ -13878,13 +14095,7 @@
               <a:rPr lang="en-US" smtClean="0">
                 <a:latin typeface="Consolas" panose="020B0609020204030204" pitchFamily="49" charset="0"/>
               </a:rPr>
-              <a:t>mixture&lt;C1, C2&gt; </a:t>
-            </a:r>
-            <a:r>
-              <a:rPr lang="en-US" smtClean="0">
-                <a:latin typeface="Consolas" panose="020B0609020204030204" pitchFamily="49" charset="0"/>
-              </a:rPr>
-              <a:t>m</a:t>
+              <a:t>mixture&lt;C1, C2&gt; m</a:t>
             </a:r>
             <a:r>
               <a:rPr lang="ru-RU" smtClean="0">
@@ -14128,19 +14339,7 @@
               <a:rPr lang="en-US" smtClean="0">
                 <a:latin typeface="Consolas" panose="020B0609020204030204" pitchFamily="49" charset="0"/>
               </a:rPr>
-              <a:t>mixture&lt;C1, C2&gt; </a:t>
-            </a:r>
-            <a:r>
-              <a:rPr lang="en-US" smtClean="0">
-                <a:latin typeface="Consolas" panose="020B0609020204030204" pitchFamily="49" charset="0"/>
-              </a:rPr>
-              <a:t>m (</a:t>
-            </a:r>
-            <a:r>
-              <a:rPr lang="en-US" smtClean="0">
-                <a:latin typeface="Consolas" panose="020B0609020204030204" pitchFamily="49" charset="0"/>
-              </a:rPr>
-              <a:t>C1{}, C2{}); // m : C1, C2</a:t>
+              <a:t>mixture&lt;C1, C2&gt; m (C1{}, C2{}); // m : C1, C2</a:t>
             </a:r>
             <a:endParaRPr lang="ru-RU">
               <a:latin typeface="Consolas" panose="020B0609020204030204" pitchFamily="49" charset="0"/>
@@ -18076,11 +18275,7 @@
             </a:r>
             <a:r>
               <a:rPr lang="ru-RU" smtClean="0"/>
-              <a:t>у </a:t>
-            </a:r>
-            <a:r>
-              <a:rPr lang="ru-RU" smtClean="0"/>
-              <a:t>списка инициализации (в отличии от списка аргументов конструктора или вообще функции) были в этом примере полезны, но выглядят они ограничивающе. Зачем они нужны?</a:t>
+              <a:t>у списка инициализации (в отличии от списка аргументов конструктора или вообще функции) были в этом примере полезны, но выглядят они ограничивающе. Зачем они нужны?</a:t>
             </a:r>
             <a:endParaRPr lang="en-US"/>
           </a:p>
@@ -24810,11 +25005,7 @@
             </a:pPr>
             <a:r>
               <a:rPr lang="ru-RU" smtClean="0"/>
-              <a:t>отображения </a:t>
-            </a:r>
-            <a:r>
-              <a:rPr lang="ru-RU" smtClean="0"/>
-              <a:t>времени компиляции</a:t>
+              <a:t>отображения времени компиляции</a:t>
             </a:r>
             <a:endParaRPr lang="en-US"/>
           </a:p>
@@ -25046,13 +25237,7 @@
               <a:rPr lang="en-US" sz="2000">
                 <a:latin typeface="Consolas" panose="020B0609020204030204" pitchFamily="49" charset="0"/>
               </a:rPr>
-              <a:t>template &lt;int N, typename Head, typename</a:t>
-            </a:r>
-            <a:r>
-              <a:rPr lang="en-US" sz="2000">
-                <a:latin typeface="Consolas" panose="020B0609020204030204" pitchFamily="49" charset="0"/>
-              </a:rPr>
-              <a:t>... </a:t>
+              <a:t>template &lt;int N, typename Head, typename... </a:t>
             </a:r>
             <a:r>
               <a:rPr lang="en-US" sz="2000" smtClean="0">
@@ -25075,13 +25260,7 @@
               <a:rPr lang="en-US" sz="2000">
                 <a:latin typeface="Consolas" panose="020B0609020204030204" pitchFamily="49" charset="0"/>
               </a:rPr>
-              <a:t>TupleImpl&lt;N, Head, </a:t>
-            </a:r>
-            <a:r>
-              <a:rPr lang="en-US" sz="2000">
-                <a:latin typeface="Consolas" panose="020B0609020204030204" pitchFamily="49" charset="0"/>
-              </a:rPr>
-              <a:t>Tail</a:t>
+              <a:t>TupleImpl&lt;N, Head, Tail</a:t>
             </a:r>
             <a:r>
               <a:rPr lang="en-US" sz="2000" smtClean="0">
@@ -25115,13 +25294,7 @@
               <a:rPr lang="en-US" sz="2000">
                 <a:latin typeface="Consolas" panose="020B0609020204030204" pitchFamily="49" charset="0"/>
               </a:rPr>
-              <a:t>Head </a:t>
-            </a:r>
-            <a:r>
-              <a:rPr lang="en-US" sz="2000">
-                <a:latin typeface="Consolas" panose="020B0609020204030204" pitchFamily="49" charset="0"/>
-              </a:rPr>
-              <a:t>head</a:t>
+              <a:t>Head head</a:t>
             </a:r>
             <a:r>
               <a:rPr lang="en-US" sz="2000" smtClean="0">
@@ -25144,13 +25317,7 @@
               <a:rPr lang="en-US" sz="2000">
                 <a:latin typeface="Consolas" panose="020B0609020204030204" pitchFamily="49" charset="0"/>
               </a:rPr>
-              <a:t>TupleImpl&lt;N-1, Tail...&gt; </a:t>
-            </a:r>
-            <a:r>
-              <a:rPr lang="en-US" sz="2000">
-                <a:latin typeface="Consolas" panose="020B0609020204030204" pitchFamily="49" charset="0"/>
-              </a:rPr>
-              <a:t>tail</a:t>
+              <a:t>TupleImpl&lt;N-1, Tail...&gt; tail</a:t>
             </a:r>
             <a:r>
               <a:rPr lang="en-US" sz="2000" smtClean="0">
@@ -25190,16 +25357,7 @@
                 </a:solidFill>
                 <a:latin typeface="Consolas" panose="020B0609020204030204" pitchFamily="49" charset="0"/>
               </a:rPr>
-              <a:t>template &lt;typename</a:t>
-            </a:r>
-            <a:r>
-              <a:rPr lang="en-US" sz="2000">
-                <a:solidFill>
-                  <a:srgbClr val="FFFF00"/>
-                </a:solidFill>
-                <a:latin typeface="Consolas" panose="020B0609020204030204" pitchFamily="49" charset="0"/>
-              </a:rPr>
-              <a:t>... </a:t>
+              <a:t>template &lt;typename... </a:t>
             </a:r>
             <a:r>
               <a:rPr lang="en-US" sz="2000" smtClean="0">
@@ -25243,7 +25401,16 @@
                 </a:solidFill>
                 <a:latin typeface="Consolas" panose="020B0609020204030204" pitchFamily="49" charset="0"/>
               </a:rPr>
-              <a:t>Tuple </a:t>
+              <a:t>Tuple : </a:t>
+            </a:r>
+            <a:r>
+              <a:rPr lang="en-US" sz="2000" smtClean="0">
+                <a:solidFill>
+                  <a:srgbClr val="FFFF00"/>
+                </a:solidFill>
+                <a:latin typeface="Consolas" panose="020B0609020204030204" pitchFamily="49" charset="0"/>
+              </a:rPr>
+              <a:t>public </a:t>
             </a:r>
             <a:r>
               <a:rPr lang="en-US" sz="2000">
@@ -25252,34 +25419,7 @@
                 </a:solidFill>
                 <a:latin typeface="Consolas" panose="020B0609020204030204" pitchFamily="49" charset="0"/>
               </a:rPr>
-              <a:t>: </a:t>
-            </a:r>
-            <a:r>
-              <a:rPr lang="en-US" sz="2000" smtClean="0">
-                <a:solidFill>
-                  <a:srgbClr val="FFFF00"/>
-                </a:solidFill>
-                <a:latin typeface="Consolas" panose="020B0609020204030204" pitchFamily="49" charset="0"/>
-              </a:rPr>
-              <a:t>public </a:t>
-            </a:r>
-            <a:r>
-              <a:rPr lang="en-US" sz="2000">
-                <a:solidFill>
-                  <a:srgbClr val="FFFF00"/>
-                </a:solidFill>
-                <a:latin typeface="Consolas" panose="020B0609020204030204" pitchFamily="49" charset="0"/>
-              </a:rPr>
-              <a:t>TupleImpl&lt;sizeof...(Elements)-1, </a:t>
-            </a:r>
-            <a:r>
-              <a:rPr lang="en-US" sz="2000">
-                <a:solidFill>
-                  <a:srgbClr val="FFFF00"/>
-                </a:solidFill>
-                <a:latin typeface="Consolas" panose="020B0609020204030204" pitchFamily="49" charset="0"/>
-              </a:rPr>
-              <a:t>Elements</a:t>
+              <a:t>TupleImpl&lt;sizeof...(Elements)-1, Elements</a:t>
             </a:r>
             <a:r>
               <a:rPr lang="en-US" sz="2000" smtClean="0">
@@ -25386,11 +25526,7 @@
           <a:p>
             <a:r>
               <a:rPr lang="ru-RU"/>
-              <a:t>Заменить композицию </a:t>
-            </a:r>
-            <a:r>
-              <a:rPr lang="ru-RU"/>
-              <a:t>закрытым </a:t>
+              <a:t>Заменить композицию закрытым </a:t>
             </a:r>
             <a:r>
               <a:rPr lang="ru-RU" smtClean="0"/>
